--- a/Cím nélküli prezentáció (5).pptx
+++ b/Cím nélküli prezentáció (5).pptx
@@ -19,15 +19,15 @@
     <p:sldId id="264" r:id="rId10"/>
     <p:sldId id="266" r:id="rId11"/>
     <p:sldId id="268" r:id="rId12"/>
-    <p:sldId id="270" r:id="rId13"/>
-    <p:sldId id="271" r:id="rId14"/>
-    <p:sldId id="272" r:id="rId15"/>
-    <p:sldId id="269" r:id="rId16"/>
-    <p:sldId id="267" r:id="rId17"/>
-    <p:sldId id="265" r:id="rId18"/>
-    <p:sldId id="273" r:id="rId19"/>
-    <p:sldId id="275" r:id="rId20"/>
-    <p:sldId id="277" r:id="rId21"/>
+    <p:sldId id="269" r:id="rId13"/>
+    <p:sldId id="270" r:id="rId14"/>
+    <p:sldId id="271" r:id="rId15"/>
+    <p:sldId id="277" r:id="rId16"/>
+    <p:sldId id="272" r:id="rId17"/>
+    <p:sldId id="267" r:id="rId18"/>
+    <p:sldId id="265" r:id="rId19"/>
+    <p:sldId id="273" r:id="rId20"/>
+    <p:sldId id="275" r:id="rId21"/>
     <p:sldId id="276" r:id="rId22"/>
   </p:sldIdLst>
   <p:sldSz cx="9144000" cy="5143500" type="screen16x9"/>
@@ -1080,7 +1080,7 @@
   <p:cSld>
     <p:spTree>
       <p:nvGrpSpPr>
-        <p:cNvPr id="1" name="Shape 230"/>
+        <p:cNvPr id="1" name="Shape 222"/>
         <p:cNvGrpSpPr/>
         <p:nvPr/>
       </p:nvGrpSpPr>
@@ -1094,7 +1094,7 @@
       </p:grpSpPr>
       <p:sp>
         <p:nvSpPr>
-          <p:cNvPr id="231" name="Google Shape;231;g3a299dda798_1_33:notes"/>
+          <p:cNvPr id="223" name="Google Shape;223;g39c13a02943_0_143:notes"/>
           <p:cNvSpPr>
             <a:spLocks noGrp="1" noRot="1" noChangeAspect="1"/>
           </p:cNvSpPr>
@@ -1135,7 +1135,7 @@
       </p:sp>
       <p:sp>
         <p:nvSpPr>
-          <p:cNvPr id="232" name="Google Shape;232;g3a299dda798_1_33:notes"/>
+          <p:cNvPr id="224" name="Google Shape;224;g39c13a02943_0_143:notes"/>
           <p:cNvSpPr txBox="1">
             <a:spLocks noGrp="1"/>
           </p:cNvSpPr>
@@ -1180,6 +1180,110 @@
 </file>
 
 <file path=ppt/notesSlides/notesSlide13.xml><?xml version="1.0" encoding="utf-8"?>
+<p:notes xmlns:a="http://schemas.openxmlformats.org/drawingml/2006/main" xmlns:r="http://schemas.openxmlformats.org/officeDocument/2006/relationships" xmlns:p="http://schemas.openxmlformats.org/presentationml/2006/main" showMasterSp="0" showMasterPhAnim="0">
+  <p:cSld>
+    <p:spTree>
+      <p:nvGrpSpPr>
+        <p:cNvPr id="1" name="Shape 230"/>
+        <p:cNvGrpSpPr/>
+        <p:nvPr/>
+      </p:nvGrpSpPr>
+      <p:grpSpPr>
+        <a:xfrm>
+          <a:off x="0" y="0"/>
+          <a:ext cx="0" cy="0"/>
+          <a:chOff x="0" y="0"/>
+          <a:chExt cx="0" cy="0"/>
+        </a:xfrm>
+      </p:grpSpPr>
+      <p:sp>
+        <p:nvSpPr>
+          <p:cNvPr id="231" name="Google Shape;231;g3a299dda798_1_33:notes"/>
+          <p:cNvSpPr>
+            <a:spLocks noGrp="1" noRot="1" noChangeAspect="1"/>
+          </p:cNvSpPr>
+          <p:nvPr>
+            <p:ph type="sldImg" idx="2"/>
+          </p:nvPr>
+        </p:nvSpPr>
+        <p:spPr>
+          <a:xfrm>
+            <a:off x="381000" y="685800"/>
+            <a:ext cx="6096000" cy="3429000"/>
+          </a:xfrm>
+          <a:custGeom>
+            <a:avLst/>
+            <a:gdLst/>
+            <a:ahLst/>
+            <a:cxnLst/>
+            <a:rect l="l" t="t" r="r" b="b"/>
+            <a:pathLst>
+              <a:path w="120000" h="120000" extrusionOk="0">
+                <a:moveTo>
+                  <a:pt x="0" y="0"/>
+                </a:moveTo>
+                <a:lnTo>
+                  <a:pt x="120000" y="0"/>
+                </a:lnTo>
+                <a:lnTo>
+                  <a:pt x="120000" y="120000"/>
+                </a:lnTo>
+                <a:lnTo>
+                  <a:pt x="0" y="120000"/>
+                </a:lnTo>
+                <a:close/>
+              </a:path>
+            </a:pathLst>
+          </a:custGeom>
+        </p:spPr>
+      </p:sp>
+      <p:sp>
+        <p:nvSpPr>
+          <p:cNvPr id="232" name="Google Shape;232;g3a299dda798_1_33:notes"/>
+          <p:cNvSpPr txBox="1">
+            <a:spLocks noGrp="1"/>
+          </p:cNvSpPr>
+          <p:nvPr>
+            <p:ph type="body" idx="1"/>
+          </p:nvPr>
+        </p:nvSpPr>
+        <p:spPr>
+          <a:xfrm>
+            <a:off x="685800" y="4343400"/>
+            <a:ext cx="5486400" cy="4114800"/>
+          </a:xfrm>
+          <a:prstGeom prst="rect">
+            <a:avLst/>
+          </a:prstGeom>
+        </p:spPr>
+        <p:txBody>
+          <a:bodyPr spcFirstLastPara="1" wrap="square" lIns="91425" tIns="91425" rIns="91425" bIns="91425" anchor="t" anchorCtr="0">
+            <a:noAutofit/>
+          </a:bodyPr>
+          <a:lstStyle/>
+          <a:p>
+            <a:pPr marL="0" lvl="0" indent="0" algn="l" rtl="0">
+              <a:spcBef>
+                <a:spcPts val="0"/>
+              </a:spcBef>
+              <a:spcAft>
+                <a:spcPts val="0"/>
+              </a:spcAft>
+              <a:buNone/>
+            </a:pPr>
+            <a:endParaRPr/>
+          </a:p>
+        </p:txBody>
+      </p:sp>
+    </p:spTree>
+  </p:cSld>
+  <p:clrMapOvr>
+    <a:masterClrMapping/>
+  </p:clrMapOvr>
+</p:notes>
+</file>
+
+<file path=ppt/notesSlides/notesSlide14.xml><?xml version="1.0" encoding="utf-8"?>
 <p:notes xmlns:a="http://schemas.openxmlformats.org/drawingml/2006/main" xmlns:r="http://schemas.openxmlformats.org/officeDocument/2006/relationships" xmlns:p="http://schemas.openxmlformats.org/presentationml/2006/main" showMasterSp="0" showMasterPhAnim="0">
   <p:cSld>
     <p:spTree>
@@ -1283,7 +1387,7 @@
 </p:notes>
 </file>
 
-<file path=ppt/notesSlides/notesSlide14.xml><?xml version="1.0" encoding="utf-8"?>
+<file path=ppt/notesSlides/notesSlide15.xml><?xml version="1.0" encoding="utf-8"?>
 <p:notes xmlns:a="http://schemas.openxmlformats.org/drawingml/2006/main" xmlns:r="http://schemas.openxmlformats.org/officeDocument/2006/relationships" xmlns:p="http://schemas.openxmlformats.org/presentationml/2006/main" showMasterSp="0" showMasterPhAnim="0">
   <p:cSld>
     <p:spTree>
@@ -1344,110 +1448,6 @@
       <p:sp>
         <p:nvSpPr>
           <p:cNvPr id="248" name="Google Shape;248;g3a299dda798_1_47:notes"/>
-          <p:cNvSpPr txBox="1">
-            <a:spLocks noGrp="1"/>
-          </p:cNvSpPr>
-          <p:nvPr>
-            <p:ph type="body" idx="1"/>
-          </p:nvPr>
-        </p:nvSpPr>
-        <p:spPr>
-          <a:xfrm>
-            <a:off x="685800" y="4343400"/>
-            <a:ext cx="5486400" cy="4114800"/>
-          </a:xfrm>
-          <a:prstGeom prst="rect">
-            <a:avLst/>
-          </a:prstGeom>
-        </p:spPr>
-        <p:txBody>
-          <a:bodyPr spcFirstLastPara="1" wrap="square" lIns="91425" tIns="91425" rIns="91425" bIns="91425" anchor="t" anchorCtr="0">
-            <a:noAutofit/>
-          </a:bodyPr>
-          <a:lstStyle/>
-          <a:p>
-            <a:pPr marL="0" lvl="0" indent="0" algn="l" rtl="0">
-              <a:spcBef>
-                <a:spcPts val="0"/>
-              </a:spcBef>
-              <a:spcAft>
-                <a:spcPts val="0"/>
-              </a:spcAft>
-              <a:buNone/>
-            </a:pPr>
-            <a:endParaRPr/>
-          </a:p>
-        </p:txBody>
-      </p:sp>
-    </p:spTree>
-  </p:cSld>
-  <p:clrMapOvr>
-    <a:masterClrMapping/>
-  </p:clrMapOvr>
-</p:notes>
-</file>
-
-<file path=ppt/notesSlides/notesSlide15.xml><?xml version="1.0" encoding="utf-8"?>
-<p:notes xmlns:a="http://schemas.openxmlformats.org/drawingml/2006/main" xmlns:r="http://schemas.openxmlformats.org/officeDocument/2006/relationships" xmlns:p="http://schemas.openxmlformats.org/presentationml/2006/main" showMasterSp="0" showMasterPhAnim="0">
-  <p:cSld>
-    <p:spTree>
-      <p:nvGrpSpPr>
-        <p:cNvPr id="1" name="Shape 222"/>
-        <p:cNvGrpSpPr/>
-        <p:nvPr/>
-      </p:nvGrpSpPr>
-      <p:grpSpPr>
-        <a:xfrm>
-          <a:off x="0" y="0"/>
-          <a:ext cx="0" cy="0"/>
-          <a:chOff x="0" y="0"/>
-          <a:chExt cx="0" cy="0"/>
-        </a:xfrm>
-      </p:grpSpPr>
-      <p:sp>
-        <p:nvSpPr>
-          <p:cNvPr id="223" name="Google Shape;223;g39c13a02943_0_143:notes"/>
-          <p:cNvSpPr>
-            <a:spLocks noGrp="1" noRot="1" noChangeAspect="1"/>
-          </p:cNvSpPr>
-          <p:nvPr>
-            <p:ph type="sldImg" idx="2"/>
-          </p:nvPr>
-        </p:nvSpPr>
-        <p:spPr>
-          <a:xfrm>
-            <a:off x="381000" y="685800"/>
-            <a:ext cx="6096000" cy="3429000"/>
-          </a:xfrm>
-          <a:custGeom>
-            <a:avLst/>
-            <a:gdLst/>
-            <a:ahLst/>
-            <a:cxnLst/>
-            <a:rect l="l" t="t" r="r" b="b"/>
-            <a:pathLst>
-              <a:path w="120000" h="120000" extrusionOk="0">
-                <a:moveTo>
-                  <a:pt x="0" y="0"/>
-                </a:moveTo>
-                <a:lnTo>
-                  <a:pt x="120000" y="0"/>
-                </a:lnTo>
-                <a:lnTo>
-                  <a:pt x="120000" y="120000"/>
-                </a:lnTo>
-                <a:lnTo>
-                  <a:pt x="0" y="120000"/>
-                </a:lnTo>
-                <a:close/>
-              </a:path>
-            </a:pathLst>
-          </a:custGeom>
-        </p:spPr>
-      </p:sp>
-      <p:sp>
-        <p:nvSpPr>
-          <p:cNvPr id="224" name="Google Shape;224;g39c13a02943_0_143:notes"/>
           <p:cNvSpPr txBox="1">
             <a:spLocks noGrp="1"/>
           </p:cNvSpPr>
@@ -10716,7 +10716,7 @@
         <p:fade thruBlk="1"/>
       </p:transition>
     </mc:Choice>
-    <mc:Fallback xmlns="" xmlns:mv="urn:schemas-microsoft-com:mac:vml" xmlns:c="http://schemas.openxmlformats.org/drawingml/2006/chart" xmlns:dgm="http://schemas.openxmlformats.org/drawingml/2006/diagram" xmlns:o="urn:schemas-microsoft-com:office:office" xmlns:v="urn:schemas-microsoft-com:vml" xmlns:pvml="urn:schemas-microsoft-com:office:powerpoint" xmlns:com="http://schemas.openxmlformats.org/drawingml/2006/compatibility" xmlns:p15="http://schemas.microsoft.com/office/powerpoint/2012/main" xmlns:ahyp="http://schemas.microsoft.com/office/drawing/2018/hyperlinkcolor">
+    <mc:Fallback xmlns:ahyp="http://schemas.microsoft.com/office/drawing/2018/hyperlinkcolor" xmlns:p15="http://schemas.microsoft.com/office/powerpoint/2012/main" xmlns:com="http://schemas.openxmlformats.org/drawingml/2006/compatibility" xmlns:pvml="urn:schemas-microsoft-com:office:powerpoint" xmlns:v="urn:schemas-microsoft-com:vml" xmlns:o="urn:schemas-microsoft-com:office:office" xmlns:dgm="http://schemas.openxmlformats.org/drawingml/2006/diagram" xmlns:c="http://schemas.openxmlformats.org/drawingml/2006/chart" xmlns:mv="urn:schemas-microsoft-com:mac:vml" xmlns="">
       <p:transition spd="slow">
         <p:fade/>
       </p:transition>
@@ -11244,598 +11244,6 @@
   <p:cSld>
     <p:spTree>
       <p:nvGrpSpPr>
-        <p:cNvPr id="1" name="Shape 233"/>
-        <p:cNvGrpSpPr/>
-        <p:nvPr/>
-      </p:nvGrpSpPr>
-      <p:grpSpPr>
-        <a:xfrm>
-          <a:off x="0" y="0"/>
-          <a:ext cx="0" cy="0"/>
-          <a:chOff x="0" y="0"/>
-          <a:chExt cx="0" cy="0"/>
-        </a:xfrm>
-      </p:grpSpPr>
-      <p:sp>
-        <p:nvSpPr>
-          <p:cNvPr id="234" name="Google Shape;234;p27"/>
-          <p:cNvSpPr txBox="1">
-            <a:spLocks noGrp="1"/>
-          </p:cNvSpPr>
-          <p:nvPr>
-            <p:ph type="title"/>
-          </p:nvPr>
-        </p:nvSpPr>
-        <p:spPr>
-          <a:xfrm>
-            <a:off x="1297500" y="393750"/>
-            <a:ext cx="7038900" cy="914100"/>
-          </a:xfrm>
-          <a:prstGeom prst="rect">
-            <a:avLst/>
-          </a:prstGeom>
-        </p:spPr>
-        <p:txBody>
-          <a:bodyPr spcFirstLastPara="1" wrap="square" lIns="91425" tIns="91425" rIns="91425" bIns="91425" anchor="t" anchorCtr="0">
-            <a:normAutofit/>
-          </a:bodyPr>
-          <a:lstStyle/>
-          <a:p>
-            <a:pPr marL="0" lvl="0" indent="0" algn="ctr" rtl="0">
-              <a:spcBef>
-                <a:spcPts val="0"/>
-              </a:spcBef>
-              <a:spcAft>
-                <a:spcPts val="0"/>
-              </a:spcAft>
-              <a:buNone/>
-            </a:pPr>
-            <a:r>
-              <a:rPr lang="hu-HU" dirty="0"/>
-              <a:t>DINAMIKUS FORGALOMIRÁNYÍTÁS</a:t>
-            </a:r>
-            <a:endParaRPr dirty="0"/>
-          </a:p>
-        </p:txBody>
-      </p:sp>
-      <p:sp>
-        <p:nvSpPr>
-          <p:cNvPr id="235" name="Google Shape;235;p27"/>
-          <p:cNvSpPr txBox="1">
-            <a:spLocks noGrp="1"/>
-          </p:cNvSpPr>
-          <p:nvPr>
-            <p:ph type="body" idx="1"/>
-          </p:nvPr>
-        </p:nvSpPr>
-        <p:spPr>
-          <a:xfrm>
-            <a:off x="1297500" y="1567550"/>
-            <a:ext cx="7038900" cy="2911200"/>
-          </a:xfrm>
-          <a:prstGeom prst="rect">
-            <a:avLst/>
-          </a:prstGeom>
-        </p:spPr>
-        <p:txBody>
-          <a:bodyPr spcFirstLastPara="1" wrap="square" lIns="91425" tIns="91425" rIns="91425" bIns="91425" anchor="t" anchorCtr="0">
-            <a:normAutofit/>
-          </a:bodyPr>
-          <a:lstStyle/>
-          <a:p>
-            <a:pPr marL="0" lvl="0" indent="0" algn="l" rtl="0">
-              <a:spcBef>
-                <a:spcPts val="0"/>
-              </a:spcBef>
-              <a:spcAft>
-                <a:spcPts val="1200"/>
-              </a:spcAft>
-              <a:buNone/>
-            </a:pPr>
-            <a:endParaRPr/>
-          </a:p>
-        </p:txBody>
-      </p:sp>
-      <p:pic>
-        <p:nvPicPr>
-          <p:cNvPr id="236" name="Google Shape;236;p27" title="OSPF-ip-protocols.png"/>
-          <p:cNvPicPr preferRelativeResize="0"/>
-          <p:nvPr/>
-        </p:nvPicPr>
-        <p:blipFill>
-          <a:blip r:embed="rId3">
-            <a:alphaModFix/>
-          </a:blip>
-          <a:stretch>
-            <a:fillRect/>
-          </a:stretch>
-        </p:blipFill>
-        <p:spPr>
-          <a:xfrm>
-            <a:off x="4391113" y="1198225"/>
-            <a:ext cx="4829175" cy="3524250"/>
-          </a:xfrm>
-          <a:prstGeom prst="rect">
-            <a:avLst/>
-          </a:prstGeom>
-          <a:noFill/>
-          <a:ln>
-            <a:noFill/>
-          </a:ln>
-        </p:spPr>
-      </p:pic>
-      <p:pic>
-        <p:nvPicPr>
-          <p:cNvPr id="237" name="Google Shape;237;p27" title="ospf-ipv6-protocols.png"/>
-          <p:cNvPicPr preferRelativeResize="0"/>
-          <p:nvPr/>
-        </p:nvPicPr>
-        <p:blipFill>
-          <a:blip r:embed="rId4">
-            <a:alphaModFix/>
-          </a:blip>
-          <a:stretch>
-            <a:fillRect/>
-          </a:stretch>
-        </p:blipFill>
-        <p:spPr>
-          <a:xfrm>
-            <a:off x="-4605" y="1198229"/>
-            <a:ext cx="4395701" cy="3524250"/>
-          </a:xfrm>
-          <a:prstGeom prst="rect">
-            <a:avLst/>
-          </a:prstGeom>
-          <a:noFill/>
-          <a:ln>
-            <a:noFill/>
-          </a:ln>
-        </p:spPr>
-      </p:pic>
-      <p:sp>
-        <p:nvSpPr>
-          <p:cNvPr id="2" name="Szövegdoboz 1">
-            <a:extLst>
-              <a:ext uri="{FF2B5EF4-FFF2-40B4-BE49-F238E27FC236}">
-                <a16:creationId xmlns:a16="http://schemas.microsoft.com/office/drawing/2014/main" id="{488559A2-C1B2-4349-85C1-4EE00F0B02E1}"/>
-              </a:ext>
-            </a:extLst>
-          </p:cNvPr>
-          <p:cNvSpPr txBox="1"/>
-          <p:nvPr/>
-        </p:nvSpPr>
-        <p:spPr>
-          <a:xfrm>
-            <a:off x="8173156" y="421021"/>
-            <a:ext cx="1047132" cy="307777"/>
-          </a:xfrm>
-          <a:prstGeom prst="rect">
-            <a:avLst/>
-          </a:prstGeom>
-          <a:noFill/>
-        </p:spPr>
-        <p:txBody>
-          <a:bodyPr wrap="square" rtlCol="0">
-            <a:spAutoFit/>
-          </a:bodyPr>
-          <a:lstStyle/>
-          <a:p>
-            <a:r>
-              <a:rPr lang="hu-HU" b="1" u="sng" dirty="0">
-                <a:solidFill>
-                  <a:schemeClr val="bg1"/>
-                </a:solidFill>
-              </a:rPr>
-              <a:t>RUBY</a:t>
-            </a:r>
-          </a:p>
-        </p:txBody>
-      </p:sp>
-    </p:spTree>
-  </p:cSld>
-  <p:clrMapOvr>
-    <a:masterClrMapping/>
-  </p:clrMapOvr>
-</p:sld>
-</file>
-
-<file path=ppt/slides/slide13.xml><?xml version="1.0" encoding="utf-8"?>
-<p:sld xmlns:a="http://schemas.openxmlformats.org/drawingml/2006/main" xmlns:r="http://schemas.openxmlformats.org/officeDocument/2006/relationships" xmlns:p="http://schemas.openxmlformats.org/presentationml/2006/main">
-  <p:cSld>
-    <p:spTree>
-      <p:nvGrpSpPr>
-        <p:cNvPr id="1" name="Shape 241"/>
-        <p:cNvGrpSpPr/>
-        <p:nvPr/>
-      </p:nvGrpSpPr>
-      <p:grpSpPr>
-        <a:xfrm>
-          <a:off x="0" y="0"/>
-          <a:ext cx="0" cy="0"/>
-          <a:chOff x="0" y="0"/>
-          <a:chExt cx="0" cy="0"/>
-        </a:xfrm>
-      </p:grpSpPr>
-      <p:sp>
-        <p:nvSpPr>
-          <p:cNvPr id="242" name="Google Shape;242;p28"/>
-          <p:cNvSpPr txBox="1">
-            <a:spLocks noGrp="1"/>
-          </p:cNvSpPr>
-          <p:nvPr>
-            <p:ph type="title"/>
-          </p:nvPr>
-        </p:nvSpPr>
-        <p:spPr>
-          <a:xfrm>
-            <a:off x="1297500" y="393750"/>
-            <a:ext cx="7038900" cy="914100"/>
-          </a:xfrm>
-          <a:prstGeom prst="rect">
-            <a:avLst/>
-          </a:prstGeom>
-        </p:spPr>
-        <p:txBody>
-          <a:bodyPr spcFirstLastPara="1" wrap="square" lIns="91425" tIns="91425" rIns="91425" bIns="91425" anchor="t" anchorCtr="0">
-            <a:normAutofit/>
-          </a:bodyPr>
-          <a:lstStyle/>
-          <a:p>
-            <a:pPr lvl="0" algn="ctr"/>
-            <a:r>
-              <a:rPr lang="hu-HU" dirty="0"/>
-              <a:t>DINAMIKUS FORGALOMIRÁNYÍTÁS</a:t>
-            </a:r>
-            <a:endParaRPr dirty="0"/>
-          </a:p>
-        </p:txBody>
-      </p:sp>
-      <p:sp>
-        <p:nvSpPr>
-          <p:cNvPr id="243" name="Google Shape;243;p28"/>
-          <p:cNvSpPr txBox="1">
-            <a:spLocks noGrp="1"/>
-          </p:cNvSpPr>
-          <p:nvPr>
-            <p:ph type="body" idx="1"/>
-          </p:nvPr>
-        </p:nvSpPr>
-        <p:spPr>
-          <a:xfrm>
-            <a:off x="1297500" y="1567550"/>
-            <a:ext cx="7038900" cy="2911200"/>
-          </a:xfrm>
-          <a:prstGeom prst="rect">
-            <a:avLst/>
-          </a:prstGeom>
-        </p:spPr>
-        <p:txBody>
-          <a:bodyPr spcFirstLastPara="1" wrap="square" lIns="91425" tIns="91425" rIns="91425" bIns="91425" anchor="t" anchorCtr="0">
-            <a:normAutofit/>
-          </a:bodyPr>
-          <a:lstStyle/>
-          <a:p>
-            <a:pPr marL="0" lvl="0" indent="0" algn="l" rtl="0">
-              <a:spcBef>
-                <a:spcPts val="0"/>
-              </a:spcBef>
-              <a:spcAft>
-                <a:spcPts val="1200"/>
-              </a:spcAft>
-              <a:buNone/>
-            </a:pPr>
-            <a:endParaRPr/>
-          </a:p>
-        </p:txBody>
-      </p:sp>
-      <p:pic>
-        <p:nvPicPr>
-          <p:cNvPr id="244" name="Google Shape;244;p28" title="ip-ospf-database.png"/>
-          <p:cNvPicPr preferRelativeResize="0"/>
-          <p:nvPr/>
-        </p:nvPicPr>
-        <p:blipFill>
-          <a:blip r:embed="rId3">
-            <a:alphaModFix/>
-          </a:blip>
-          <a:stretch>
-            <a:fillRect/>
-          </a:stretch>
-        </p:blipFill>
-        <p:spPr>
-          <a:xfrm>
-            <a:off x="45697" y="1567550"/>
-            <a:ext cx="4786875" cy="2194300"/>
-          </a:xfrm>
-          <a:prstGeom prst="rect">
-            <a:avLst/>
-          </a:prstGeom>
-          <a:noFill/>
-          <a:ln>
-            <a:noFill/>
-          </a:ln>
-        </p:spPr>
-      </p:pic>
-      <p:pic>
-        <p:nvPicPr>
-          <p:cNvPr id="245" name="Google Shape;245;p28" title="ipv6-ospf-database.png"/>
-          <p:cNvPicPr preferRelativeResize="0"/>
-          <p:nvPr/>
-        </p:nvPicPr>
-        <p:blipFill>
-          <a:blip r:embed="rId4">
-            <a:alphaModFix/>
-          </a:blip>
-          <a:stretch>
-            <a:fillRect/>
-          </a:stretch>
-        </p:blipFill>
-        <p:spPr>
-          <a:xfrm>
-            <a:off x="5016852" y="1307850"/>
-            <a:ext cx="3509144" cy="2911200"/>
-          </a:xfrm>
-          <a:prstGeom prst="rect">
-            <a:avLst/>
-          </a:prstGeom>
-          <a:noFill/>
-          <a:ln>
-            <a:noFill/>
-          </a:ln>
-        </p:spPr>
-      </p:pic>
-      <p:sp>
-        <p:nvSpPr>
-          <p:cNvPr id="2" name="Szövegdoboz 1">
-            <a:extLst>
-              <a:ext uri="{FF2B5EF4-FFF2-40B4-BE49-F238E27FC236}">
-                <a16:creationId xmlns:a16="http://schemas.microsoft.com/office/drawing/2014/main" id="{6E664F86-C88D-4E48-AA6D-B1EB6A2999F3}"/>
-              </a:ext>
-            </a:extLst>
-          </p:cNvPr>
-          <p:cNvSpPr txBox="1"/>
-          <p:nvPr/>
-        </p:nvSpPr>
-        <p:spPr>
-          <a:xfrm>
-            <a:off x="8336400" y="393750"/>
-            <a:ext cx="965644" cy="307777"/>
-          </a:xfrm>
-          <a:prstGeom prst="rect">
-            <a:avLst/>
-          </a:prstGeom>
-          <a:noFill/>
-        </p:spPr>
-        <p:txBody>
-          <a:bodyPr wrap="square" rtlCol="0">
-            <a:spAutoFit/>
-          </a:bodyPr>
-          <a:lstStyle/>
-          <a:p>
-            <a:r>
-              <a:rPr lang="hu-HU" b="1" u="sng" dirty="0">
-                <a:solidFill>
-                  <a:schemeClr val="bg1"/>
-                </a:solidFill>
-              </a:rPr>
-              <a:t>RUBY</a:t>
-            </a:r>
-          </a:p>
-        </p:txBody>
-      </p:sp>
-    </p:spTree>
-  </p:cSld>
-  <p:clrMapOvr>
-    <a:masterClrMapping/>
-  </p:clrMapOvr>
-</p:sld>
-</file>
-
-<file path=ppt/slides/slide14.xml><?xml version="1.0" encoding="utf-8"?>
-<p:sld xmlns:a="http://schemas.openxmlformats.org/drawingml/2006/main" xmlns:r="http://schemas.openxmlformats.org/officeDocument/2006/relationships" xmlns:p="http://schemas.openxmlformats.org/presentationml/2006/main">
-  <p:cSld>
-    <p:spTree>
-      <p:nvGrpSpPr>
-        <p:cNvPr id="1" name="Shape 249"/>
-        <p:cNvGrpSpPr/>
-        <p:nvPr/>
-      </p:nvGrpSpPr>
-      <p:grpSpPr>
-        <a:xfrm>
-          <a:off x="0" y="0"/>
-          <a:ext cx="0" cy="0"/>
-          <a:chOff x="0" y="0"/>
-          <a:chExt cx="0" cy="0"/>
-        </a:xfrm>
-      </p:grpSpPr>
-      <p:sp>
-        <p:nvSpPr>
-          <p:cNvPr id="250" name="Google Shape;250;p29"/>
-          <p:cNvSpPr txBox="1">
-            <a:spLocks noGrp="1"/>
-          </p:cNvSpPr>
-          <p:nvPr>
-            <p:ph type="title"/>
-          </p:nvPr>
-        </p:nvSpPr>
-        <p:spPr>
-          <a:xfrm>
-            <a:off x="4052825" y="393750"/>
-            <a:ext cx="4283700" cy="914100"/>
-          </a:xfrm>
-          <a:prstGeom prst="rect">
-            <a:avLst/>
-          </a:prstGeom>
-        </p:spPr>
-        <p:txBody>
-          <a:bodyPr spcFirstLastPara="1" wrap="square" lIns="91425" tIns="91425" rIns="91425" bIns="91425" anchor="t" anchorCtr="0">
-            <a:normAutofit/>
-          </a:bodyPr>
-          <a:lstStyle/>
-          <a:p>
-            <a:pPr marL="0" lvl="0" indent="0" algn="l" rtl="0">
-              <a:spcBef>
-                <a:spcPts val="0"/>
-              </a:spcBef>
-              <a:spcAft>
-                <a:spcPts val="0"/>
-              </a:spcAft>
-              <a:buNone/>
-            </a:pPr>
-            <a:r>
-              <a:rPr lang="hu"/>
-              <a:t>PPP</a:t>
-            </a:r>
-            <a:endParaRPr/>
-          </a:p>
-        </p:txBody>
-      </p:sp>
-      <p:sp>
-        <p:nvSpPr>
-          <p:cNvPr id="251" name="Google Shape;251;p29"/>
-          <p:cNvSpPr txBox="1">
-            <a:spLocks noGrp="1"/>
-          </p:cNvSpPr>
-          <p:nvPr>
-            <p:ph type="body" idx="1"/>
-          </p:nvPr>
-        </p:nvSpPr>
-        <p:spPr>
-          <a:xfrm>
-            <a:off x="2270950" y="1391600"/>
-            <a:ext cx="7038900" cy="2911200"/>
-          </a:xfrm>
-          <a:prstGeom prst="rect">
-            <a:avLst/>
-          </a:prstGeom>
-        </p:spPr>
-        <p:txBody>
-          <a:bodyPr spcFirstLastPara="1" wrap="square" lIns="91425" tIns="91425" rIns="91425" bIns="91425" anchor="t" anchorCtr="0">
-            <a:normAutofit/>
-          </a:bodyPr>
-          <a:lstStyle/>
-          <a:p>
-            <a:pPr marL="0" lvl="0" indent="0" algn="l" rtl="0">
-              <a:spcBef>
-                <a:spcPts val="0"/>
-              </a:spcBef>
-              <a:spcAft>
-                <a:spcPts val="1200"/>
-              </a:spcAft>
-              <a:buNone/>
-            </a:pPr>
-            <a:endParaRPr/>
-          </a:p>
-        </p:txBody>
-      </p:sp>
-      <p:pic>
-        <p:nvPicPr>
-          <p:cNvPr id="252" name="Google Shape;252;p29" title="Encapsulation PPP.png"/>
-          <p:cNvPicPr preferRelativeResize="0"/>
-          <p:nvPr/>
-        </p:nvPicPr>
-        <p:blipFill>
-          <a:blip r:embed="rId3">
-            <a:alphaModFix/>
-          </a:blip>
-          <a:stretch>
-            <a:fillRect/>
-          </a:stretch>
-        </p:blipFill>
-        <p:spPr>
-          <a:xfrm>
-            <a:off x="2270950" y="1963925"/>
-            <a:ext cx="4859200" cy="1071325"/>
-          </a:xfrm>
-          <a:prstGeom prst="rect">
-            <a:avLst/>
-          </a:prstGeom>
-          <a:noFill/>
-          <a:ln>
-            <a:noFill/>
-          </a:ln>
-        </p:spPr>
-      </p:pic>
-      <p:pic>
-        <p:nvPicPr>
-          <p:cNvPr id="253" name="Google Shape;253;p29" title="Encapsulation PPP-2.png"/>
-          <p:cNvPicPr preferRelativeResize="0"/>
-          <p:nvPr/>
-        </p:nvPicPr>
-        <p:blipFill>
-          <a:blip r:embed="rId4">
-            <a:alphaModFix/>
-          </a:blip>
-          <a:stretch>
-            <a:fillRect/>
-          </a:stretch>
-        </p:blipFill>
-        <p:spPr>
-          <a:xfrm>
-            <a:off x="2270950" y="3236000"/>
-            <a:ext cx="4859200" cy="1097239"/>
-          </a:xfrm>
-          <a:prstGeom prst="rect">
-            <a:avLst/>
-          </a:prstGeom>
-          <a:noFill/>
-          <a:ln>
-            <a:noFill/>
-          </a:ln>
-        </p:spPr>
-      </p:pic>
-      <p:sp>
-        <p:nvSpPr>
-          <p:cNvPr id="2" name="Szövegdoboz 1">
-            <a:extLst>
-              <a:ext uri="{FF2B5EF4-FFF2-40B4-BE49-F238E27FC236}">
-                <a16:creationId xmlns:a16="http://schemas.microsoft.com/office/drawing/2014/main" id="{DA67FA36-C22B-4C95-9AF2-9C9A281BF7D0}"/>
-              </a:ext>
-            </a:extLst>
-          </p:cNvPr>
-          <p:cNvSpPr txBox="1"/>
-          <p:nvPr/>
-        </p:nvSpPr>
-        <p:spPr>
-          <a:xfrm>
-            <a:off x="8336525" y="393750"/>
-            <a:ext cx="973325" cy="307777"/>
-          </a:xfrm>
-          <a:prstGeom prst="rect">
-            <a:avLst/>
-          </a:prstGeom>
-          <a:noFill/>
-        </p:spPr>
-        <p:txBody>
-          <a:bodyPr wrap="square" rtlCol="0">
-            <a:spAutoFit/>
-          </a:bodyPr>
-          <a:lstStyle/>
-          <a:p>
-            <a:r>
-              <a:rPr lang="hu-HU" b="1" u="sng" dirty="0">
-                <a:solidFill>
-                  <a:schemeClr val="bg1"/>
-                </a:solidFill>
-              </a:rPr>
-              <a:t>RUBY</a:t>
-            </a:r>
-          </a:p>
-        </p:txBody>
-      </p:sp>
-    </p:spTree>
-  </p:cSld>
-  <p:clrMapOvr>
-    <a:masterClrMapping/>
-  </p:clrMapOvr>
-</p:sld>
-</file>
-
-<file path=ppt/slides/slide15.xml><?xml version="1.0" encoding="utf-8"?>
-<p:sld xmlns:a="http://schemas.openxmlformats.org/drawingml/2006/main" xmlns:r="http://schemas.openxmlformats.org/officeDocument/2006/relationships" xmlns:p="http://schemas.openxmlformats.org/presentationml/2006/main">
-  <p:cSld>
-    <p:spTree>
-      <p:nvGrpSpPr>
         <p:cNvPr id="1" name="Shape 225"/>
         <p:cNvGrpSpPr/>
         <p:nvPr/>
@@ -12142,7 +11550,752 @@
 </p:sld>
 </file>
 
+<file path=ppt/slides/slide13.xml><?xml version="1.0" encoding="utf-8"?>
+<p:sld xmlns:a="http://schemas.openxmlformats.org/drawingml/2006/main" xmlns:r="http://schemas.openxmlformats.org/officeDocument/2006/relationships" xmlns:p="http://schemas.openxmlformats.org/presentationml/2006/main">
+  <p:cSld>
+    <p:spTree>
+      <p:nvGrpSpPr>
+        <p:cNvPr id="1" name="Shape 233"/>
+        <p:cNvGrpSpPr/>
+        <p:nvPr/>
+      </p:nvGrpSpPr>
+      <p:grpSpPr>
+        <a:xfrm>
+          <a:off x="0" y="0"/>
+          <a:ext cx="0" cy="0"/>
+          <a:chOff x="0" y="0"/>
+          <a:chExt cx="0" cy="0"/>
+        </a:xfrm>
+      </p:grpSpPr>
+      <p:sp>
+        <p:nvSpPr>
+          <p:cNvPr id="234" name="Google Shape;234;p27"/>
+          <p:cNvSpPr txBox="1">
+            <a:spLocks noGrp="1"/>
+          </p:cNvSpPr>
+          <p:nvPr>
+            <p:ph type="title"/>
+          </p:nvPr>
+        </p:nvSpPr>
+        <p:spPr>
+          <a:xfrm>
+            <a:off x="1297500" y="393750"/>
+            <a:ext cx="7038900" cy="914100"/>
+          </a:xfrm>
+          <a:prstGeom prst="rect">
+            <a:avLst/>
+          </a:prstGeom>
+        </p:spPr>
+        <p:txBody>
+          <a:bodyPr spcFirstLastPara="1" wrap="square" lIns="91425" tIns="91425" rIns="91425" bIns="91425" anchor="t" anchorCtr="0">
+            <a:normAutofit/>
+          </a:bodyPr>
+          <a:lstStyle/>
+          <a:p>
+            <a:pPr marL="0" lvl="0" indent="0" algn="ctr" rtl="0">
+              <a:spcBef>
+                <a:spcPts val="0"/>
+              </a:spcBef>
+              <a:spcAft>
+                <a:spcPts val="0"/>
+              </a:spcAft>
+              <a:buNone/>
+            </a:pPr>
+            <a:r>
+              <a:rPr lang="hu-HU" dirty="0"/>
+              <a:t>DINAMIKUS FORGALOMIRÁNYÍTÁS</a:t>
+            </a:r>
+            <a:endParaRPr dirty="0"/>
+          </a:p>
+        </p:txBody>
+      </p:sp>
+      <p:sp>
+        <p:nvSpPr>
+          <p:cNvPr id="235" name="Google Shape;235;p27"/>
+          <p:cNvSpPr txBox="1">
+            <a:spLocks noGrp="1"/>
+          </p:cNvSpPr>
+          <p:nvPr>
+            <p:ph type="body" idx="1"/>
+          </p:nvPr>
+        </p:nvSpPr>
+        <p:spPr>
+          <a:xfrm>
+            <a:off x="1297500" y="1567550"/>
+            <a:ext cx="7038900" cy="2911200"/>
+          </a:xfrm>
+          <a:prstGeom prst="rect">
+            <a:avLst/>
+          </a:prstGeom>
+        </p:spPr>
+        <p:txBody>
+          <a:bodyPr spcFirstLastPara="1" wrap="square" lIns="91425" tIns="91425" rIns="91425" bIns="91425" anchor="t" anchorCtr="0">
+            <a:normAutofit/>
+          </a:bodyPr>
+          <a:lstStyle/>
+          <a:p>
+            <a:pPr marL="0" lvl="0" indent="0" algn="l" rtl="0">
+              <a:spcBef>
+                <a:spcPts val="0"/>
+              </a:spcBef>
+              <a:spcAft>
+                <a:spcPts val="1200"/>
+              </a:spcAft>
+              <a:buNone/>
+            </a:pPr>
+            <a:endParaRPr/>
+          </a:p>
+        </p:txBody>
+      </p:sp>
+      <p:pic>
+        <p:nvPicPr>
+          <p:cNvPr id="236" name="Google Shape;236;p27" title="OSPF-ip-protocols.png"/>
+          <p:cNvPicPr preferRelativeResize="0"/>
+          <p:nvPr/>
+        </p:nvPicPr>
+        <p:blipFill>
+          <a:blip r:embed="rId3">
+            <a:alphaModFix/>
+          </a:blip>
+          <a:stretch>
+            <a:fillRect/>
+          </a:stretch>
+        </p:blipFill>
+        <p:spPr>
+          <a:xfrm>
+            <a:off x="4391113" y="1198225"/>
+            <a:ext cx="4829175" cy="3524250"/>
+          </a:xfrm>
+          <a:prstGeom prst="rect">
+            <a:avLst/>
+          </a:prstGeom>
+          <a:noFill/>
+          <a:ln>
+            <a:noFill/>
+          </a:ln>
+        </p:spPr>
+      </p:pic>
+      <p:pic>
+        <p:nvPicPr>
+          <p:cNvPr id="237" name="Google Shape;237;p27" title="ospf-ipv6-protocols.png"/>
+          <p:cNvPicPr preferRelativeResize="0"/>
+          <p:nvPr/>
+        </p:nvPicPr>
+        <p:blipFill>
+          <a:blip r:embed="rId4">
+            <a:alphaModFix/>
+          </a:blip>
+          <a:stretch>
+            <a:fillRect/>
+          </a:stretch>
+        </p:blipFill>
+        <p:spPr>
+          <a:xfrm>
+            <a:off x="-4605" y="1198229"/>
+            <a:ext cx="4395701" cy="3524250"/>
+          </a:xfrm>
+          <a:prstGeom prst="rect">
+            <a:avLst/>
+          </a:prstGeom>
+          <a:noFill/>
+          <a:ln>
+            <a:noFill/>
+          </a:ln>
+        </p:spPr>
+      </p:pic>
+      <p:sp>
+        <p:nvSpPr>
+          <p:cNvPr id="2" name="Szövegdoboz 1">
+            <a:extLst>
+              <a:ext uri="{FF2B5EF4-FFF2-40B4-BE49-F238E27FC236}">
+                <a16:creationId xmlns:a16="http://schemas.microsoft.com/office/drawing/2014/main" id="{488559A2-C1B2-4349-85C1-4EE00F0B02E1}"/>
+              </a:ext>
+            </a:extLst>
+          </p:cNvPr>
+          <p:cNvSpPr txBox="1"/>
+          <p:nvPr/>
+        </p:nvSpPr>
+        <p:spPr>
+          <a:xfrm>
+            <a:off x="8173156" y="421021"/>
+            <a:ext cx="1047132" cy="307777"/>
+          </a:xfrm>
+          <a:prstGeom prst="rect">
+            <a:avLst/>
+          </a:prstGeom>
+          <a:noFill/>
+        </p:spPr>
+        <p:txBody>
+          <a:bodyPr wrap="square" rtlCol="0">
+            <a:spAutoFit/>
+          </a:bodyPr>
+          <a:lstStyle/>
+          <a:p>
+            <a:r>
+              <a:rPr lang="hu-HU" b="1" u="sng" dirty="0">
+                <a:solidFill>
+                  <a:schemeClr val="bg1"/>
+                </a:solidFill>
+              </a:rPr>
+              <a:t>RUBY</a:t>
+            </a:r>
+          </a:p>
+        </p:txBody>
+      </p:sp>
+    </p:spTree>
+  </p:cSld>
+  <p:clrMapOvr>
+    <a:masterClrMapping/>
+  </p:clrMapOvr>
+</p:sld>
+</file>
+
+<file path=ppt/slides/slide14.xml><?xml version="1.0" encoding="utf-8"?>
+<p:sld xmlns:a="http://schemas.openxmlformats.org/drawingml/2006/main" xmlns:r="http://schemas.openxmlformats.org/officeDocument/2006/relationships" xmlns:p="http://schemas.openxmlformats.org/presentationml/2006/main">
+  <p:cSld>
+    <p:spTree>
+      <p:nvGrpSpPr>
+        <p:cNvPr id="1" name="Shape 241"/>
+        <p:cNvGrpSpPr/>
+        <p:nvPr/>
+      </p:nvGrpSpPr>
+      <p:grpSpPr>
+        <a:xfrm>
+          <a:off x="0" y="0"/>
+          <a:ext cx="0" cy="0"/>
+          <a:chOff x="0" y="0"/>
+          <a:chExt cx="0" cy="0"/>
+        </a:xfrm>
+      </p:grpSpPr>
+      <p:sp>
+        <p:nvSpPr>
+          <p:cNvPr id="242" name="Google Shape;242;p28"/>
+          <p:cNvSpPr txBox="1">
+            <a:spLocks noGrp="1"/>
+          </p:cNvSpPr>
+          <p:nvPr>
+            <p:ph type="title"/>
+          </p:nvPr>
+        </p:nvSpPr>
+        <p:spPr>
+          <a:xfrm>
+            <a:off x="1297500" y="393750"/>
+            <a:ext cx="7038900" cy="914100"/>
+          </a:xfrm>
+          <a:prstGeom prst="rect">
+            <a:avLst/>
+          </a:prstGeom>
+        </p:spPr>
+        <p:txBody>
+          <a:bodyPr spcFirstLastPara="1" wrap="square" lIns="91425" tIns="91425" rIns="91425" bIns="91425" anchor="t" anchorCtr="0">
+            <a:normAutofit/>
+          </a:bodyPr>
+          <a:lstStyle/>
+          <a:p>
+            <a:pPr lvl="0" algn="ctr"/>
+            <a:r>
+              <a:rPr lang="hu-HU" dirty="0"/>
+              <a:t>DINAMIKUS FORGALOMIRÁNYÍTÁS</a:t>
+            </a:r>
+            <a:endParaRPr dirty="0"/>
+          </a:p>
+        </p:txBody>
+      </p:sp>
+      <p:sp>
+        <p:nvSpPr>
+          <p:cNvPr id="243" name="Google Shape;243;p28"/>
+          <p:cNvSpPr txBox="1">
+            <a:spLocks noGrp="1"/>
+          </p:cNvSpPr>
+          <p:nvPr>
+            <p:ph type="body" idx="1"/>
+          </p:nvPr>
+        </p:nvSpPr>
+        <p:spPr>
+          <a:xfrm>
+            <a:off x="1297500" y="1567550"/>
+            <a:ext cx="7038900" cy="2911200"/>
+          </a:xfrm>
+          <a:prstGeom prst="rect">
+            <a:avLst/>
+          </a:prstGeom>
+        </p:spPr>
+        <p:txBody>
+          <a:bodyPr spcFirstLastPara="1" wrap="square" lIns="91425" tIns="91425" rIns="91425" bIns="91425" anchor="t" anchorCtr="0">
+            <a:normAutofit/>
+          </a:bodyPr>
+          <a:lstStyle/>
+          <a:p>
+            <a:pPr marL="0" lvl="0" indent="0" algn="l" rtl="0">
+              <a:spcBef>
+                <a:spcPts val="0"/>
+              </a:spcBef>
+              <a:spcAft>
+                <a:spcPts val="1200"/>
+              </a:spcAft>
+              <a:buNone/>
+            </a:pPr>
+            <a:endParaRPr/>
+          </a:p>
+        </p:txBody>
+      </p:sp>
+      <p:pic>
+        <p:nvPicPr>
+          <p:cNvPr id="244" name="Google Shape;244;p28" title="ip-ospf-database.png"/>
+          <p:cNvPicPr preferRelativeResize="0"/>
+          <p:nvPr/>
+        </p:nvPicPr>
+        <p:blipFill>
+          <a:blip r:embed="rId3">
+            <a:alphaModFix/>
+          </a:blip>
+          <a:stretch>
+            <a:fillRect/>
+          </a:stretch>
+        </p:blipFill>
+        <p:spPr>
+          <a:xfrm>
+            <a:off x="45697" y="1567550"/>
+            <a:ext cx="4786875" cy="2194300"/>
+          </a:xfrm>
+          <a:prstGeom prst="rect">
+            <a:avLst/>
+          </a:prstGeom>
+          <a:noFill/>
+          <a:ln>
+            <a:noFill/>
+          </a:ln>
+        </p:spPr>
+      </p:pic>
+      <p:pic>
+        <p:nvPicPr>
+          <p:cNvPr id="245" name="Google Shape;245;p28" title="ipv6-ospf-database.png"/>
+          <p:cNvPicPr preferRelativeResize="0"/>
+          <p:nvPr/>
+        </p:nvPicPr>
+        <p:blipFill>
+          <a:blip r:embed="rId4">
+            <a:alphaModFix/>
+          </a:blip>
+          <a:stretch>
+            <a:fillRect/>
+          </a:stretch>
+        </p:blipFill>
+        <p:spPr>
+          <a:xfrm>
+            <a:off x="5016852" y="1307850"/>
+            <a:ext cx="3509144" cy="2911200"/>
+          </a:xfrm>
+          <a:prstGeom prst="rect">
+            <a:avLst/>
+          </a:prstGeom>
+          <a:noFill/>
+          <a:ln>
+            <a:noFill/>
+          </a:ln>
+        </p:spPr>
+      </p:pic>
+      <p:sp>
+        <p:nvSpPr>
+          <p:cNvPr id="2" name="Szövegdoboz 1">
+            <a:extLst>
+              <a:ext uri="{FF2B5EF4-FFF2-40B4-BE49-F238E27FC236}">
+                <a16:creationId xmlns:a16="http://schemas.microsoft.com/office/drawing/2014/main" id="{6E664F86-C88D-4E48-AA6D-B1EB6A2999F3}"/>
+              </a:ext>
+            </a:extLst>
+          </p:cNvPr>
+          <p:cNvSpPr txBox="1"/>
+          <p:nvPr/>
+        </p:nvSpPr>
+        <p:spPr>
+          <a:xfrm>
+            <a:off x="8336400" y="393750"/>
+            <a:ext cx="965644" cy="307777"/>
+          </a:xfrm>
+          <a:prstGeom prst="rect">
+            <a:avLst/>
+          </a:prstGeom>
+          <a:noFill/>
+        </p:spPr>
+        <p:txBody>
+          <a:bodyPr wrap="square" rtlCol="0">
+            <a:spAutoFit/>
+          </a:bodyPr>
+          <a:lstStyle/>
+          <a:p>
+            <a:r>
+              <a:rPr lang="hu-HU" b="1" u="sng" dirty="0">
+                <a:solidFill>
+                  <a:schemeClr val="bg1"/>
+                </a:solidFill>
+              </a:rPr>
+              <a:t>RUBY</a:t>
+            </a:r>
+          </a:p>
+        </p:txBody>
+      </p:sp>
+    </p:spTree>
+  </p:cSld>
+  <p:clrMapOvr>
+    <a:masterClrMapping/>
+  </p:clrMapOvr>
+</p:sld>
+</file>
+
+<file path=ppt/slides/slide15.xml><?xml version="1.0" encoding="utf-8"?>
+<p:sld xmlns:a="http://schemas.openxmlformats.org/drawingml/2006/main" xmlns:r="http://schemas.openxmlformats.org/officeDocument/2006/relationships" xmlns:p="http://schemas.openxmlformats.org/presentationml/2006/main">
+  <p:cSld>
+    <p:spTree>
+      <p:nvGrpSpPr>
+        <p:cNvPr id="1" name=""/>
+        <p:cNvGrpSpPr/>
+        <p:nvPr/>
+      </p:nvGrpSpPr>
+      <p:grpSpPr>
+        <a:xfrm>
+          <a:off x="0" y="0"/>
+          <a:ext cx="0" cy="0"/>
+          <a:chOff x="0" y="0"/>
+          <a:chExt cx="0" cy="0"/>
+        </a:xfrm>
+      </p:grpSpPr>
+      <p:sp>
+        <p:nvSpPr>
+          <p:cNvPr id="2" name="Cím 1">
+            <a:extLst>
+              <a:ext uri="{FF2B5EF4-FFF2-40B4-BE49-F238E27FC236}">
+                <a16:creationId xmlns:a16="http://schemas.microsoft.com/office/drawing/2014/main" id="{8BB0A95C-25B1-4FC5-A3FC-139AF3F42B6A}"/>
+              </a:ext>
+            </a:extLst>
+          </p:cNvPr>
+          <p:cNvSpPr>
+            <a:spLocks noGrp="1"/>
+          </p:cNvSpPr>
+          <p:nvPr>
+            <p:ph type="title"/>
+          </p:nvPr>
+        </p:nvSpPr>
+        <p:spPr/>
+        <p:txBody>
+          <a:bodyPr/>
+          <a:lstStyle/>
+          <a:p>
+            <a:pPr algn="ctr"/>
+            <a:r>
+              <a:rPr lang="hu-HU" dirty="0"/>
+              <a:t>NAT</a:t>
+            </a:r>
+          </a:p>
+        </p:txBody>
+      </p:sp>
+      <p:sp>
+        <p:nvSpPr>
+          <p:cNvPr id="3" name="Szöveg helye 2">
+            <a:extLst>
+              <a:ext uri="{FF2B5EF4-FFF2-40B4-BE49-F238E27FC236}">
+                <a16:creationId xmlns:a16="http://schemas.microsoft.com/office/drawing/2014/main" id="{E99785AC-FE95-4615-AD2D-9FFBCC148CCC}"/>
+              </a:ext>
+            </a:extLst>
+          </p:cNvPr>
+          <p:cNvSpPr>
+            <a:spLocks noGrp="1"/>
+          </p:cNvSpPr>
+          <p:nvPr>
+            <p:ph type="body" idx="1"/>
+          </p:nvPr>
+        </p:nvSpPr>
+        <p:spPr/>
+        <p:txBody>
+          <a:bodyPr/>
+          <a:lstStyle/>
+          <a:p>
+            <a:endParaRPr lang="hu-HU"/>
+          </a:p>
+        </p:txBody>
+      </p:sp>
+      <p:sp>
+        <p:nvSpPr>
+          <p:cNvPr id="4" name="Szövegdoboz 3">
+            <a:extLst>
+              <a:ext uri="{FF2B5EF4-FFF2-40B4-BE49-F238E27FC236}">
+                <a16:creationId xmlns:a16="http://schemas.microsoft.com/office/drawing/2014/main" id="{A21DDE84-E699-4195-B0DA-9C8FC4C62C27}"/>
+              </a:ext>
+            </a:extLst>
+          </p:cNvPr>
+          <p:cNvSpPr txBox="1"/>
+          <p:nvPr/>
+        </p:nvSpPr>
+        <p:spPr>
+          <a:xfrm>
+            <a:off x="8222512" y="545805"/>
+            <a:ext cx="694421" cy="307777"/>
+          </a:xfrm>
+          <a:prstGeom prst="rect">
+            <a:avLst/>
+          </a:prstGeom>
+          <a:noFill/>
+        </p:spPr>
+        <p:txBody>
+          <a:bodyPr wrap="none" rtlCol="0">
+            <a:spAutoFit/>
+          </a:bodyPr>
+          <a:lstStyle/>
+          <a:p>
+            <a:r>
+              <a:rPr lang="hu-HU" b="1" u="sng" dirty="0">
+                <a:solidFill>
+                  <a:schemeClr val="bg1"/>
+                </a:solidFill>
+              </a:rPr>
+              <a:t>RUBY</a:t>
+            </a:r>
+          </a:p>
+        </p:txBody>
+      </p:sp>
+      <p:pic>
+        <p:nvPicPr>
+          <p:cNvPr id="6" name="Kép 5">
+            <a:extLst>
+              <a:ext uri="{FF2B5EF4-FFF2-40B4-BE49-F238E27FC236}">
+                <a16:creationId xmlns:a16="http://schemas.microsoft.com/office/drawing/2014/main" id="{A504A6B4-2B9F-4E4E-97D6-0856EDE1F310}"/>
+              </a:ext>
+            </a:extLst>
+          </p:cNvPr>
+          <p:cNvPicPr>
+            <a:picLocks noChangeAspect="1"/>
+          </p:cNvPicPr>
+          <p:nvPr/>
+        </p:nvPicPr>
+        <p:blipFill>
+          <a:blip r:embed="rId2"/>
+          <a:stretch>
+            <a:fillRect/>
+          </a:stretch>
+        </p:blipFill>
+        <p:spPr>
+          <a:xfrm>
+            <a:off x="664696" y="2410371"/>
+            <a:ext cx="7814608" cy="1091285"/>
+          </a:xfrm>
+          <a:prstGeom prst="rect">
+            <a:avLst/>
+          </a:prstGeom>
+        </p:spPr>
+      </p:pic>
+    </p:spTree>
+    <p:extLst>
+      <p:ext uri="{BB962C8B-B14F-4D97-AF65-F5344CB8AC3E}">
+        <p14:creationId xmlns:p14="http://schemas.microsoft.com/office/powerpoint/2010/main" val="2118398160"/>
+      </p:ext>
+    </p:extLst>
+  </p:cSld>
+  <p:clrMapOvr>
+    <a:masterClrMapping/>
+  </p:clrMapOvr>
+</p:sld>
+</file>
+
 <file path=ppt/slides/slide16.xml><?xml version="1.0" encoding="utf-8"?>
+<p:sld xmlns:a="http://schemas.openxmlformats.org/drawingml/2006/main" xmlns:r="http://schemas.openxmlformats.org/officeDocument/2006/relationships" xmlns:p="http://schemas.openxmlformats.org/presentationml/2006/main">
+  <p:cSld>
+    <p:spTree>
+      <p:nvGrpSpPr>
+        <p:cNvPr id="1" name="Shape 249"/>
+        <p:cNvGrpSpPr/>
+        <p:nvPr/>
+      </p:nvGrpSpPr>
+      <p:grpSpPr>
+        <a:xfrm>
+          <a:off x="0" y="0"/>
+          <a:ext cx="0" cy="0"/>
+          <a:chOff x="0" y="0"/>
+          <a:chExt cx="0" cy="0"/>
+        </a:xfrm>
+      </p:grpSpPr>
+      <p:sp>
+        <p:nvSpPr>
+          <p:cNvPr id="250" name="Google Shape;250;p29"/>
+          <p:cNvSpPr txBox="1">
+            <a:spLocks noGrp="1"/>
+          </p:cNvSpPr>
+          <p:nvPr>
+            <p:ph type="title"/>
+          </p:nvPr>
+        </p:nvSpPr>
+        <p:spPr>
+          <a:xfrm>
+            <a:off x="4052825" y="393750"/>
+            <a:ext cx="4283700" cy="914100"/>
+          </a:xfrm>
+          <a:prstGeom prst="rect">
+            <a:avLst/>
+          </a:prstGeom>
+        </p:spPr>
+        <p:txBody>
+          <a:bodyPr spcFirstLastPara="1" wrap="square" lIns="91425" tIns="91425" rIns="91425" bIns="91425" anchor="t" anchorCtr="0">
+            <a:normAutofit/>
+          </a:bodyPr>
+          <a:lstStyle/>
+          <a:p>
+            <a:pPr marL="0" lvl="0" indent="0" algn="l" rtl="0">
+              <a:spcBef>
+                <a:spcPts val="0"/>
+              </a:spcBef>
+              <a:spcAft>
+                <a:spcPts val="0"/>
+              </a:spcAft>
+              <a:buNone/>
+            </a:pPr>
+            <a:r>
+              <a:rPr lang="hu"/>
+              <a:t>PPP</a:t>
+            </a:r>
+            <a:endParaRPr/>
+          </a:p>
+        </p:txBody>
+      </p:sp>
+      <p:sp>
+        <p:nvSpPr>
+          <p:cNvPr id="251" name="Google Shape;251;p29"/>
+          <p:cNvSpPr txBox="1">
+            <a:spLocks noGrp="1"/>
+          </p:cNvSpPr>
+          <p:nvPr>
+            <p:ph type="body" idx="1"/>
+          </p:nvPr>
+        </p:nvSpPr>
+        <p:spPr>
+          <a:xfrm>
+            <a:off x="2270950" y="1391600"/>
+            <a:ext cx="7038900" cy="2911200"/>
+          </a:xfrm>
+          <a:prstGeom prst="rect">
+            <a:avLst/>
+          </a:prstGeom>
+        </p:spPr>
+        <p:txBody>
+          <a:bodyPr spcFirstLastPara="1" wrap="square" lIns="91425" tIns="91425" rIns="91425" bIns="91425" anchor="t" anchorCtr="0">
+            <a:normAutofit/>
+          </a:bodyPr>
+          <a:lstStyle/>
+          <a:p>
+            <a:pPr marL="0" lvl="0" indent="0" algn="l" rtl="0">
+              <a:spcBef>
+                <a:spcPts val="0"/>
+              </a:spcBef>
+              <a:spcAft>
+                <a:spcPts val="1200"/>
+              </a:spcAft>
+              <a:buNone/>
+            </a:pPr>
+            <a:endParaRPr/>
+          </a:p>
+        </p:txBody>
+      </p:sp>
+      <p:pic>
+        <p:nvPicPr>
+          <p:cNvPr id="252" name="Google Shape;252;p29" title="Encapsulation PPP.png"/>
+          <p:cNvPicPr preferRelativeResize="0"/>
+          <p:nvPr/>
+        </p:nvPicPr>
+        <p:blipFill>
+          <a:blip r:embed="rId3">
+            <a:alphaModFix/>
+          </a:blip>
+          <a:stretch>
+            <a:fillRect/>
+          </a:stretch>
+        </p:blipFill>
+        <p:spPr>
+          <a:xfrm>
+            <a:off x="2270950" y="1963925"/>
+            <a:ext cx="4859200" cy="1071325"/>
+          </a:xfrm>
+          <a:prstGeom prst="rect">
+            <a:avLst/>
+          </a:prstGeom>
+          <a:noFill/>
+          <a:ln>
+            <a:noFill/>
+          </a:ln>
+        </p:spPr>
+      </p:pic>
+      <p:pic>
+        <p:nvPicPr>
+          <p:cNvPr id="253" name="Google Shape;253;p29" title="Encapsulation PPP-2.png"/>
+          <p:cNvPicPr preferRelativeResize="0"/>
+          <p:nvPr/>
+        </p:nvPicPr>
+        <p:blipFill>
+          <a:blip r:embed="rId4">
+            <a:alphaModFix/>
+          </a:blip>
+          <a:stretch>
+            <a:fillRect/>
+          </a:stretch>
+        </p:blipFill>
+        <p:spPr>
+          <a:xfrm>
+            <a:off x="2270950" y="3236000"/>
+            <a:ext cx="4859200" cy="1097239"/>
+          </a:xfrm>
+          <a:prstGeom prst="rect">
+            <a:avLst/>
+          </a:prstGeom>
+          <a:noFill/>
+          <a:ln>
+            <a:noFill/>
+          </a:ln>
+        </p:spPr>
+      </p:pic>
+      <p:sp>
+        <p:nvSpPr>
+          <p:cNvPr id="2" name="Szövegdoboz 1">
+            <a:extLst>
+              <a:ext uri="{FF2B5EF4-FFF2-40B4-BE49-F238E27FC236}">
+                <a16:creationId xmlns:a16="http://schemas.microsoft.com/office/drawing/2014/main" id="{DA67FA36-C22B-4C95-9AF2-9C9A281BF7D0}"/>
+              </a:ext>
+            </a:extLst>
+          </p:cNvPr>
+          <p:cNvSpPr txBox="1"/>
+          <p:nvPr/>
+        </p:nvSpPr>
+        <p:spPr>
+          <a:xfrm>
+            <a:off x="8336525" y="393750"/>
+            <a:ext cx="973325" cy="307777"/>
+          </a:xfrm>
+          <a:prstGeom prst="rect">
+            <a:avLst/>
+          </a:prstGeom>
+          <a:noFill/>
+        </p:spPr>
+        <p:txBody>
+          <a:bodyPr wrap="square" rtlCol="0">
+            <a:spAutoFit/>
+          </a:bodyPr>
+          <a:lstStyle/>
+          <a:p>
+            <a:r>
+              <a:rPr lang="hu-HU" b="1" u="sng" dirty="0">
+                <a:solidFill>
+                  <a:schemeClr val="bg1"/>
+                </a:solidFill>
+              </a:rPr>
+              <a:t>RUBY</a:t>
+            </a:r>
+          </a:p>
+        </p:txBody>
+      </p:sp>
+    </p:spTree>
+  </p:cSld>
+  <p:clrMapOvr>
+    <a:masterClrMapping/>
+  </p:clrMapOvr>
+</p:sld>
+</file>
+
+<file path=ppt/slides/slide17.xml><?xml version="1.0" encoding="utf-8"?>
 <p:sld xmlns:a="http://schemas.openxmlformats.org/drawingml/2006/main" xmlns:r="http://schemas.openxmlformats.org/officeDocument/2006/relationships" xmlns:p="http://schemas.openxmlformats.org/presentationml/2006/main">
   <p:cSld>
     <p:spTree>
@@ -12422,7 +12575,7 @@
 </p:sld>
 </file>
 
-<file path=ppt/slides/slide17.xml><?xml version="1.0" encoding="utf-8"?>
+<file path=ppt/slides/slide18.xml><?xml version="1.0" encoding="utf-8"?>
 <p:sld xmlns:a="http://schemas.openxmlformats.org/drawingml/2006/main" xmlns:r="http://schemas.openxmlformats.org/officeDocument/2006/relationships" xmlns:p="http://schemas.openxmlformats.org/presentationml/2006/main">
   <p:cSld>
     <p:spTree>
@@ -12696,7 +12849,7 @@
 </p:sld>
 </file>
 
-<file path=ppt/slides/slide18.xml><?xml version="1.0" encoding="utf-8"?>
+<file path=ppt/slides/slide19.xml><?xml version="1.0" encoding="utf-8"?>
 <p:sld xmlns:a="http://schemas.openxmlformats.org/drawingml/2006/main" xmlns:r="http://schemas.openxmlformats.org/officeDocument/2006/relationships" xmlns:p="http://schemas.openxmlformats.org/presentationml/2006/main">
   <p:cSld>
     <p:spTree>
@@ -12850,7 +13003,7 @@
         <p:spPr>
           <a:xfrm>
             <a:off x="0" y="850800"/>
-            <a:ext cx="9144000" cy="4026000"/>
+            <a:ext cx="9144000" cy="4414014"/>
           </a:xfrm>
           <a:prstGeom prst="rect">
             <a:avLst/>
@@ -12900,7 +13053,263 @@
 </p:sld>
 </file>
 
-<file path=ppt/slides/slide19.xml><?xml version="1.0" encoding="utf-8"?>
+<file path=ppt/slides/slide2.xml><?xml version="1.0" encoding="utf-8"?>
+<p:sld xmlns:a="http://schemas.openxmlformats.org/drawingml/2006/main" xmlns:r="http://schemas.openxmlformats.org/officeDocument/2006/relationships" xmlns:p="http://schemas.openxmlformats.org/presentationml/2006/main">
+  <p:cSld>
+    <p:spTree>
+      <p:nvGrpSpPr>
+        <p:cNvPr id="1" name="Shape 139"/>
+        <p:cNvGrpSpPr/>
+        <p:nvPr/>
+      </p:nvGrpSpPr>
+      <p:grpSpPr>
+        <a:xfrm>
+          <a:off x="0" y="0"/>
+          <a:ext cx="0" cy="0"/>
+          <a:chOff x="0" y="0"/>
+          <a:chExt cx="0" cy="0"/>
+        </a:xfrm>
+      </p:grpSpPr>
+      <p:sp>
+        <p:nvSpPr>
+          <p:cNvPr id="140" name="Google Shape;140;p14"/>
+          <p:cNvSpPr txBox="1">
+            <a:spLocks noGrp="1"/>
+          </p:cNvSpPr>
+          <p:nvPr>
+            <p:ph type="title"/>
+          </p:nvPr>
+        </p:nvSpPr>
+        <p:spPr>
+          <a:xfrm>
+            <a:off x="1220033" y="351875"/>
+            <a:ext cx="7038900" cy="914100"/>
+          </a:xfrm>
+          <a:prstGeom prst="rect">
+            <a:avLst/>
+          </a:prstGeom>
+        </p:spPr>
+        <p:txBody>
+          <a:bodyPr spcFirstLastPara="1" wrap="square" lIns="91425" tIns="91425" rIns="91425" bIns="91425" anchor="t" anchorCtr="0">
+            <a:normAutofit/>
+          </a:bodyPr>
+          <a:lstStyle/>
+          <a:p>
+            <a:pPr marL="0" lvl="0" indent="0" algn="l" rtl="0">
+              <a:spcBef>
+                <a:spcPts val="0"/>
+              </a:spcBef>
+              <a:spcAft>
+                <a:spcPts val="0"/>
+              </a:spcAft>
+              <a:buNone/>
+            </a:pPr>
+            <a:r>
+              <a:rPr lang="hu" dirty="0"/>
+              <a:t>Projekten Dolgozók</a:t>
+            </a:r>
+            <a:endParaRPr dirty="0"/>
+          </a:p>
+        </p:txBody>
+      </p:sp>
+      <p:sp>
+        <p:nvSpPr>
+          <p:cNvPr id="141" name="Google Shape;141;p14"/>
+          <p:cNvSpPr txBox="1">
+            <a:spLocks noGrp="1"/>
+          </p:cNvSpPr>
+          <p:nvPr>
+            <p:ph type="body" idx="1"/>
+          </p:nvPr>
+        </p:nvSpPr>
+        <p:spPr>
+          <a:xfrm>
+            <a:off x="546375" y="1567550"/>
+            <a:ext cx="7790100" cy="2911200"/>
+          </a:xfrm>
+          <a:prstGeom prst="rect">
+            <a:avLst/>
+          </a:prstGeom>
+        </p:spPr>
+        <p:txBody>
+          <a:bodyPr spcFirstLastPara="1" wrap="square" lIns="91425" tIns="91425" rIns="91425" bIns="91425" anchor="t" anchorCtr="0">
+            <a:normAutofit/>
+          </a:bodyPr>
+          <a:lstStyle/>
+          <a:p>
+            <a:pPr marL="457200" lvl="0" indent="-311150" algn="l" rtl="0">
+              <a:spcBef>
+                <a:spcPts val="0"/>
+              </a:spcBef>
+              <a:spcAft>
+                <a:spcPts val="0"/>
+              </a:spcAft>
+              <a:buSzPts val="1300"/>
+              <a:buChar char="-"/>
+            </a:pPr>
+            <a:r>
+              <a:rPr lang="hu" dirty="0"/>
+              <a:t>Ötvös Bence Elek</a:t>
+            </a:r>
+            <a:endParaRPr dirty="0"/>
+          </a:p>
+          <a:p>
+            <a:pPr marL="0" lvl="0" indent="0" algn="l" rtl="0">
+              <a:spcBef>
+                <a:spcPts val="1200"/>
+              </a:spcBef>
+              <a:spcAft>
+                <a:spcPts val="0"/>
+              </a:spcAft>
+              <a:buNone/>
+            </a:pPr>
+            <a:endParaRPr dirty="0"/>
+          </a:p>
+          <a:p>
+            <a:pPr marL="457200" lvl="0" indent="-311150" algn="l" rtl="0">
+              <a:spcBef>
+                <a:spcPts val="1200"/>
+              </a:spcBef>
+              <a:spcAft>
+                <a:spcPts val="0"/>
+              </a:spcAft>
+              <a:buSzPts val="1300"/>
+              <a:buChar char="-"/>
+            </a:pPr>
+            <a:r>
+              <a:rPr lang="hu" dirty="0"/>
+              <a:t>Somogyi Bánk</a:t>
+            </a:r>
+            <a:endParaRPr dirty="0"/>
+          </a:p>
+          <a:p>
+            <a:pPr marL="0" lvl="0" indent="0" algn="l" rtl="0">
+              <a:spcBef>
+                <a:spcPts val="1200"/>
+              </a:spcBef>
+              <a:spcAft>
+                <a:spcPts val="0"/>
+              </a:spcAft>
+              <a:buNone/>
+            </a:pPr>
+            <a:r>
+              <a:rPr lang="hu-HU" dirty="0"/>
+              <a:t>IP tábla, dokumentáció, ppt</a:t>
+            </a:r>
+            <a:endParaRPr dirty="0"/>
+          </a:p>
+          <a:p>
+            <a:pPr marL="457200" lvl="0" indent="-311150" algn="l" rtl="0">
+              <a:spcBef>
+                <a:spcPts val="1200"/>
+              </a:spcBef>
+              <a:spcAft>
+                <a:spcPts val="0"/>
+              </a:spcAft>
+              <a:buSzPts val="1300"/>
+              <a:buChar char="-"/>
+            </a:pPr>
+            <a:r>
+              <a:rPr lang="hu" dirty="0"/>
+              <a:t>Fazekas Dominik</a:t>
+            </a:r>
+            <a:endParaRPr dirty="0"/>
+          </a:p>
+          <a:p>
+            <a:pPr marL="0" lvl="0" indent="0" algn="l" rtl="0">
+              <a:spcBef>
+                <a:spcPts val="1200"/>
+              </a:spcBef>
+              <a:spcAft>
+                <a:spcPts val="0"/>
+              </a:spcAft>
+              <a:buNone/>
+            </a:pPr>
+            <a:r>
+              <a:rPr lang="hu-HU" dirty="0" err="1"/>
+              <a:t>Vlan</a:t>
+            </a:r>
+            <a:r>
+              <a:rPr lang="hu-HU" dirty="0"/>
+              <a:t>, oldal, ppt, DHCP</a:t>
+            </a:r>
+            <a:endParaRPr dirty="0"/>
+          </a:p>
+          <a:p>
+            <a:pPr marL="0" lvl="0" indent="0" algn="l" rtl="0">
+              <a:spcBef>
+                <a:spcPts val="1200"/>
+              </a:spcBef>
+              <a:spcAft>
+                <a:spcPts val="1200"/>
+              </a:spcAft>
+              <a:buNone/>
+            </a:pPr>
+            <a:endParaRPr dirty="0"/>
+          </a:p>
+        </p:txBody>
+      </p:sp>
+      <p:sp>
+        <p:nvSpPr>
+          <p:cNvPr id="2" name="Téglalap 1">
+            <a:extLst>
+              <a:ext uri="{FF2B5EF4-FFF2-40B4-BE49-F238E27FC236}">
+                <a16:creationId xmlns:a16="http://schemas.microsoft.com/office/drawing/2014/main" id="{EADBC9DC-3451-4C03-8590-DCE6C6578568}"/>
+              </a:ext>
+            </a:extLst>
+          </p:cNvPr>
+          <p:cNvSpPr/>
+          <p:nvPr/>
+        </p:nvSpPr>
+        <p:spPr>
+          <a:xfrm>
+            <a:off x="432391" y="1495647"/>
+            <a:ext cx="8272130" cy="2911200"/>
+          </a:xfrm>
+          <a:prstGeom prst="rect">
+            <a:avLst/>
+          </a:prstGeom>
+          <a:noFill/>
+          <a:ln>
+            <a:solidFill>
+              <a:schemeClr val="bg1"/>
+            </a:solidFill>
+          </a:ln>
+        </p:spPr>
+        <p:style>
+          <a:lnRef idx="2">
+            <a:schemeClr val="accent1">
+              <a:shade val="50000"/>
+            </a:schemeClr>
+          </a:lnRef>
+          <a:fillRef idx="1">
+            <a:schemeClr val="accent1"/>
+          </a:fillRef>
+          <a:effectRef idx="0">
+            <a:schemeClr val="accent1"/>
+          </a:effectRef>
+          <a:fontRef idx="minor">
+            <a:schemeClr val="lt1"/>
+          </a:fontRef>
+        </p:style>
+        <p:txBody>
+          <a:bodyPr rtlCol="0" anchor="ctr"/>
+          <a:lstStyle/>
+          <a:p>
+            <a:pPr algn="ctr"/>
+            <a:endParaRPr lang="hu-HU"/>
+          </a:p>
+        </p:txBody>
+      </p:sp>
+    </p:spTree>
+  </p:cSld>
+  <p:clrMapOvr>
+    <a:masterClrMapping/>
+  </p:clrMapOvr>
+</p:sld>
+</file>
+
+<file path=ppt/slides/slide20.xml><?xml version="1.0" encoding="utf-8"?>
 <p:sld xmlns:a="http://schemas.openxmlformats.org/drawingml/2006/main" xmlns:r="http://schemas.openxmlformats.org/officeDocument/2006/relationships" xmlns:p="http://schemas.openxmlformats.org/presentationml/2006/main">
   <p:cSld>
     <p:spTree>
@@ -13158,346 +13567,6 @@
     <p:extLst>
       <p:ext uri="{BB962C8B-B14F-4D97-AF65-F5344CB8AC3E}">
         <p14:creationId xmlns:p14="http://schemas.microsoft.com/office/powerpoint/2010/main" val="174133942"/>
-      </p:ext>
-    </p:extLst>
-  </p:cSld>
-  <p:clrMapOvr>
-    <a:masterClrMapping/>
-  </p:clrMapOvr>
-</p:sld>
-</file>
-
-<file path=ppt/slides/slide2.xml><?xml version="1.0" encoding="utf-8"?>
-<p:sld xmlns:a="http://schemas.openxmlformats.org/drawingml/2006/main" xmlns:r="http://schemas.openxmlformats.org/officeDocument/2006/relationships" xmlns:p="http://schemas.openxmlformats.org/presentationml/2006/main">
-  <p:cSld>
-    <p:spTree>
-      <p:nvGrpSpPr>
-        <p:cNvPr id="1" name="Shape 139"/>
-        <p:cNvGrpSpPr/>
-        <p:nvPr/>
-      </p:nvGrpSpPr>
-      <p:grpSpPr>
-        <a:xfrm>
-          <a:off x="0" y="0"/>
-          <a:ext cx="0" cy="0"/>
-          <a:chOff x="0" y="0"/>
-          <a:chExt cx="0" cy="0"/>
-        </a:xfrm>
-      </p:grpSpPr>
-      <p:sp>
-        <p:nvSpPr>
-          <p:cNvPr id="140" name="Google Shape;140;p14"/>
-          <p:cNvSpPr txBox="1">
-            <a:spLocks noGrp="1"/>
-          </p:cNvSpPr>
-          <p:nvPr>
-            <p:ph type="title"/>
-          </p:nvPr>
-        </p:nvSpPr>
-        <p:spPr>
-          <a:xfrm>
-            <a:off x="1220033" y="351875"/>
-            <a:ext cx="7038900" cy="914100"/>
-          </a:xfrm>
-          <a:prstGeom prst="rect">
-            <a:avLst/>
-          </a:prstGeom>
-        </p:spPr>
-        <p:txBody>
-          <a:bodyPr spcFirstLastPara="1" wrap="square" lIns="91425" tIns="91425" rIns="91425" bIns="91425" anchor="t" anchorCtr="0">
-            <a:normAutofit/>
-          </a:bodyPr>
-          <a:lstStyle/>
-          <a:p>
-            <a:pPr marL="0" lvl="0" indent="0" algn="l" rtl="0">
-              <a:spcBef>
-                <a:spcPts val="0"/>
-              </a:spcBef>
-              <a:spcAft>
-                <a:spcPts val="0"/>
-              </a:spcAft>
-              <a:buNone/>
-            </a:pPr>
-            <a:r>
-              <a:rPr lang="hu" dirty="0"/>
-              <a:t>Projekten Dolgozók</a:t>
-            </a:r>
-            <a:endParaRPr dirty="0"/>
-          </a:p>
-        </p:txBody>
-      </p:sp>
-      <p:sp>
-        <p:nvSpPr>
-          <p:cNvPr id="141" name="Google Shape;141;p14"/>
-          <p:cNvSpPr txBox="1">
-            <a:spLocks noGrp="1"/>
-          </p:cNvSpPr>
-          <p:nvPr>
-            <p:ph type="body" idx="1"/>
-          </p:nvPr>
-        </p:nvSpPr>
-        <p:spPr>
-          <a:xfrm>
-            <a:off x="546375" y="1567550"/>
-            <a:ext cx="7790100" cy="2911200"/>
-          </a:xfrm>
-          <a:prstGeom prst="rect">
-            <a:avLst/>
-          </a:prstGeom>
-        </p:spPr>
-        <p:txBody>
-          <a:bodyPr spcFirstLastPara="1" wrap="square" lIns="91425" tIns="91425" rIns="91425" bIns="91425" anchor="t" anchorCtr="0">
-            <a:normAutofit/>
-          </a:bodyPr>
-          <a:lstStyle/>
-          <a:p>
-            <a:pPr marL="457200" lvl="0" indent="-311150" algn="l" rtl="0">
-              <a:spcBef>
-                <a:spcPts val="0"/>
-              </a:spcBef>
-              <a:spcAft>
-                <a:spcPts val="0"/>
-              </a:spcAft>
-              <a:buSzPts val="1300"/>
-              <a:buChar char="-"/>
-            </a:pPr>
-            <a:r>
-              <a:rPr lang="hu" dirty="0"/>
-              <a:t>Ötvös Bence Elek</a:t>
-            </a:r>
-            <a:endParaRPr dirty="0"/>
-          </a:p>
-          <a:p>
-            <a:pPr marL="0" lvl="0" indent="0" algn="l" rtl="0">
-              <a:spcBef>
-                <a:spcPts val="1200"/>
-              </a:spcBef>
-              <a:spcAft>
-                <a:spcPts val="0"/>
-              </a:spcAft>
-              <a:buNone/>
-            </a:pPr>
-            <a:endParaRPr dirty="0"/>
-          </a:p>
-          <a:p>
-            <a:pPr marL="457200" lvl="0" indent="-311150" algn="l" rtl="0">
-              <a:spcBef>
-                <a:spcPts val="1200"/>
-              </a:spcBef>
-              <a:spcAft>
-                <a:spcPts val="0"/>
-              </a:spcAft>
-              <a:buSzPts val="1300"/>
-              <a:buChar char="-"/>
-            </a:pPr>
-            <a:r>
-              <a:rPr lang="hu" dirty="0"/>
-              <a:t>Somogyi Bánk</a:t>
-            </a:r>
-            <a:endParaRPr dirty="0"/>
-          </a:p>
-          <a:p>
-            <a:pPr marL="0" lvl="0" indent="0" algn="l" rtl="0">
-              <a:spcBef>
-                <a:spcPts val="1200"/>
-              </a:spcBef>
-              <a:spcAft>
-                <a:spcPts val="0"/>
-              </a:spcAft>
-              <a:buNone/>
-            </a:pPr>
-            <a:r>
-              <a:rPr lang="hu-HU" dirty="0"/>
-              <a:t>IP tábla, dokumentáció, ppt</a:t>
-            </a:r>
-            <a:endParaRPr dirty="0"/>
-          </a:p>
-          <a:p>
-            <a:pPr marL="457200" lvl="0" indent="-311150" algn="l" rtl="0">
-              <a:spcBef>
-                <a:spcPts val="1200"/>
-              </a:spcBef>
-              <a:spcAft>
-                <a:spcPts val="0"/>
-              </a:spcAft>
-              <a:buSzPts val="1300"/>
-              <a:buChar char="-"/>
-            </a:pPr>
-            <a:r>
-              <a:rPr lang="hu" dirty="0"/>
-              <a:t>Fazekas Dominik</a:t>
-            </a:r>
-            <a:endParaRPr dirty="0"/>
-          </a:p>
-          <a:p>
-            <a:pPr marL="0" lvl="0" indent="0" algn="l" rtl="0">
-              <a:spcBef>
-                <a:spcPts val="1200"/>
-              </a:spcBef>
-              <a:spcAft>
-                <a:spcPts val="0"/>
-              </a:spcAft>
-              <a:buNone/>
-            </a:pPr>
-            <a:r>
-              <a:rPr lang="hu-HU" dirty="0" err="1"/>
-              <a:t>Vlan</a:t>
-            </a:r>
-            <a:r>
-              <a:rPr lang="hu-HU" dirty="0"/>
-              <a:t>, oldal, ppt, DHCP</a:t>
-            </a:r>
-            <a:endParaRPr dirty="0"/>
-          </a:p>
-          <a:p>
-            <a:pPr marL="0" lvl="0" indent="0" algn="l" rtl="0">
-              <a:spcBef>
-                <a:spcPts val="1200"/>
-              </a:spcBef>
-              <a:spcAft>
-                <a:spcPts val="1200"/>
-              </a:spcAft>
-              <a:buNone/>
-            </a:pPr>
-            <a:endParaRPr dirty="0"/>
-          </a:p>
-        </p:txBody>
-      </p:sp>
-      <p:sp>
-        <p:nvSpPr>
-          <p:cNvPr id="2" name="Téglalap 1">
-            <a:extLst>
-              <a:ext uri="{FF2B5EF4-FFF2-40B4-BE49-F238E27FC236}">
-                <a16:creationId xmlns:a16="http://schemas.microsoft.com/office/drawing/2014/main" id="{EADBC9DC-3451-4C03-8590-DCE6C6578568}"/>
-              </a:ext>
-            </a:extLst>
-          </p:cNvPr>
-          <p:cNvSpPr/>
-          <p:nvPr/>
-        </p:nvSpPr>
-        <p:spPr>
-          <a:xfrm>
-            <a:off x="432391" y="1495647"/>
-            <a:ext cx="8272130" cy="2911200"/>
-          </a:xfrm>
-          <a:prstGeom prst="rect">
-            <a:avLst/>
-          </a:prstGeom>
-          <a:noFill/>
-          <a:ln>
-            <a:solidFill>
-              <a:schemeClr val="bg1"/>
-            </a:solidFill>
-          </a:ln>
-        </p:spPr>
-        <p:style>
-          <a:lnRef idx="2">
-            <a:schemeClr val="accent1">
-              <a:shade val="50000"/>
-            </a:schemeClr>
-          </a:lnRef>
-          <a:fillRef idx="1">
-            <a:schemeClr val="accent1"/>
-          </a:fillRef>
-          <a:effectRef idx="0">
-            <a:schemeClr val="accent1"/>
-          </a:effectRef>
-          <a:fontRef idx="minor">
-            <a:schemeClr val="lt1"/>
-          </a:fontRef>
-        </p:style>
-        <p:txBody>
-          <a:bodyPr rtlCol="0" anchor="ctr"/>
-          <a:lstStyle/>
-          <a:p>
-            <a:pPr algn="ctr"/>
-            <a:endParaRPr lang="hu-HU"/>
-          </a:p>
-        </p:txBody>
-      </p:sp>
-    </p:spTree>
-  </p:cSld>
-  <p:clrMapOvr>
-    <a:masterClrMapping/>
-  </p:clrMapOvr>
-</p:sld>
-</file>
-
-<file path=ppt/slides/slide20.xml><?xml version="1.0" encoding="utf-8"?>
-<p:sld xmlns:a="http://schemas.openxmlformats.org/drawingml/2006/main" xmlns:r="http://schemas.openxmlformats.org/officeDocument/2006/relationships" xmlns:p="http://schemas.openxmlformats.org/presentationml/2006/main">
-  <p:cSld>
-    <p:spTree>
-      <p:nvGrpSpPr>
-        <p:cNvPr id="1" name=""/>
-        <p:cNvGrpSpPr/>
-        <p:nvPr/>
-      </p:nvGrpSpPr>
-      <p:grpSpPr>
-        <a:xfrm>
-          <a:off x="0" y="0"/>
-          <a:ext cx="0" cy="0"/>
-          <a:chOff x="0" y="0"/>
-          <a:chExt cx="0" cy="0"/>
-        </a:xfrm>
-      </p:grpSpPr>
-      <p:sp>
-        <p:nvSpPr>
-          <p:cNvPr id="2" name="Cím 1">
-            <a:extLst>
-              <a:ext uri="{FF2B5EF4-FFF2-40B4-BE49-F238E27FC236}">
-                <a16:creationId xmlns:a16="http://schemas.microsoft.com/office/drawing/2014/main" id="{8BB0A95C-25B1-4FC5-A3FC-139AF3F42B6A}"/>
-              </a:ext>
-            </a:extLst>
-          </p:cNvPr>
-          <p:cNvSpPr>
-            <a:spLocks noGrp="1"/>
-          </p:cNvSpPr>
-          <p:nvPr>
-            <p:ph type="title"/>
-          </p:nvPr>
-        </p:nvSpPr>
-        <p:spPr/>
-        <p:txBody>
-          <a:bodyPr/>
-          <a:lstStyle/>
-          <a:p>
-            <a:pPr algn="ctr"/>
-            <a:r>
-              <a:rPr lang="hu-HU" dirty="0"/>
-              <a:t>NAT</a:t>
-            </a:r>
-          </a:p>
-        </p:txBody>
-      </p:sp>
-      <p:sp>
-        <p:nvSpPr>
-          <p:cNvPr id="3" name="Szöveg helye 2">
-            <a:extLst>
-              <a:ext uri="{FF2B5EF4-FFF2-40B4-BE49-F238E27FC236}">
-                <a16:creationId xmlns:a16="http://schemas.microsoft.com/office/drawing/2014/main" id="{E99785AC-FE95-4615-AD2D-9FFBCC148CCC}"/>
-              </a:ext>
-            </a:extLst>
-          </p:cNvPr>
-          <p:cNvSpPr>
-            <a:spLocks noGrp="1"/>
-          </p:cNvSpPr>
-          <p:nvPr>
-            <p:ph type="body" idx="1"/>
-          </p:nvPr>
-        </p:nvSpPr>
-        <p:spPr/>
-        <p:txBody>
-          <a:bodyPr/>
-          <a:lstStyle/>
-          <a:p>
-            <a:endParaRPr lang="hu-HU"/>
-          </a:p>
-        </p:txBody>
-      </p:sp>
-    </p:spTree>
-    <p:extLst>
-      <p:ext uri="{BB962C8B-B14F-4D97-AF65-F5344CB8AC3E}">
-        <p14:creationId xmlns:p14="http://schemas.microsoft.com/office/powerpoint/2010/main" val="2118398160"/>
       </p:ext>
     </p:extLst>
   </p:cSld>
@@ -13575,12 +13644,13 @@
           <a:lstStyle/>
           <a:p>
             <a:r>
+              <a:rPr lang="hu-HU" b="1" dirty="0"/>
+              <a:t>CCNA</a:t>
+            </a:r>
+            <a:r>
               <a:rPr lang="hu-HU" dirty="0"/>
-              <a:t>Sikeres konfigurációk a telephelyeken.</a:t>
+              <a:t> szintű hálózati infrastruktúra megtervezése és konfigurálása.</a:t>
             </a:r>
-          </a:p>
-          <a:p>
-            <a:endParaRPr lang="hu-HU" dirty="0"/>
           </a:p>
           <a:p>
             <a:endParaRPr lang="hu-HU" dirty="0"/>
@@ -13588,11 +13658,32 @@
           <a:p>
             <a:r>
               <a:rPr lang="hu-HU" dirty="0"/>
-              <a:t>Tesztelés igazolja hogy képesek voltunk megoldani.</a:t>
+              <a:t>Strukturált </a:t>
             </a:r>
-          </a:p>
-          <a:p>
-            <a:endParaRPr lang="hu-HU" dirty="0"/>
+            <a:r>
+              <a:rPr lang="hu-HU" b="1" dirty="0"/>
+              <a:t>IP</a:t>
+            </a:r>
+            <a:r>
+              <a:rPr lang="hu-HU" dirty="0"/>
+              <a:t>-címzés, </a:t>
+            </a:r>
+            <a:r>
+              <a:rPr lang="hu-HU" b="1" dirty="0"/>
+              <a:t>VLAN</a:t>
+            </a:r>
+            <a:r>
+              <a:rPr lang="hu-HU" dirty="0"/>
+              <a:t>-ok és </a:t>
+            </a:r>
+            <a:r>
+              <a:rPr lang="hu-HU" b="1" dirty="0" err="1"/>
+              <a:t>routing</a:t>
+            </a:r>
+            <a:r>
+              <a:rPr lang="hu-HU" dirty="0"/>
+              <a:t> alkalmazása az alhálózatok közötti kommunikációhoz. </a:t>
+            </a:r>
           </a:p>
           <a:p>
             <a:endParaRPr lang="hu-HU" dirty="0"/>
@@ -13600,12 +13691,45 @@
           <a:p>
             <a:r>
               <a:rPr lang="hu-HU" dirty="0"/>
-              <a:t>Sokat segített nekünk a főzeteink információi és egymásnak tudásának kiegészítése is. Ezek mellett az internet és más osztálytársak is hasznos infókat tudtak átadni.</a:t>
+              <a:t>A hálózat működésének ellenőrzése </a:t>
+            </a:r>
+            <a:r>
+              <a:rPr lang="hu-HU" b="1" dirty="0" err="1"/>
+              <a:t>ping</a:t>
+            </a:r>
+            <a:r>
+              <a:rPr lang="hu-HU" b="1" dirty="0"/>
+              <a:t> </a:t>
+            </a:r>
+            <a:r>
+              <a:rPr lang="hu-HU" dirty="0"/>
+              <a:t>és</a:t>
+            </a:r>
+            <a:r>
+              <a:rPr lang="hu-HU" b="1" dirty="0"/>
+              <a:t> </a:t>
+            </a:r>
+            <a:r>
+              <a:rPr lang="hu-HU" b="1" dirty="0" err="1"/>
+              <a:t>traceroute</a:t>
+            </a:r>
+            <a:r>
+              <a:rPr lang="hu-HU" b="1" dirty="0"/>
+              <a:t> </a:t>
+            </a:r>
+            <a:r>
+              <a:rPr lang="hu-HU" dirty="0"/>
+              <a:t>parancsokkal</a:t>
             </a:r>
           </a:p>
           <a:p>
-            <a:pPr lvl="1"/>
             <a:endParaRPr lang="hu-HU" dirty="0"/>
+          </a:p>
+          <a:p>
+            <a:r>
+              <a:rPr lang="hu-HU" dirty="0"/>
+              <a:t>A projekt igazolja az elméleti ismeretek gyakorlati alkalmazását és a stabil hálózati működést</a:t>
+            </a:r>
           </a:p>
         </p:txBody>
       </p:sp>
@@ -13623,8 +13747,8 @@
         </p:nvSpPr>
         <p:spPr>
           <a:xfrm>
-            <a:off x="1396409" y="1623237"/>
-            <a:ext cx="6783572" cy="1935126"/>
+            <a:off x="1396408" y="1567550"/>
+            <a:ext cx="6939991" cy="2217641"/>
           </a:xfrm>
           <a:prstGeom prst="rect">
             <a:avLst/>

--- a/Cím nélküli prezentáció (5).pptx
+++ b/Cím nélküli prezentáció (5).pptx
@@ -5,47 +5,48 @@
     <p:sldMasterId id="2147483659" r:id="rId1"/>
   </p:sldMasterIdLst>
   <p:notesMasterIdLst>
-    <p:notesMasterId r:id="rId23"/>
+    <p:notesMasterId r:id="rId24"/>
   </p:notesMasterIdLst>
   <p:sldIdLst>
     <p:sldId id="256" r:id="rId2"/>
     <p:sldId id="257" r:id="rId3"/>
     <p:sldId id="258" r:id="rId4"/>
     <p:sldId id="259" r:id="rId5"/>
-    <p:sldId id="260" r:id="rId6"/>
-    <p:sldId id="261" r:id="rId7"/>
-    <p:sldId id="262" r:id="rId8"/>
-    <p:sldId id="263" r:id="rId9"/>
-    <p:sldId id="264" r:id="rId10"/>
-    <p:sldId id="266" r:id="rId11"/>
-    <p:sldId id="268" r:id="rId12"/>
-    <p:sldId id="269" r:id="rId13"/>
-    <p:sldId id="270" r:id="rId14"/>
-    <p:sldId id="271" r:id="rId15"/>
-    <p:sldId id="277" r:id="rId16"/>
-    <p:sldId id="272" r:id="rId17"/>
-    <p:sldId id="267" r:id="rId18"/>
-    <p:sldId id="265" r:id="rId19"/>
-    <p:sldId id="273" r:id="rId20"/>
-    <p:sldId id="275" r:id="rId21"/>
-    <p:sldId id="276" r:id="rId22"/>
+    <p:sldId id="278" r:id="rId6"/>
+    <p:sldId id="260" r:id="rId7"/>
+    <p:sldId id="261" r:id="rId8"/>
+    <p:sldId id="262" r:id="rId9"/>
+    <p:sldId id="263" r:id="rId10"/>
+    <p:sldId id="264" r:id="rId11"/>
+    <p:sldId id="266" r:id="rId12"/>
+    <p:sldId id="268" r:id="rId13"/>
+    <p:sldId id="269" r:id="rId14"/>
+    <p:sldId id="270" r:id="rId15"/>
+    <p:sldId id="271" r:id="rId16"/>
+    <p:sldId id="277" r:id="rId17"/>
+    <p:sldId id="272" r:id="rId18"/>
+    <p:sldId id="267" r:id="rId19"/>
+    <p:sldId id="265" r:id="rId20"/>
+    <p:sldId id="273" r:id="rId21"/>
+    <p:sldId id="275" r:id="rId22"/>
+    <p:sldId id="276" r:id="rId23"/>
   </p:sldIdLst>
   <p:sldSz cx="9144000" cy="5143500" type="screen16x9"/>
   <p:notesSz cx="6858000" cy="9144000"/>
   <p:embeddedFontLst>
     <p:embeddedFont>
       <p:font typeface="Lato" panose="020B0604020202020204" charset="-18"/>
-      <p:regular r:id="rId24"/>
-      <p:bold r:id="rId25"/>
-      <p:italic r:id="rId26"/>
-      <p:boldItalic r:id="rId27"/>
+      <p:regular r:id="rId25"/>
+      <p:bold r:id="rId26"/>
+      <p:italic r:id="rId27"/>
+      <p:boldItalic r:id="rId28"/>
     </p:embeddedFont>
     <p:embeddedFont>
       <p:font typeface="Montserrat" panose="020B0604020202020204" charset="-18"/>
-      <p:regular r:id="rId28"/>
-      <p:bold r:id="rId29"/>
-      <p:italic r:id="rId30"/>
-      <p:boldItalic r:id="rId31"/>
+      <p:regular r:id="rId29"/>
+      <p:bold r:id="rId30"/>
+      <p:italic r:id="rId31"/>
+      <p:boldItalic r:id="rId32"/>
     </p:embeddedFont>
   </p:embeddedFontLst>
   <p:defaultTextStyle>
@@ -10656,10 +10657,10 @@
               <a:buNone/>
             </a:pPr>
             <a:r>
-              <a:rPr lang="hu"/>
+              <a:rPr lang="hu" b="1" i="1" u="sng" dirty="0"/>
               <a:t>DotNyetWork</a:t>
             </a:r>
-            <a:endParaRPr dirty="0"/>
+            <a:endParaRPr b="1" i="1" u="sng" dirty="0"/>
           </a:p>
         </p:txBody>
       </p:sp>
@@ -10716,7 +10717,7 @@
         <p:fade thruBlk="1"/>
       </p:transition>
     </mc:Choice>
-    <mc:Fallback xmlns:ahyp="http://schemas.microsoft.com/office/drawing/2018/hyperlinkcolor" xmlns:p15="http://schemas.microsoft.com/office/powerpoint/2012/main" xmlns:com="http://schemas.openxmlformats.org/drawingml/2006/compatibility" xmlns:pvml="urn:schemas-microsoft-com:office:powerpoint" xmlns:v="urn:schemas-microsoft-com:vml" xmlns:o="urn:schemas-microsoft-com:office:office" xmlns:dgm="http://schemas.openxmlformats.org/drawingml/2006/diagram" xmlns:c="http://schemas.openxmlformats.org/drawingml/2006/chart" xmlns:mv="urn:schemas-microsoft-com:mac:vml" xmlns="">
+    <mc:Fallback xmlns="" xmlns:mv="urn:schemas-microsoft-com:mac:vml" xmlns:c="http://schemas.openxmlformats.org/drawingml/2006/chart" xmlns:dgm="http://schemas.openxmlformats.org/drawingml/2006/diagram" xmlns:o="urn:schemas-microsoft-com:office:office" xmlns:v="urn:schemas-microsoft-com:vml" xmlns:pvml="urn:schemas-microsoft-com:office:powerpoint" xmlns:com="http://schemas.openxmlformats.org/drawingml/2006/compatibility" xmlns:p15="http://schemas.microsoft.com/office/powerpoint/2012/main" xmlns:ahyp="http://schemas.microsoft.com/office/drawing/2018/hyperlinkcolor">
       <p:transition spd="slow">
         <p:fade/>
       </p:transition>
@@ -10730,7 +10731,7 @@
   <p:cSld>
     <p:spTree>
       <p:nvGrpSpPr>
-        <p:cNvPr id="1" name="Shape 202"/>
+        <p:cNvPr id="1" name="Shape 187"/>
         <p:cNvGrpSpPr/>
         <p:nvPr/>
       </p:nvGrpSpPr>
@@ -10744,7 +10745,7 @@
       </p:grpSpPr>
       <p:sp>
         <p:nvSpPr>
-          <p:cNvPr id="203" name="Google Shape;203;p23"/>
+          <p:cNvPr id="188" name="Google Shape;188;p21"/>
           <p:cNvSpPr txBox="1">
             <a:spLocks noGrp="1"/>
           </p:cNvSpPr>
@@ -10754,7 +10755,7 @@
         </p:nvSpPr>
         <p:spPr>
           <a:xfrm>
-            <a:off x="1297500" y="393750"/>
+            <a:off x="3669550" y="321100"/>
             <a:ext cx="7038900" cy="914100"/>
           </a:xfrm>
           <a:prstGeom prst="rect">
@@ -10767,7 +10768,7 @@
           </a:bodyPr>
           <a:lstStyle/>
           <a:p>
-            <a:pPr marL="0" lvl="0" indent="0" algn="ctr" rtl="0">
+            <a:pPr marL="0" lvl="0" indent="0" algn="l" rtl="0">
               <a:spcBef>
                 <a:spcPts val="0"/>
               </a:spcBef>
@@ -10777,16 +10778,16 @@
               <a:buNone/>
             </a:pPr>
             <a:r>
-              <a:rPr lang="hu-HU" dirty="0"/>
-              <a:t>ETHERCHANNEL</a:t>
+              <a:rPr lang="hu-HU" b="1" dirty="0"/>
+              <a:t>VLAN</a:t>
             </a:r>
-            <a:endParaRPr dirty="0"/>
+            <a:endParaRPr b="1" dirty="0"/>
           </a:p>
         </p:txBody>
       </p:sp>
       <p:sp>
         <p:nvSpPr>
-          <p:cNvPr id="204" name="Google Shape;204;p23"/>
+          <p:cNvPr id="189" name="Google Shape;189;p21"/>
           <p:cNvSpPr txBox="1">
             <a:spLocks noGrp="1"/>
           </p:cNvSpPr>
@@ -10819,10 +10820,10 @@
               <a:buNone/>
             </a:pPr>
             <a:r>
-              <a:rPr lang="hu" dirty="0"/>
-              <a:t>ruby telephely</a:t>
+              <a:rPr lang="hu"/>
+              <a:t>Vlan 10 és 20 létrehozása hálózatok elkülönítése érdekében</a:t>
             </a:r>
-            <a:endParaRPr dirty="0"/>
+            <a:endParaRPr/>
           </a:p>
           <a:p>
             <a:pPr marL="0" lvl="0" indent="0" algn="l" rtl="0">
@@ -10830,36 +10831,67 @@
                 <a:spcPts val="1200"/>
               </a:spcBef>
               <a:spcAft>
-                <a:spcPts val="1200"/>
+                <a:spcPts val="0"/>
               </a:spcAft>
               <a:buNone/>
             </a:pPr>
             <a:r>
-              <a:rPr lang="hu" dirty="0"/>
-              <a:t>megbízhatóság</a:t>
+              <a:rPr lang="hu"/>
+              <a:t>Vlan1 megszüntetése</a:t>
             </a:r>
-            <a:endParaRPr dirty="0"/>
+            <a:endParaRPr/>
+          </a:p>
+          <a:p>
+            <a:pPr marL="0" lvl="0" indent="0" algn="l" rtl="0">
+              <a:spcBef>
+                <a:spcPts val="1200"/>
+              </a:spcBef>
+              <a:spcAft>
+                <a:spcPts val="0"/>
+              </a:spcAft>
+              <a:buNone/>
+            </a:pPr>
+            <a:r>
+              <a:rPr lang="hu"/>
+              <a:t>Vlan 100 a  native Vlan</a:t>
+            </a:r>
+            <a:endParaRPr/>
+          </a:p>
+          <a:p>
+            <a:pPr marL="0" lvl="0" indent="0" algn="l" rtl="0">
+              <a:spcBef>
+                <a:spcPts val="1200"/>
+              </a:spcBef>
+              <a:spcAft>
+                <a:spcPts val="1200"/>
+              </a:spcAft>
+              <a:buNone/>
+            </a:pPr>
+            <a:r>
+              <a:rPr lang="hu"/>
+              <a:t>Vlan 999 nem használt portok</a:t>
+            </a:r>
+            <a:endParaRPr/>
           </a:p>
         </p:txBody>
       </p:sp>
       <p:pic>
         <p:nvPicPr>
-          <p:cNvPr id="205" name="Google Shape;205;p23" title="EtherChannel-Summary.png"/>
+          <p:cNvPr id="190" name="Google Shape;190;p21" title="vlan.png"/>
           <p:cNvPicPr preferRelativeResize="0"/>
           <p:nvPr/>
         </p:nvPicPr>
-        <p:blipFill>
+        <p:blipFill rotWithShape="1">
           <a:blip r:embed="rId3">
             <a:alphaModFix/>
           </a:blip>
-          <a:stretch>
-            <a:fillRect/>
-          </a:stretch>
+          <a:srcRect b="39788"/>
+          <a:stretch/>
         </p:blipFill>
         <p:spPr>
           <a:xfrm>
-            <a:off x="2837525" y="1567550"/>
-            <a:ext cx="6115050" cy="2857500"/>
+            <a:off x="1268025" y="3225127"/>
+            <a:ext cx="7097850" cy="1330575"/>
           </a:xfrm>
           <a:prstGeom prst="rect">
             <a:avLst/>
@@ -10875,7 +10907,7 @@
           <p:cNvPr id="2" name="Szövegdoboz 1">
             <a:extLst>
               <a:ext uri="{FF2B5EF4-FFF2-40B4-BE49-F238E27FC236}">
-                <a16:creationId xmlns:a16="http://schemas.microsoft.com/office/drawing/2014/main" id="{5B0D86C7-1BA1-4B76-9295-963C1110ECC4}"/>
+                <a16:creationId xmlns:a16="http://schemas.microsoft.com/office/drawing/2014/main" id="{064F7722-3697-48B6-8BCB-F065D194AF13}"/>
               </a:ext>
             </a:extLst>
           </p:cNvPr>
@@ -10884,8 +10916,8 @@
         </p:nvSpPr>
         <p:spPr>
           <a:xfrm>
-            <a:off x="7721600" y="393750"/>
-            <a:ext cx="1422400" cy="307777"/>
+            <a:off x="7744178" y="553156"/>
+            <a:ext cx="1399822" cy="307777"/>
           </a:xfrm>
           <a:prstGeom prst="rect">
             <a:avLst/>
@@ -10914,7 +10946,7 @@
           <p:cNvPr id="3" name="Téglalap 2">
             <a:extLst>
               <a:ext uri="{FF2B5EF4-FFF2-40B4-BE49-F238E27FC236}">
-                <a16:creationId xmlns:a16="http://schemas.microsoft.com/office/drawing/2014/main" id="{30F8D374-1220-45D7-BBBC-2BA2B9211202}"/>
+                <a16:creationId xmlns:a16="http://schemas.microsoft.com/office/drawing/2014/main" id="{A0E1922F-B4C7-4F78-A07C-51A48480F7F4}"/>
               </a:ext>
             </a:extLst>
           </p:cNvPr>
@@ -10923,8 +10955,60 @@
         </p:nvSpPr>
         <p:spPr>
           <a:xfrm>
-            <a:off x="1247553" y="1630326"/>
-            <a:ext cx="1304261" cy="687572"/>
+            <a:off x="1297500" y="1644502"/>
+            <a:ext cx="4493700" cy="1503673"/>
+          </a:xfrm>
+          <a:prstGeom prst="rect">
+            <a:avLst/>
+          </a:prstGeom>
+          <a:noFill/>
+          <a:ln>
+            <a:solidFill>
+              <a:schemeClr val="bg1"/>
+            </a:solidFill>
+          </a:ln>
+        </p:spPr>
+        <p:style>
+          <a:lnRef idx="2">
+            <a:schemeClr val="accent1">
+              <a:shade val="50000"/>
+            </a:schemeClr>
+          </a:lnRef>
+          <a:fillRef idx="1">
+            <a:schemeClr val="accent1"/>
+          </a:fillRef>
+          <a:effectRef idx="0">
+            <a:schemeClr val="accent1"/>
+          </a:effectRef>
+          <a:fontRef idx="minor">
+            <a:schemeClr val="lt1"/>
+          </a:fontRef>
+        </p:style>
+        <p:txBody>
+          <a:bodyPr rtlCol="0" anchor="ctr"/>
+          <a:lstStyle/>
+          <a:p>
+            <a:pPr algn="ctr"/>
+            <a:endParaRPr lang="hu-HU"/>
+          </a:p>
+        </p:txBody>
+      </p:sp>
+      <p:sp>
+        <p:nvSpPr>
+          <p:cNvPr id="4" name="Téglalap 3">
+            <a:extLst>
+              <a:ext uri="{FF2B5EF4-FFF2-40B4-BE49-F238E27FC236}">
+                <a16:creationId xmlns:a16="http://schemas.microsoft.com/office/drawing/2014/main" id="{9A9DEF83-AE8C-4336-98BD-841FBB3BC753}"/>
+              </a:ext>
+            </a:extLst>
+          </p:cNvPr>
+          <p:cNvSpPr/>
+          <p:nvPr/>
+        </p:nvSpPr>
+        <p:spPr>
+          <a:xfrm>
+            <a:off x="1268025" y="3225127"/>
+            <a:ext cx="7097850" cy="1330575"/>
           </a:xfrm>
           <a:prstGeom prst="rect">
             <a:avLst/>
@@ -10977,6 +11061,253 @@
   <p:cSld>
     <p:spTree>
       <p:nvGrpSpPr>
+        <p:cNvPr id="1" name="Shape 202"/>
+        <p:cNvGrpSpPr/>
+        <p:nvPr/>
+      </p:nvGrpSpPr>
+      <p:grpSpPr>
+        <a:xfrm>
+          <a:off x="0" y="0"/>
+          <a:ext cx="0" cy="0"/>
+          <a:chOff x="0" y="0"/>
+          <a:chExt cx="0" cy="0"/>
+        </a:xfrm>
+      </p:grpSpPr>
+      <p:sp>
+        <p:nvSpPr>
+          <p:cNvPr id="203" name="Google Shape;203;p23"/>
+          <p:cNvSpPr txBox="1">
+            <a:spLocks noGrp="1"/>
+          </p:cNvSpPr>
+          <p:nvPr>
+            <p:ph type="title"/>
+          </p:nvPr>
+        </p:nvSpPr>
+        <p:spPr>
+          <a:xfrm>
+            <a:off x="1297500" y="393750"/>
+            <a:ext cx="7038900" cy="914100"/>
+          </a:xfrm>
+          <a:prstGeom prst="rect">
+            <a:avLst/>
+          </a:prstGeom>
+        </p:spPr>
+        <p:txBody>
+          <a:bodyPr spcFirstLastPara="1" wrap="square" lIns="91425" tIns="91425" rIns="91425" bIns="91425" anchor="t" anchorCtr="0">
+            <a:normAutofit/>
+          </a:bodyPr>
+          <a:lstStyle/>
+          <a:p>
+            <a:pPr marL="0" lvl="0" indent="0" algn="ctr" rtl="0">
+              <a:spcBef>
+                <a:spcPts val="0"/>
+              </a:spcBef>
+              <a:spcAft>
+                <a:spcPts val="0"/>
+              </a:spcAft>
+              <a:buNone/>
+            </a:pPr>
+            <a:r>
+              <a:rPr lang="hu-HU" b="1" dirty="0"/>
+              <a:t>ETHERCHANNEL</a:t>
+            </a:r>
+            <a:endParaRPr b="1" dirty="0"/>
+          </a:p>
+        </p:txBody>
+      </p:sp>
+      <p:sp>
+        <p:nvSpPr>
+          <p:cNvPr id="204" name="Google Shape;204;p23"/>
+          <p:cNvSpPr txBox="1">
+            <a:spLocks noGrp="1"/>
+          </p:cNvSpPr>
+          <p:nvPr>
+            <p:ph type="body" idx="1"/>
+          </p:nvPr>
+        </p:nvSpPr>
+        <p:spPr>
+          <a:xfrm>
+            <a:off x="1297500" y="1567550"/>
+            <a:ext cx="7038900" cy="2911200"/>
+          </a:xfrm>
+          <a:prstGeom prst="rect">
+            <a:avLst/>
+          </a:prstGeom>
+        </p:spPr>
+        <p:txBody>
+          <a:bodyPr spcFirstLastPara="1" wrap="square" lIns="91425" tIns="91425" rIns="91425" bIns="91425" anchor="t" anchorCtr="0">
+            <a:normAutofit/>
+          </a:bodyPr>
+          <a:lstStyle/>
+          <a:p>
+            <a:pPr marL="0" lvl="0" indent="0" algn="l" rtl="0">
+              <a:spcBef>
+                <a:spcPts val="0"/>
+              </a:spcBef>
+              <a:spcAft>
+                <a:spcPts val="0"/>
+              </a:spcAft>
+              <a:buNone/>
+            </a:pPr>
+            <a:r>
+              <a:rPr lang="hu" dirty="0"/>
+              <a:t>ruby telephely</a:t>
+            </a:r>
+            <a:endParaRPr dirty="0"/>
+          </a:p>
+          <a:p>
+            <a:pPr marL="0" lvl="0" indent="0" algn="l" rtl="0">
+              <a:spcBef>
+                <a:spcPts val="1200"/>
+              </a:spcBef>
+              <a:spcAft>
+                <a:spcPts val="1200"/>
+              </a:spcAft>
+              <a:buNone/>
+            </a:pPr>
+            <a:r>
+              <a:rPr lang="hu" dirty="0"/>
+              <a:t>megbízhatóság</a:t>
+            </a:r>
+            <a:endParaRPr dirty="0"/>
+          </a:p>
+        </p:txBody>
+      </p:sp>
+      <p:pic>
+        <p:nvPicPr>
+          <p:cNvPr id="205" name="Google Shape;205;p23" title="EtherChannel-Summary.png"/>
+          <p:cNvPicPr preferRelativeResize="0"/>
+          <p:nvPr/>
+        </p:nvPicPr>
+        <p:blipFill>
+          <a:blip r:embed="rId3">
+            <a:alphaModFix/>
+          </a:blip>
+          <a:stretch>
+            <a:fillRect/>
+          </a:stretch>
+        </p:blipFill>
+        <p:spPr>
+          <a:xfrm>
+            <a:off x="2837525" y="1567550"/>
+            <a:ext cx="6115050" cy="2857500"/>
+          </a:xfrm>
+          <a:prstGeom prst="rect">
+            <a:avLst/>
+          </a:prstGeom>
+          <a:noFill/>
+          <a:ln>
+            <a:noFill/>
+          </a:ln>
+        </p:spPr>
+      </p:pic>
+      <p:sp>
+        <p:nvSpPr>
+          <p:cNvPr id="2" name="Szövegdoboz 1">
+            <a:extLst>
+              <a:ext uri="{FF2B5EF4-FFF2-40B4-BE49-F238E27FC236}">
+                <a16:creationId xmlns:a16="http://schemas.microsoft.com/office/drawing/2014/main" id="{5B0D86C7-1BA1-4B76-9295-963C1110ECC4}"/>
+              </a:ext>
+            </a:extLst>
+          </p:cNvPr>
+          <p:cNvSpPr txBox="1"/>
+          <p:nvPr/>
+        </p:nvSpPr>
+        <p:spPr>
+          <a:xfrm>
+            <a:off x="7721600" y="393750"/>
+            <a:ext cx="1422400" cy="307777"/>
+          </a:xfrm>
+          <a:prstGeom prst="rect">
+            <a:avLst/>
+          </a:prstGeom>
+          <a:noFill/>
+        </p:spPr>
+        <p:txBody>
+          <a:bodyPr wrap="square" rtlCol="0">
+            <a:spAutoFit/>
+          </a:bodyPr>
+          <a:lstStyle/>
+          <a:p>
+            <a:r>
+              <a:rPr lang="hu-HU" b="1" u="sng" dirty="0">
+                <a:solidFill>
+                  <a:schemeClr val="bg1"/>
+                </a:solidFill>
+              </a:rPr>
+              <a:t>RUBY</a:t>
+            </a:r>
+          </a:p>
+        </p:txBody>
+      </p:sp>
+      <p:sp>
+        <p:nvSpPr>
+          <p:cNvPr id="3" name="Téglalap 2">
+            <a:extLst>
+              <a:ext uri="{FF2B5EF4-FFF2-40B4-BE49-F238E27FC236}">
+                <a16:creationId xmlns:a16="http://schemas.microsoft.com/office/drawing/2014/main" id="{30F8D374-1220-45D7-BBBC-2BA2B9211202}"/>
+              </a:ext>
+            </a:extLst>
+          </p:cNvPr>
+          <p:cNvSpPr/>
+          <p:nvPr/>
+        </p:nvSpPr>
+        <p:spPr>
+          <a:xfrm>
+            <a:off x="1247553" y="1630326"/>
+            <a:ext cx="1304261" cy="687572"/>
+          </a:xfrm>
+          <a:prstGeom prst="rect">
+            <a:avLst/>
+          </a:prstGeom>
+          <a:noFill/>
+          <a:ln>
+            <a:solidFill>
+              <a:schemeClr val="bg1"/>
+            </a:solidFill>
+          </a:ln>
+        </p:spPr>
+        <p:style>
+          <a:lnRef idx="2">
+            <a:schemeClr val="accent1">
+              <a:shade val="50000"/>
+            </a:schemeClr>
+          </a:lnRef>
+          <a:fillRef idx="1">
+            <a:schemeClr val="accent1"/>
+          </a:fillRef>
+          <a:effectRef idx="0">
+            <a:schemeClr val="accent1"/>
+          </a:effectRef>
+          <a:fontRef idx="minor">
+            <a:schemeClr val="lt1"/>
+          </a:fontRef>
+        </p:style>
+        <p:txBody>
+          <a:bodyPr rtlCol="0" anchor="ctr"/>
+          <a:lstStyle/>
+          <a:p>
+            <a:pPr algn="ctr"/>
+            <a:endParaRPr lang="hu-HU"/>
+          </a:p>
+        </p:txBody>
+      </p:sp>
+    </p:spTree>
+  </p:cSld>
+  <p:clrMapOvr>
+    <a:masterClrMapping/>
+  </p:clrMapOvr>
+  <p:transition spd="med">
+    <p:fade thruBlk="1"/>
+  </p:transition>
+</p:sld>
+</file>
+
+<file path=ppt/slides/slide12.xml><?xml version="1.0" encoding="utf-8"?>
+<p:sld xmlns:a="http://schemas.openxmlformats.org/drawingml/2006/main" xmlns:r="http://schemas.openxmlformats.org/officeDocument/2006/relationships" xmlns:p="http://schemas.openxmlformats.org/presentationml/2006/main">
+  <p:cSld>
+    <p:spTree>
+      <p:nvGrpSpPr>
         <p:cNvPr id="1" name="Shape 217"/>
         <p:cNvGrpSpPr/>
         <p:nvPr/>
@@ -11024,10 +11355,10 @@
               <a:buNone/>
             </a:pPr>
             <a:r>
-              <a:rPr lang="hu"/>
+              <a:rPr lang="hu" b="1" dirty="0"/>
               <a:t>HSRP</a:t>
             </a:r>
-            <a:endParaRPr/>
+            <a:endParaRPr b="1" dirty="0"/>
           </a:p>
         </p:txBody>
       </p:sp>
@@ -11239,7 +11570,7 @@
 </p:sld>
 </file>
 
-<file path=ppt/slides/slide12.xml><?xml version="1.0" encoding="utf-8"?>
+<file path=ppt/slides/slide13.xml><?xml version="1.0" encoding="utf-8"?>
 <p:sld xmlns:a="http://schemas.openxmlformats.org/drawingml/2006/main" xmlns:r="http://schemas.openxmlformats.org/officeDocument/2006/relationships" xmlns:p="http://schemas.openxmlformats.org/presentationml/2006/main">
   <p:cSld>
     <p:spTree>
@@ -11291,14 +11622,14 @@
               <a:buNone/>
             </a:pPr>
             <a:r>
-              <a:rPr lang="hu" dirty="0"/>
+              <a:rPr lang="hu" b="1" dirty="0"/>
               <a:t>HSRP </a:t>
             </a:r>
             <a:r>
-              <a:rPr lang="hu-HU" dirty="0"/>
+              <a:rPr lang="hu-HU" b="1" dirty="0"/>
               <a:t>TESZT</a:t>
             </a:r>
-            <a:endParaRPr dirty="0"/>
+            <a:endParaRPr b="1" dirty="0"/>
           </a:p>
         </p:txBody>
       </p:sp>
@@ -11550,7 +11881,7 @@
 </p:sld>
 </file>
 
-<file path=ppt/slides/slide13.xml><?xml version="1.0" encoding="utf-8"?>
+<file path=ppt/slides/slide14.xml><?xml version="1.0" encoding="utf-8"?>
 <p:sld xmlns:a="http://schemas.openxmlformats.org/drawingml/2006/main" xmlns:r="http://schemas.openxmlformats.org/officeDocument/2006/relationships" xmlns:p="http://schemas.openxmlformats.org/presentationml/2006/main">
   <p:cSld>
     <p:spTree>
@@ -11602,10 +11933,10 @@
               <a:buNone/>
             </a:pPr>
             <a:r>
-              <a:rPr lang="hu-HU" dirty="0"/>
+              <a:rPr lang="hu-HU" b="1" dirty="0"/>
               <a:t>DINAMIKUS FORGALOMIRÁNYÍTÁS</a:t>
             </a:r>
-            <a:endParaRPr dirty="0"/>
+            <a:endParaRPr b="1" dirty="0"/>
           </a:p>
         </p:txBody>
       </p:sp>
@@ -11750,7 +12081,7 @@
 </p:sld>
 </file>
 
-<file path=ppt/slides/slide14.xml><?xml version="1.0" encoding="utf-8"?>
+<file path=ppt/slides/slide15.xml><?xml version="1.0" encoding="utf-8"?>
 <p:sld xmlns:a="http://schemas.openxmlformats.org/drawingml/2006/main" xmlns:r="http://schemas.openxmlformats.org/officeDocument/2006/relationships" xmlns:p="http://schemas.openxmlformats.org/presentationml/2006/main">
   <p:cSld>
     <p:spTree>
@@ -11794,10 +12125,10 @@
           <a:p>
             <a:pPr lvl="0" algn="ctr"/>
             <a:r>
-              <a:rPr lang="hu-HU" dirty="0"/>
+              <a:rPr lang="hu-HU" b="1" dirty="0"/>
               <a:t>DINAMIKUS FORGALOMIRÁNYÍTÁS</a:t>
             </a:r>
-            <a:endParaRPr dirty="0"/>
+            <a:endParaRPr b="1" dirty="0"/>
           </a:p>
         </p:txBody>
       </p:sp>
@@ -11942,7 +12273,7 @@
 </p:sld>
 </file>
 
-<file path=ppt/slides/slide15.xml><?xml version="1.0" encoding="utf-8"?>
+<file path=ppt/slides/slide16.xml><?xml version="1.0" encoding="utf-8"?>
 <p:sld xmlns:a="http://schemas.openxmlformats.org/drawingml/2006/main" xmlns:r="http://schemas.openxmlformats.org/officeDocument/2006/relationships" xmlns:p="http://schemas.openxmlformats.org/presentationml/2006/main">
   <p:cSld>
     <p:spTree>
@@ -11982,7 +12313,7 @@
           <a:p>
             <a:pPr algn="ctr"/>
             <a:r>
-              <a:rPr lang="hu-HU" dirty="0"/>
+              <a:rPr lang="hu-HU" b="1" dirty="0"/>
               <a:t>NAT</a:t>
             </a:r>
           </a:p>
@@ -12095,7 +12426,7 @@
 </p:sld>
 </file>
 
-<file path=ppt/slides/slide16.xml><?xml version="1.0" encoding="utf-8"?>
+<file path=ppt/slides/slide17.xml><?xml version="1.0" encoding="utf-8"?>
 <p:sld xmlns:a="http://schemas.openxmlformats.org/drawingml/2006/main" xmlns:r="http://schemas.openxmlformats.org/officeDocument/2006/relationships" xmlns:p="http://schemas.openxmlformats.org/presentationml/2006/main">
   <p:cSld>
     <p:spTree>
@@ -12147,10 +12478,10 @@
               <a:buNone/>
             </a:pPr>
             <a:r>
-              <a:rPr lang="hu"/>
+              <a:rPr lang="hu" b="1" dirty="0"/>
               <a:t>PPP</a:t>
             </a:r>
-            <a:endParaRPr/>
+            <a:endParaRPr b="1" dirty="0"/>
           </a:p>
         </p:txBody>
       </p:sp>
@@ -12295,7 +12626,7 @@
 </p:sld>
 </file>
 
-<file path=ppt/slides/slide17.xml><?xml version="1.0" encoding="utf-8"?>
+<file path=ppt/slides/slide18.xml><?xml version="1.0" encoding="utf-8"?>
 <p:sld xmlns:a="http://schemas.openxmlformats.org/drawingml/2006/main" xmlns:r="http://schemas.openxmlformats.org/officeDocument/2006/relationships" xmlns:p="http://schemas.openxmlformats.org/presentationml/2006/main">
   <p:cSld>
     <p:spTree>
@@ -12347,10 +12678,10 @@
               <a:buNone/>
             </a:pPr>
             <a:r>
-              <a:rPr lang="hu-HU" dirty="0"/>
+              <a:rPr lang="hu-HU" b="1" dirty="0"/>
               <a:t>TUNNEL</a:t>
             </a:r>
-            <a:endParaRPr dirty="0"/>
+            <a:endParaRPr b="1" dirty="0"/>
           </a:p>
         </p:txBody>
       </p:sp>
@@ -12575,7 +12906,7 @@
 </p:sld>
 </file>
 
-<file path=ppt/slides/slide18.xml><?xml version="1.0" encoding="utf-8"?>
+<file path=ppt/slides/slide19.xml><?xml version="1.0" encoding="utf-8"?>
 <p:sld xmlns:a="http://schemas.openxmlformats.org/drawingml/2006/main" xmlns:r="http://schemas.openxmlformats.org/officeDocument/2006/relationships" xmlns:p="http://schemas.openxmlformats.org/presentationml/2006/main">
   <p:cSld>
     <p:spTree>
@@ -12627,10 +12958,10 @@
               <a:buNone/>
             </a:pPr>
             <a:r>
-              <a:rPr lang="hu"/>
+              <a:rPr lang="hu" b="1" dirty="0"/>
               <a:t>DHCP</a:t>
             </a:r>
-            <a:endParaRPr/>
+            <a:endParaRPr b="1" dirty="0"/>
           </a:p>
         </p:txBody>
       </p:sp>
@@ -12849,210 +13180,6 @@
 </p:sld>
 </file>
 
-<file path=ppt/slides/slide19.xml><?xml version="1.0" encoding="utf-8"?>
-<p:sld xmlns:a="http://schemas.openxmlformats.org/drawingml/2006/main" xmlns:r="http://schemas.openxmlformats.org/officeDocument/2006/relationships" xmlns:p="http://schemas.openxmlformats.org/presentationml/2006/main">
-  <p:cSld>
-    <p:spTree>
-      <p:nvGrpSpPr>
-        <p:cNvPr id="1" name=""/>
-        <p:cNvGrpSpPr/>
-        <p:nvPr/>
-      </p:nvGrpSpPr>
-      <p:grpSpPr>
-        <a:xfrm>
-          <a:off x="0" y="0"/>
-          <a:ext cx="0" cy="0"/>
-          <a:chOff x="0" y="0"/>
-          <a:chExt cx="0" cy="0"/>
-        </a:xfrm>
-      </p:grpSpPr>
-      <p:sp>
-        <p:nvSpPr>
-          <p:cNvPr id="2" name="Cím 1">
-            <a:extLst>
-              <a:ext uri="{FF2B5EF4-FFF2-40B4-BE49-F238E27FC236}">
-                <a16:creationId xmlns:a16="http://schemas.microsoft.com/office/drawing/2014/main" id="{A2DCC51D-C558-402B-934D-18E7B564D1BC}"/>
-              </a:ext>
-            </a:extLst>
-          </p:cNvPr>
-          <p:cNvSpPr>
-            <a:spLocks noGrp="1"/>
-          </p:cNvSpPr>
-          <p:nvPr>
-            <p:ph type="title"/>
-          </p:nvPr>
-        </p:nvSpPr>
-        <p:spPr/>
-        <p:txBody>
-          <a:bodyPr/>
-          <a:lstStyle/>
-          <a:p>
-            <a:r>
-              <a:rPr lang="hu-HU" dirty="0"/>
-              <a:t>Oldal</a:t>
-            </a:r>
-          </a:p>
-        </p:txBody>
-      </p:sp>
-      <p:sp>
-        <p:nvSpPr>
-          <p:cNvPr id="3" name="Szöveg helye 2">
-            <a:extLst>
-              <a:ext uri="{FF2B5EF4-FFF2-40B4-BE49-F238E27FC236}">
-                <a16:creationId xmlns:a16="http://schemas.microsoft.com/office/drawing/2014/main" id="{1D55CD0A-442C-488A-9333-CAA5E8F74D38}"/>
-              </a:ext>
-            </a:extLst>
-          </p:cNvPr>
-          <p:cNvSpPr>
-            <a:spLocks noGrp="1"/>
-          </p:cNvSpPr>
-          <p:nvPr>
-            <p:ph type="body" idx="1"/>
-          </p:nvPr>
-        </p:nvSpPr>
-        <p:spPr/>
-        <p:txBody>
-          <a:bodyPr/>
-          <a:lstStyle/>
-          <a:p>
-            <a:endParaRPr lang="hu-HU" dirty="0"/>
-          </a:p>
-        </p:txBody>
-      </p:sp>
-      <p:pic>
-        <p:nvPicPr>
-          <p:cNvPr id="5" name="Kép 4">
-            <a:extLst>
-              <a:ext uri="{FF2B5EF4-FFF2-40B4-BE49-F238E27FC236}">
-                <a16:creationId xmlns:a16="http://schemas.microsoft.com/office/drawing/2014/main" id="{05AE4183-913C-4839-8864-BAAB82966DA6}"/>
-              </a:ext>
-            </a:extLst>
-          </p:cNvPr>
-          <p:cNvPicPr>
-            <a:picLocks noChangeAspect="1"/>
-          </p:cNvPicPr>
-          <p:nvPr/>
-        </p:nvPicPr>
-        <p:blipFill>
-          <a:blip r:embed="rId2"/>
-          <a:stretch>
-            <a:fillRect/>
-          </a:stretch>
-        </p:blipFill>
-        <p:spPr>
-          <a:xfrm>
-            <a:off x="0" y="850800"/>
-            <a:ext cx="9144000" cy="4414015"/>
-          </a:xfrm>
-          <a:prstGeom prst="rect">
-            <a:avLst/>
-          </a:prstGeom>
-        </p:spPr>
-      </p:pic>
-      <p:sp>
-        <p:nvSpPr>
-          <p:cNvPr id="6" name="Szövegdoboz 5">
-            <a:extLst>
-              <a:ext uri="{FF2B5EF4-FFF2-40B4-BE49-F238E27FC236}">
-                <a16:creationId xmlns:a16="http://schemas.microsoft.com/office/drawing/2014/main" id="{045481AC-651D-45D7-B6B2-8A08AA939A09}"/>
-              </a:ext>
-            </a:extLst>
-          </p:cNvPr>
-          <p:cNvSpPr txBox="1"/>
-          <p:nvPr/>
-        </p:nvSpPr>
-        <p:spPr>
-          <a:xfrm>
-            <a:off x="8336400" y="393750"/>
-            <a:ext cx="803425" cy="307777"/>
-          </a:xfrm>
-          <a:prstGeom prst="rect">
-            <a:avLst/>
-          </a:prstGeom>
-          <a:noFill/>
-        </p:spPr>
-        <p:txBody>
-          <a:bodyPr wrap="none" rtlCol="0">
-            <a:spAutoFit/>
-          </a:bodyPr>
-          <a:lstStyle/>
-          <a:p>
-            <a:r>
-              <a:rPr lang="hu-HU" b="1" u="sng" dirty="0">
-                <a:solidFill>
-                  <a:schemeClr val="bg1"/>
-                </a:solidFill>
-              </a:rPr>
-              <a:t>BLAKE</a:t>
-            </a:r>
-          </a:p>
-        </p:txBody>
-      </p:sp>
-      <p:sp>
-        <p:nvSpPr>
-          <p:cNvPr id="4" name="Téglalap 3">
-            <a:extLst>
-              <a:ext uri="{FF2B5EF4-FFF2-40B4-BE49-F238E27FC236}">
-                <a16:creationId xmlns:a16="http://schemas.microsoft.com/office/drawing/2014/main" id="{B3EA6C57-C036-4317-98FD-3E2BB9C1D7C4}"/>
-              </a:ext>
-            </a:extLst>
-          </p:cNvPr>
-          <p:cNvSpPr/>
-          <p:nvPr/>
-        </p:nvSpPr>
-        <p:spPr>
-          <a:xfrm>
-            <a:off x="0" y="850800"/>
-            <a:ext cx="9144000" cy="4414014"/>
-          </a:xfrm>
-          <a:prstGeom prst="rect">
-            <a:avLst/>
-          </a:prstGeom>
-          <a:noFill/>
-          <a:ln>
-            <a:solidFill>
-              <a:schemeClr val="bg1"/>
-            </a:solidFill>
-          </a:ln>
-        </p:spPr>
-        <p:style>
-          <a:lnRef idx="2">
-            <a:schemeClr val="accent1">
-              <a:shade val="50000"/>
-            </a:schemeClr>
-          </a:lnRef>
-          <a:fillRef idx="1">
-            <a:schemeClr val="accent1"/>
-          </a:fillRef>
-          <a:effectRef idx="0">
-            <a:schemeClr val="accent1"/>
-          </a:effectRef>
-          <a:fontRef idx="minor">
-            <a:schemeClr val="lt1"/>
-          </a:fontRef>
-        </p:style>
-        <p:txBody>
-          <a:bodyPr rtlCol="0" anchor="ctr"/>
-          <a:lstStyle/>
-          <a:p>
-            <a:pPr algn="ctr"/>
-            <a:endParaRPr lang="hu-HU"/>
-          </a:p>
-        </p:txBody>
-      </p:sp>
-    </p:spTree>
-    <p:extLst>
-      <p:ext uri="{BB962C8B-B14F-4D97-AF65-F5344CB8AC3E}">
-        <p14:creationId xmlns:p14="http://schemas.microsoft.com/office/powerpoint/2010/main" val="736643622"/>
-      </p:ext>
-    </p:extLst>
-  </p:cSld>
-  <p:clrMapOvr>
-    <a:masterClrMapping/>
-  </p:clrMapOvr>
-</p:sld>
-</file>
-
 <file path=ppt/slides/slide2.xml><?xml version="1.0" encoding="utf-8"?>
 <p:sld xmlns:a="http://schemas.openxmlformats.org/drawingml/2006/main" xmlns:r="http://schemas.openxmlformats.org/officeDocument/2006/relationships" xmlns:p="http://schemas.openxmlformats.org/presentationml/2006/main">
   <p:cSld>
@@ -13105,10 +13232,10 @@
               <a:buNone/>
             </a:pPr>
             <a:r>
-              <a:rPr lang="hu" dirty="0"/>
+              <a:rPr lang="hu" b="1" dirty="0"/>
               <a:t>Projekten Dolgozók</a:t>
             </a:r>
-            <a:endParaRPr dirty="0"/>
+            <a:endParaRPr b="1" dirty="0"/>
           </a:p>
         </p:txBody>
       </p:sp>
@@ -13183,20 +13310,17 @@
             <a:endParaRPr dirty="0"/>
           </a:p>
           <a:p>
-            <a:pPr marL="0" lvl="0" indent="0" algn="l" rtl="0">
+            <a:pPr marL="457200" lvl="0" indent="-311150" algn="l" rtl="0">
               <a:spcBef>
                 <a:spcPts val="1200"/>
               </a:spcBef>
               <a:spcAft>
                 <a:spcPts val="0"/>
               </a:spcAft>
-              <a:buNone/>
+              <a:buSzPts val="1300"/>
+              <a:buChar char="-"/>
             </a:pPr>
-            <a:r>
-              <a:rPr lang="hu-HU" dirty="0"/>
-              <a:t>IP tábla, dokumentáció, ppt</a:t>
-            </a:r>
-            <a:endParaRPr dirty="0"/>
+            <a:endParaRPr lang="hu" dirty="0"/>
           </a:p>
           <a:p>
             <a:pPr marL="457200" lvl="0" indent="-311150" algn="l" rtl="0">
@@ -13212,26 +13336,6 @@
             <a:r>
               <a:rPr lang="hu" dirty="0"/>
               <a:t>Fazekas Dominik</a:t>
-            </a:r>
-            <a:endParaRPr dirty="0"/>
-          </a:p>
-          <a:p>
-            <a:pPr marL="0" lvl="0" indent="0" algn="l" rtl="0">
-              <a:spcBef>
-                <a:spcPts val="1200"/>
-              </a:spcBef>
-              <a:spcAft>
-                <a:spcPts val="0"/>
-              </a:spcAft>
-              <a:buNone/>
-            </a:pPr>
-            <a:r>
-              <a:rPr lang="hu-HU" dirty="0" err="1"/>
-              <a:t>Vlan</a:t>
-            </a:r>
-            <a:r>
-              <a:rPr lang="hu-HU" dirty="0"/>
-              <a:t>, oldal, ppt, DHCP</a:t>
             </a:r>
             <a:endParaRPr dirty="0"/>
           </a:p>
@@ -13331,6 +13435,210 @@
           <p:cNvPr id="2" name="Cím 1">
             <a:extLst>
               <a:ext uri="{FF2B5EF4-FFF2-40B4-BE49-F238E27FC236}">
+                <a16:creationId xmlns:a16="http://schemas.microsoft.com/office/drawing/2014/main" id="{A2DCC51D-C558-402B-934D-18E7B564D1BC}"/>
+              </a:ext>
+            </a:extLst>
+          </p:cNvPr>
+          <p:cNvSpPr>
+            <a:spLocks noGrp="1"/>
+          </p:cNvSpPr>
+          <p:nvPr>
+            <p:ph type="title"/>
+          </p:nvPr>
+        </p:nvSpPr>
+        <p:spPr/>
+        <p:txBody>
+          <a:bodyPr/>
+          <a:lstStyle/>
+          <a:p>
+            <a:r>
+              <a:rPr lang="hu-HU" b="1" dirty="0"/>
+              <a:t>Oldal</a:t>
+            </a:r>
+          </a:p>
+        </p:txBody>
+      </p:sp>
+      <p:sp>
+        <p:nvSpPr>
+          <p:cNvPr id="3" name="Szöveg helye 2">
+            <a:extLst>
+              <a:ext uri="{FF2B5EF4-FFF2-40B4-BE49-F238E27FC236}">
+                <a16:creationId xmlns:a16="http://schemas.microsoft.com/office/drawing/2014/main" id="{1D55CD0A-442C-488A-9333-CAA5E8F74D38}"/>
+              </a:ext>
+            </a:extLst>
+          </p:cNvPr>
+          <p:cNvSpPr>
+            <a:spLocks noGrp="1"/>
+          </p:cNvSpPr>
+          <p:nvPr>
+            <p:ph type="body" idx="1"/>
+          </p:nvPr>
+        </p:nvSpPr>
+        <p:spPr/>
+        <p:txBody>
+          <a:bodyPr/>
+          <a:lstStyle/>
+          <a:p>
+            <a:endParaRPr lang="hu-HU" dirty="0"/>
+          </a:p>
+        </p:txBody>
+      </p:sp>
+      <p:pic>
+        <p:nvPicPr>
+          <p:cNvPr id="5" name="Kép 4">
+            <a:extLst>
+              <a:ext uri="{FF2B5EF4-FFF2-40B4-BE49-F238E27FC236}">
+                <a16:creationId xmlns:a16="http://schemas.microsoft.com/office/drawing/2014/main" id="{05AE4183-913C-4839-8864-BAAB82966DA6}"/>
+              </a:ext>
+            </a:extLst>
+          </p:cNvPr>
+          <p:cNvPicPr>
+            <a:picLocks noChangeAspect="1"/>
+          </p:cNvPicPr>
+          <p:nvPr/>
+        </p:nvPicPr>
+        <p:blipFill>
+          <a:blip r:embed="rId2"/>
+          <a:stretch>
+            <a:fillRect/>
+          </a:stretch>
+        </p:blipFill>
+        <p:spPr>
+          <a:xfrm>
+            <a:off x="0" y="850800"/>
+            <a:ext cx="9144000" cy="4414015"/>
+          </a:xfrm>
+          <a:prstGeom prst="rect">
+            <a:avLst/>
+          </a:prstGeom>
+        </p:spPr>
+      </p:pic>
+      <p:sp>
+        <p:nvSpPr>
+          <p:cNvPr id="6" name="Szövegdoboz 5">
+            <a:extLst>
+              <a:ext uri="{FF2B5EF4-FFF2-40B4-BE49-F238E27FC236}">
+                <a16:creationId xmlns:a16="http://schemas.microsoft.com/office/drawing/2014/main" id="{045481AC-651D-45D7-B6B2-8A08AA939A09}"/>
+              </a:ext>
+            </a:extLst>
+          </p:cNvPr>
+          <p:cNvSpPr txBox="1"/>
+          <p:nvPr/>
+        </p:nvSpPr>
+        <p:spPr>
+          <a:xfrm>
+            <a:off x="8336400" y="393750"/>
+            <a:ext cx="803425" cy="307777"/>
+          </a:xfrm>
+          <a:prstGeom prst="rect">
+            <a:avLst/>
+          </a:prstGeom>
+          <a:noFill/>
+        </p:spPr>
+        <p:txBody>
+          <a:bodyPr wrap="none" rtlCol="0">
+            <a:spAutoFit/>
+          </a:bodyPr>
+          <a:lstStyle/>
+          <a:p>
+            <a:r>
+              <a:rPr lang="hu-HU" b="1" u="sng" dirty="0">
+                <a:solidFill>
+                  <a:schemeClr val="bg1"/>
+                </a:solidFill>
+              </a:rPr>
+              <a:t>BLAKE</a:t>
+            </a:r>
+          </a:p>
+        </p:txBody>
+      </p:sp>
+      <p:sp>
+        <p:nvSpPr>
+          <p:cNvPr id="4" name="Téglalap 3">
+            <a:extLst>
+              <a:ext uri="{FF2B5EF4-FFF2-40B4-BE49-F238E27FC236}">
+                <a16:creationId xmlns:a16="http://schemas.microsoft.com/office/drawing/2014/main" id="{B3EA6C57-C036-4317-98FD-3E2BB9C1D7C4}"/>
+              </a:ext>
+            </a:extLst>
+          </p:cNvPr>
+          <p:cNvSpPr/>
+          <p:nvPr/>
+        </p:nvSpPr>
+        <p:spPr>
+          <a:xfrm>
+            <a:off x="0" y="850800"/>
+            <a:ext cx="9144000" cy="4414014"/>
+          </a:xfrm>
+          <a:prstGeom prst="rect">
+            <a:avLst/>
+          </a:prstGeom>
+          <a:noFill/>
+          <a:ln>
+            <a:solidFill>
+              <a:schemeClr val="bg1"/>
+            </a:solidFill>
+          </a:ln>
+        </p:spPr>
+        <p:style>
+          <a:lnRef idx="2">
+            <a:schemeClr val="accent1">
+              <a:shade val="50000"/>
+            </a:schemeClr>
+          </a:lnRef>
+          <a:fillRef idx="1">
+            <a:schemeClr val="accent1"/>
+          </a:fillRef>
+          <a:effectRef idx="0">
+            <a:schemeClr val="accent1"/>
+          </a:effectRef>
+          <a:fontRef idx="minor">
+            <a:schemeClr val="lt1"/>
+          </a:fontRef>
+        </p:style>
+        <p:txBody>
+          <a:bodyPr rtlCol="0" anchor="ctr"/>
+          <a:lstStyle/>
+          <a:p>
+            <a:pPr algn="ctr"/>
+            <a:endParaRPr lang="hu-HU"/>
+          </a:p>
+        </p:txBody>
+      </p:sp>
+    </p:spTree>
+    <p:extLst>
+      <p:ext uri="{BB962C8B-B14F-4D97-AF65-F5344CB8AC3E}">
+        <p14:creationId xmlns:p14="http://schemas.microsoft.com/office/powerpoint/2010/main" val="736643622"/>
+      </p:ext>
+    </p:extLst>
+  </p:cSld>
+  <p:clrMapOvr>
+    <a:masterClrMapping/>
+  </p:clrMapOvr>
+</p:sld>
+</file>
+
+<file path=ppt/slides/slide21.xml><?xml version="1.0" encoding="utf-8"?>
+<p:sld xmlns:a="http://schemas.openxmlformats.org/drawingml/2006/main" xmlns:r="http://schemas.openxmlformats.org/officeDocument/2006/relationships" xmlns:p="http://schemas.openxmlformats.org/presentationml/2006/main">
+  <p:cSld>
+    <p:spTree>
+      <p:nvGrpSpPr>
+        <p:cNvPr id="1" name=""/>
+        <p:cNvGrpSpPr/>
+        <p:nvPr/>
+      </p:nvGrpSpPr>
+      <p:grpSpPr>
+        <a:xfrm>
+          <a:off x="0" y="0"/>
+          <a:ext cx="0" cy="0"/>
+          <a:chOff x="0" y="0"/>
+          <a:chExt cx="0" cy="0"/>
+        </a:xfrm>
+      </p:grpSpPr>
+      <p:sp>
+        <p:nvSpPr>
+          <p:cNvPr id="2" name="Cím 1">
+            <a:extLst>
+              <a:ext uri="{FF2B5EF4-FFF2-40B4-BE49-F238E27FC236}">
                 <a16:creationId xmlns:a16="http://schemas.microsoft.com/office/drawing/2014/main" id="{7D62C196-F6E5-44D0-84DB-517B3D3E0826}"/>
               </a:ext>
             </a:extLst>
@@ -13348,7 +13656,7 @@
           <a:lstStyle/>
           <a:p>
             <a:r>
-              <a:rPr lang="hu-HU" dirty="0"/>
+              <a:rPr lang="hu-HU" b="1" dirty="0"/>
               <a:t>Oldal</a:t>
             </a:r>
           </a:p>
@@ -13576,7 +13884,7 @@
 </p:sld>
 </file>
 
-<file path=ppt/slides/slide21.xml><?xml version="1.0" encoding="utf-8"?>
+<file path=ppt/slides/slide22.xml><?xml version="1.0" encoding="utf-8"?>
 <p:sld xmlns:a="http://schemas.openxmlformats.org/drawingml/2006/main" xmlns:r="http://schemas.openxmlformats.org/officeDocument/2006/relationships" xmlns:p="http://schemas.openxmlformats.org/presentationml/2006/main">
   <p:cSld>
     <p:spTree>
@@ -13850,10 +14158,10 @@
               <a:buNone/>
             </a:pPr>
             <a:r>
-              <a:rPr lang="hu"/>
+              <a:rPr lang="hu" b="1" dirty="0"/>
               <a:t>Eszközeink</a:t>
             </a:r>
-            <a:endParaRPr/>
+            <a:endParaRPr b="1" dirty="0"/>
           </a:p>
         </p:txBody>
       </p:sp>
@@ -14050,10 +14358,10 @@
               <a:buNone/>
             </a:pPr>
             <a:r>
-              <a:rPr lang="hu"/>
+              <a:rPr lang="hu" b="1" dirty="0"/>
               <a:t>Topológia</a:t>
             </a:r>
-            <a:endParaRPr/>
+            <a:endParaRPr b="1" dirty="0"/>
           </a:p>
         </p:txBody>
       </p:sp>
@@ -14097,30 +14405,32 @@
       </p:sp>
       <p:pic>
         <p:nvPicPr>
-          <p:cNvPr id="155" name="Google Shape;155;p16" title="topológia (1).png"/>
-          <p:cNvPicPr preferRelativeResize="0"/>
+          <p:cNvPr id="3" name="Kép 2">
+            <a:extLst>
+              <a:ext uri="{FF2B5EF4-FFF2-40B4-BE49-F238E27FC236}">
+                <a16:creationId xmlns:a16="http://schemas.microsoft.com/office/drawing/2014/main" id="{DAE6746A-C67C-45D1-8DA9-5D80F364C29C}"/>
+              </a:ext>
+            </a:extLst>
+          </p:cNvPr>
+          <p:cNvPicPr>
+            <a:picLocks noChangeAspect="1"/>
+          </p:cNvPicPr>
           <p:nvPr/>
         </p:nvPicPr>
         <p:blipFill>
-          <a:blip r:embed="rId3">
-            <a:alphaModFix/>
-          </a:blip>
+          <a:blip r:embed="rId3"/>
           <a:stretch>
             <a:fillRect/>
           </a:stretch>
         </p:blipFill>
         <p:spPr>
           <a:xfrm>
-            <a:off x="0" y="1683721"/>
-            <a:ext cx="9144000" cy="3411508"/>
+            <a:off x="1211566" y="1072898"/>
+            <a:ext cx="6720867" cy="3900503"/>
           </a:xfrm>
           <a:prstGeom prst="rect">
             <a:avLst/>
           </a:prstGeom>
-          <a:noFill/>
-          <a:ln>
-            <a:noFill/>
-          </a:ln>
         </p:spPr>
       </p:pic>
     </p:spTree>
@@ -14135,6 +14445,123 @@
 </file>
 
 <file path=ppt/slides/slide5.xml><?xml version="1.0" encoding="utf-8"?>
+<p:sld xmlns:a="http://schemas.openxmlformats.org/drawingml/2006/main" xmlns:r="http://schemas.openxmlformats.org/officeDocument/2006/relationships" xmlns:p="http://schemas.openxmlformats.org/presentationml/2006/main">
+  <p:cSld>
+    <p:spTree>
+      <p:nvGrpSpPr>
+        <p:cNvPr id="1" name=""/>
+        <p:cNvGrpSpPr/>
+        <p:nvPr/>
+      </p:nvGrpSpPr>
+      <p:grpSpPr>
+        <a:xfrm>
+          <a:off x="0" y="0"/>
+          <a:ext cx="0" cy="0"/>
+          <a:chOff x="0" y="0"/>
+          <a:chExt cx="0" cy="0"/>
+        </a:xfrm>
+      </p:grpSpPr>
+      <p:sp>
+        <p:nvSpPr>
+          <p:cNvPr id="2" name="Cím 1">
+            <a:extLst>
+              <a:ext uri="{FF2B5EF4-FFF2-40B4-BE49-F238E27FC236}">
+                <a16:creationId xmlns:a16="http://schemas.microsoft.com/office/drawing/2014/main" id="{69C75D7D-6EF7-488B-8831-B5129060DEE9}"/>
+              </a:ext>
+            </a:extLst>
+          </p:cNvPr>
+          <p:cNvSpPr>
+            <a:spLocks noGrp="1"/>
+          </p:cNvSpPr>
+          <p:nvPr>
+            <p:ph type="title"/>
+          </p:nvPr>
+        </p:nvSpPr>
+        <p:spPr/>
+        <p:txBody>
+          <a:bodyPr/>
+          <a:lstStyle/>
+          <a:p>
+            <a:r>
+              <a:rPr lang="hu-HU" b="1" dirty="0" err="1"/>
+              <a:t>Ruby</a:t>
+            </a:r>
+            <a:r>
+              <a:rPr lang="hu-HU" b="1" dirty="0"/>
+              <a:t> telephely fizikai eszközökön</a:t>
+            </a:r>
+          </a:p>
+        </p:txBody>
+      </p:sp>
+      <p:sp>
+        <p:nvSpPr>
+          <p:cNvPr id="3" name="Szöveg helye 2">
+            <a:extLst>
+              <a:ext uri="{FF2B5EF4-FFF2-40B4-BE49-F238E27FC236}">
+                <a16:creationId xmlns:a16="http://schemas.microsoft.com/office/drawing/2014/main" id="{F9497D70-4829-4294-8B48-CDEE7F2658CA}"/>
+              </a:ext>
+            </a:extLst>
+          </p:cNvPr>
+          <p:cNvSpPr>
+            <a:spLocks noGrp="1"/>
+          </p:cNvSpPr>
+          <p:nvPr>
+            <p:ph type="body" idx="1"/>
+          </p:nvPr>
+        </p:nvSpPr>
+        <p:spPr/>
+        <p:txBody>
+          <a:bodyPr/>
+          <a:lstStyle/>
+          <a:p>
+            <a:endParaRPr lang="hu-HU"/>
+          </a:p>
+        </p:txBody>
+      </p:sp>
+      <p:pic>
+        <p:nvPicPr>
+          <p:cNvPr id="5" name="Kép 4">
+            <a:extLst>
+              <a:ext uri="{FF2B5EF4-FFF2-40B4-BE49-F238E27FC236}">
+                <a16:creationId xmlns:a16="http://schemas.microsoft.com/office/drawing/2014/main" id="{E6DB6FAA-12A5-4362-86DC-A1D22DFC606D}"/>
+              </a:ext>
+            </a:extLst>
+          </p:cNvPr>
+          <p:cNvPicPr>
+            <a:picLocks noChangeAspect="1"/>
+          </p:cNvPicPr>
+          <p:nvPr/>
+        </p:nvPicPr>
+        <p:blipFill>
+          <a:blip r:embed="rId2"/>
+          <a:stretch>
+            <a:fillRect/>
+          </a:stretch>
+        </p:blipFill>
+        <p:spPr>
+          <a:xfrm>
+            <a:off x="1990355" y="1312518"/>
+            <a:ext cx="5163290" cy="3750048"/>
+          </a:xfrm>
+          <a:prstGeom prst="rect">
+            <a:avLst/>
+          </a:prstGeom>
+        </p:spPr>
+      </p:pic>
+    </p:spTree>
+    <p:extLst>
+      <p:ext uri="{BB962C8B-B14F-4D97-AF65-F5344CB8AC3E}">
+        <p14:creationId xmlns:p14="http://schemas.microsoft.com/office/powerpoint/2010/main" val="2970835505"/>
+      </p:ext>
+    </p:extLst>
+  </p:cSld>
+  <p:clrMapOvr>
+    <a:masterClrMapping/>
+  </p:clrMapOvr>
+</p:sld>
+</file>
+
+<file path=ppt/slides/slide6.xml><?xml version="1.0" encoding="utf-8"?>
 <p:sld xmlns:a="http://schemas.openxmlformats.org/drawingml/2006/main" xmlns:r="http://schemas.openxmlformats.org/officeDocument/2006/relationships" xmlns:p="http://schemas.openxmlformats.org/presentationml/2006/main">
   <p:cSld>
     <p:spTree>
@@ -14277,233 +14704,6 @@
           <a:xfrm>
             <a:off x="1680823" y="195203"/>
             <a:ext cx="5782353" cy="4753094"/>
-          </a:xfrm>
-          <a:prstGeom prst="rect">
-            <a:avLst/>
-          </a:prstGeom>
-          <a:noFill/>
-          <a:ln>
-            <a:solidFill>
-              <a:schemeClr val="bg1"/>
-            </a:solidFill>
-          </a:ln>
-        </p:spPr>
-        <p:style>
-          <a:lnRef idx="2">
-            <a:schemeClr val="accent1">
-              <a:shade val="50000"/>
-            </a:schemeClr>
-          </a:lnRef>
-          <a:fillRef idx="1">
-            <a:schemeClr val="accent1"/>
-          </a:fillRef>
-          <a:effectRef idx="0">
-            <a:schemeClr val="accent1"/>
-          </a:effectRef>
-          <a:fontRef idx="minor">
-            <a:schemeClr val="lt1"/>
-          </a:fontRef>
-        </p:style>
-        <p:txBody>
-          <a:bodyPr rtlCol="0" anchor="ctr"/>
-          <a:lstStyle/>
-          <a:p>
-            <a:pPr algn="ctr"/>
-            <a:endParaRPr lang="hu-HU"/>
-          </a:p>
-        </p:txBody>
-      </p:sp>
-    </p:spTree>
-  </p:cSld>
-  <p:clrMapOvr>
-    <a:masterClrMapping/>
-  </p:clrMapOvr>
-  <p:transition spd="med">
-    <p:fade thruBlk="1"/>
-  </p:transition>
-</p:sld>
-</file>
-
-<file path=ppt/slides/slide6.xml><?xml version="1.0" encoding="utf-8"?>
-<p:sld xmlns:a="http://schemas.openxmlformats.org/drawingml/2006/main" xmlns:r="http://schemas.openxmlformats.org/officeDocument/2006/relationships" xmlns:p="http://schemas.openxmlformats.org/presentationml/2006/main">
-  <p:cSld>
-    <p:spTree>
-      <p:nvGrpSpPr>
-        <p:cNvPr id="1" name="Shape 166"/>
-        <p:cNvGrpSpPr/>
-        <p:nvPr/>
-      </p:nvGrpSpPr>
-      <p:grpSpPr>
-        <a:xfrm>
-          <a:off x="0" y="0"/>
-          <a:ext cx="0" cy="0"/>
-          <a:chOff x="0" y="0"/>
-          <a:chExt cx="0" cy="0"/>
-        </a:xfrm>
-      </p:grpSpPr>
-      <p:sp>
-        <p:nvSpPr>
-          <p:cNvPr id="167" name="Google Shape;167;p18"/>
-          <p:cNvSpPr txBox="1">
-            <a:spLocks noGrp="1"/>
-          </p:cNvSpPr>
-          <p:nvPr>
-            <p:ph type="title"/>
-          </p:nvPr>
-        </p:nvSpPr>
-        <p:spPr>
-          <a:xfrm>
-            <a:off x="1297500" y="442150"/>
-            <a:ext cx="9710400" cy="914100"/>
-          </a:xfrm>
-          <a:prstGeom prst="rect">
-            <a:avLst/>
-          </a:prstGeom>
-        </p:spPr>
-        <p:txBody>
-          <a:bodyPr spcFirstLastPara="1" wrap="square" lIns="91425" tIns="91425" rIns="91425" bIns="91425" anchor="t" anchorCtr="0">
-            <a:normAutofit/>
-          </a:bodyPr>
-          <a:lstStyle/>
-          <a:p>
-            <a:pPr marL="0" lvl="0" indent="0" algn="l" rtl="0">
-              <a:spcBef>
-                <a:spcPts val="0"/>
-              </a:spcBef>
-              <a:spcAft>
-                <a:spcPts val="0"/>
-              </a:spcAft>
-              <a:buNone/>
-            </a:pPr>
-            <a:r>
-              <a:rPr lang="hu" dirty="0"/>
-              <a:t>SSH</a:t>
-            </a:r>
-            <a:endParaRPr dirty="0"/>
-          </a:p>
-        </p:txBody>
-      </p:sp>
-      <p:sp>
-        <p:nvSpPr>
-          <p:cNvPr id="168" name="Google Shape;168;p18"/>
-          <p:cNvSpPr txBox="1">
-            <a:spLocks noGrp="1"/>
-          </p:cNvSpPr>
-          <p:nvPr>
-            <p:ph type="body" idx="1"/>
-          </p:nvPr>
-        </p:nvSpPr>
-        <p:spPr>
-          <a:xfrm>
-            <a:off x="1297500" y="1567550"/>
-            <a:ext cx="7038900" cy="2911200"/>
-          </a:xfrm>
-          <a:prstGeom prst="rect">
-            <a:avLst/>
-          </a:prstGeom>
-        </p:spPr>
-        <p:txBody>
-          <a:bodyPr spcFirstLastPara="1" wrap="square" lIns="91425" tIns="91425" rIns="91425" bIns="91425" anchor="t" anchorCtr="0">
-            <a:normAutofit/>
-          </a:bodyPr>
-          <a:lstStyle/>
-          <a:p>
-            <a:pPr marL="0" lvl="0" indent="0" algn="l" rtl="0">
-              <a:spcBef>
-                <a:spcPts val="0"/>
-              </a:spcBef>
-              <a:spcAft>
-                <a:spcPts val="1200"/>
-              </a:spcAft>
-              <a:buNone/>
-            </a:pPr>
-            <a:endParaRPr/>
-          </a:p>
-        </p:txBody>
-      </p:sp>
-      <p:pic>
-        <p:nvPicPr>
-          <p:cNvPr id="169" name="Google Shape;169;p18" title="SSh-login.png"/>
-          <p:cNvPicPr preferRelativeResize="0"/>
-          <p:nvPr/>
-        </p:nvPicPr>
-        <p:blipFill>
-          <a:blip r:embed="rId3">
-            <a:alphaModFix/>
-          </a:blip>
-          <a:stretch>
-            <a:fillRect/>
-          </a:stretch>
-        </p:blipFill>
-        <p:spPr>
-          <a:xfrm>
-            <a:off x="204775" y="2040250"/>
-            <a:ext cx="8734425" cy="1819275"/>
-          </a:xfrm>
-          <a:prstGeom prst="rect">
-            <a:avLst/>
-          </a:prstGeom>
-          <a:noFill/>
-          <a:ln>
-            <a:noFill/>
-          </a:ln>
-        </p:spPr>
-      </p:pic>
-      <p:sp>
-        <p:nvSpPr>
-          <p:cNvPr id="3" name="Szövegdoboz 2">
-            <a:extLst>
-              <a:ext uri="{FF2B5EF4-FFF2-40B4-BE49-F238E27FC236}">
-                <a16:creationId xmlns:a16="http://schemas.microsoft.com/office/drawing/2014/main" id="{4F823660-E971-42C2-8B0B-4C9790FABA21}"/>
-              </a:ext>
-            </a:extLst>
-          </p:cNvPr>
-          <p:cNvSpPr txBox="1"/>
-          <p:nvPr/>
-        </p:nvSpPr>
-        <p:spPr>
-          <a:xfrm>
-            <a:off x="7676444" y="356973"/>
-            <a:ext cx="1467556" cy="307777"/>
-          </a:xfrm>
-          <a:prstGeom prst="rect">
-            <a:avLst/>
-          </a:prstGeom>
-          <a:noFill/>
-        </p:spPr>
-        <p:txBody>
-          <a:bodyPr wrap="square" rtlCol="0">
-            <a:spAutoFit/>
-          </a:bodyPr>
-          <a:lstStyle/>
-          <a:p>
-            <a:r>
-              <a:rPr lang="hu-HU" b="1" u="sng" dirty="0">
-                <a:solidFill>
-                  <a:schemeClr val="bg1"/>
-                </a:solidFill>
-              </a:rPr>
-              <a:t>RUBY</a:t>
-            </a:r>
-          </a:p>
-        </p:txBody>
-      </p:sp>
-      <p:sp>
-        <p:nvSpPr>
-          <p:cNvPr id="2" name="Téglalap 1">
-            <a:extLst>
-              <a:ext uri="{FF2B5EF4-FFF2-40B4-BE49-F238E27FC236}">
-                <a16:creationId xmlns:a16="http://schemas.microsoft.com/office/drawing/2014/main" id="{42A6CCB3-ECD5-4838-8057-6AC0F69BB6CF}"/>
-              </a:ext>
-            </a:extLst>
-          </p:cNvPr>
-          <p:cNvSpPr/>
-          <p:nvPr/>
-        </p:nvSpPr>
-        <p:spPr>
-          <a:xfrm>
-            <a:off x="204775" y="2040250"/>
-            <a:ext cx="8734425" cy="1819275"/>
           </a:xfrm>
           <a:prstGeom prst="rect">
             <a:avLst/>
@@ -14556,7 +14756,7 @@
   <p:cSld>
     <p:spTree>
       <p:nvGrpSpPr>
-        <p:cNvPr id="1" name="Shape 173"/>
+        <p:cNvPr id="1" name="Shape 166"/>
         <p:cNvGrpSpPr/>
         <p:nvPr/>
       </p:nvGrpSpPr>
@@ -14570,7 +14770,7 @@
       </p:grpSpPr>
       <p:sp>
         <p:nvSpPr>
-          <p:cNvPr id="174" name="Google Shape;174;p19"/>
+          <p:cNvPr id="167" name="Google Shape;167;p18"/>
           <p:cNvSpPr txBox="1">
             <a:spLocks noGrp="1"/>
           </p:cNvSpPr>
@@ -14580,8 +14780,8 @@
         </p:nvSpPr>
         <p:spPr>
           <a:xfrm>
-            <a:off x="1297500" y="393750"/>
-            <a:ext cx="7038900" cy="914100"/>
+            <a:off x="1297500" y="442150"/>
+            <a:ext cx="9710400" cy="914100"/>
           </a:xfrm>
           <a:prstGeom prst="rect">
             <a:avLst/>
@@ -14603,16 +14803,16 @@
               <a:buNone/>
             </a:pPr>
             <a:r>
-              <a:rPr lang="hu"/>
-              <a:t>SSH Teszt</a:t>
+              <a:rPr lang="hu" b="1" dirty="0"/>
+              <a:t>SSH</a:t>
             </a:r>
-            <a:endParaRPr/>
+            <a:endParaRPr b="1" dirty="0"/>
           </a:p>
         </p:txBody>
       </p:sp>
       <p:sp>
         <p:nvSpPr>
-          <p:cNvPr id="175" name="Google Shape;175;p19"/>
+          <p:cNvPr id="168" name="Google Shape;168;p18"/>
           <p:cNvSpPr txBox="1">
             <a:spLocks noGrp="1"/>
           </p:cNvSpPr>
@@ -14650,7 +14850,7 @@
       </p:sp>
       <p:pic>
         <p:nvPicPr>
-          <p:cNvPr id="176" name="Google Shape;176;p19" title="ssh-teszt.png"/>
+          <p:cNvPr id="169" name="Google Shape;169;p18" title="SSh-login.png"/>
           <p:cNvPicPr preferRelativeResize="0"/>
           <p:nvPr/>
         </p:nvPicPr>
@@ -14664,8 +14864,8 @@
         </p:blipFill>
         <p:spPr>
           <a:xfrm>
-            <a:off x="180975" y="1905950"/>
-            <a:ext cx="8782050" cy="2686050"/>
+            <a:off x="204775" y="2040250"/>
+            <a:ext cx="8734425" cy="1819275"/>
           </a:xfrm>
           <a:prstGeom prst="rect">
             <a:avLst/>
@@ -14678,10 +14878,10 @@
       </p:pic>
       <p:sp>
         <p:nvSpPr>
-          <p:cNvPr id="2" name="Szövegdoboz 1">
+          <p:cNvPr id="3" name="Szövegdoboz 2">
             <a:extLst>
               <a:ext uri="{FF2B5EF4-FFF2-40B4-BE49-F238E27FC236}">
-                <a16:creationId xmlns:a16="http://schemas.microsoft.com/office/drawing/2014/main" id="{B546EA56-CE57-45B4-8663-59825161B8F4}"/>
+                <a16:creationId xmlns:a16="http://schemas.microsoft.com/office/drawing/2014/main" id="{4F823660-E971-42C2-8B0B-4C9790FABA21}"/>
               </a:ext>
             </a:extLst>
           </p:cNvPr>
@@ -14690,8 +14890,8 @@
         </p:nvSpPr>
         <p:spPr>
           <a:xfrm>
-            <a:off x="8015111" y="270933"/>
-            <a:ext cx="947914" cy="307777"/>
+            <a:off x="7676444" y="356973"/>
+            <a:ext cx="1467556" cy="307777"/>
           </a:xfrm>
           <a:prstGeom prst="rect">
             <a:avLst/>
@@ -14717,10 +14917,10 @@
       </p:sp>
       <p:sp>
         <p:nvSpPr>
-          <p:cNvPr id="3" name="Téglalap 2">
+          <p:cNvPr id="2" name="Téglalap 1">
             <a:extLst>
               <a:ext uri="{FF2B5EF4-FFF2-40B4-BE49-F238E27FC236}">
-                <a16:creationId xmlns:a16="http://schemas.microsoft.com/office/drawing/2014/main" id="{70C15EC9-7BFF-4492-AEB2-81095EEFBD4C}"/>
+                <a16:creationId xmlns:a16="http://schemas.microsoft.com/office/drawing/2014/main" id="{42A6CCB3-ECD5-4838-8057-6AC0F69BB6CF}"/>
               </a:ext>
             </a:extLst>
           </p:cNvPr>
@@ -14729,8 +14929,8 @@
         </p:nvSpPr>
         <p:spPr>
           <a:xfrm>
-            <a:off x="180975" y="1905950"/>
-            <a:ext cx="8782050" cy="2686050"/>
+            <a:off x="204775" y="2040250"/>
+            <a:ext cx="8734425" cy="1819275"/>
           </a:xfrm>
           <a:prstGeom prst="rect">
             <a:avLst/>
@@ -14772,6 +14972,9 @@
   <p:clrMapOvr>
     <a:masterClrMapping/>
   </p:clrMapOvr>
+  <p:transition spd="med">
+    <p:fade thruBlk="1"/>
+  </p:transition>
 </p:sld>
 </file>
 
@@ -14780,7 +14983,7 @@
   <p:cSld>
     <p:spTree>
       <p:nvGrpSpPr>
-        <p:cNvPr id="1" name="Shape 180"/>
+        <p:cNvPr id="1" name="Shape 173"/>
         <p:cNvGrpSpPr/>
         <p:nvPr/>
       </p:nvGrpSpPr>
@@ -14794,7 +14997,7 @@
       </p:grpSpPr>
       <p:sp>
         <p:nvSpPr>
-          <p:cNvPr id="181" name="Google Shape;181;p20"/>
+          <p:cNvPr id="174" name="Google Shape;174;p19"/>
           <p:cNvSpPr txBox="1">
             <a:spLocks noGrp="1"/>
           </p:cNvSpPr>
@@ -14827,16 +15030,16 @@
               <a:buNone/>
             </a:pPr>
             <a:r>
-              <a:rPr lang="hu"/>
-              <a:t>SSH User</a:t>
+              <a:rPr lang="hu" b="1" dirty="0"/>
+              <a:t>SSH Teszt</a:t>
             </a:r>
-            <a:endParaRPr/>
+            <a:endParaRPr b="1" dirty="0"/>
           </a:p>
         </p:txBody>
       </p:sp>
       <p:sp>
         <p:nvSpPr>
-          <p:cNvPr id="182" name="Google Shape;182;p20"/>
+          <p:cNvPr id="175" name="Google Shape;175;p19"/>
           <p:cNvSpPr txBox="1">
             <a:spLocks noGrp="1"/>
           </p:cNvSpPr>
@@ -14874,7 +15077,7 @@
       </p:sp>
       <p:pic>
         <p:nvPicPr>
-          <p:cNvPr id="183" name="Google Shape;183;p20" title="ssh-user.png"/>
+          <p:cNvPr id="176" name="Google Shape;176;p19" title="ssh-teszt.png"/>
           <p:cNvPicPr preferRelativeResize="0"/>
           <p:nvPr/>
         </p:nvPicPr>
@@ -14888,8 +15091,8 @@
         </p:blipFill>
         <p:spPr>
           <a:xfrm>
-            <a:off x="1809700" y="1685388"/>
-            <a:ext cx="5524600" cy="2675525"/>
+            <a:off x="180975" y="1905950"/>
+            <a:ext cx="8782050" cy="2686050"/>
           </a:xfrm>
           <a:prstGeom prst="rect">
             <a:avLst/>
@@ -14905,7 +15108,7 @@
           <p:cNvPr id="2" name="Szövegdoboz 1">
             <a:extLst>
               <a:ext uri="{FF2B5EF4-FFF2-40B4-BE49-F238E27FC236}">
-                <a16:creationId xmlns:a16="http://schemas.microsoft.com/office/drawing/2014/main" id="{9F956935-442A-40B4-8352-0512ED864FC3}"/>
+                <a16:creationId xmlns:a16="http://schemas.microsoft.com/office/drawing/2014/main" id="{B546EA56-CE57-45B4-8663-59825161B8F4}"/>
               </a:ext>
             </a:extLst>
           </p:cNvPr>
@@ -14914,8 +15117,8 @@
         </p:nvSpPr>
         <p:spPr>
           <a:xfrm>
-            <a:off x="7811911" y="393750"/>
-            <a:ext cx="1174045" cy="307777"/>
+            <a:off x="8015111" y="270933"/>
+            <a:ext cx="947914" cy="307777"/>
           </a:xfrm>
           <a:prstGeom prst="rect">
             <a:avLst/>
@@ -14944,7 +15147,7 @@
           <p:cNvPr id="3" name="Téglalap 2">
             <a:extLst>
               <a:ext uri="{FF2B5EF4-FFF2-40B4-BE49-F238E27FC236}">
-                <a16:creationId xmlns:a16="http://schemas.microsoft.com/office/drawing/2014/main" id="{5C699394-0EC5-4C8C-A4CF-2CB91B454BA2}"/>
+                <a16:creationId xmlns:a16="http://schemas.microsoft.com/office/drawing/2014/main" id="{70C15EC9-7BFF-4492-AEB2-81095EEFBD4C}"/>
               </a:ext>
             </a:extLst>
           </p:cNvPr>
@@ -14953,8 +15156,8 @@
         </p:nvSpPr>
         <p:spPr>
           <a:xfrm>
-            <a:off x="1809700" y="1685388"/>
-            <a:ext cx="5524600" cy="2675525"/>
+            <a:off x="180975" y="1905950"/>
+            <a:ext cx="8782050" cy="2686050"/>
           </a:xfrm>
           <a:prstGeom prst="rect">
             <a:avLst/>
@@ -15004,7 +15207,7 @@
   <p:cSld>
     <p:spTree>
       <p:nvGrpSpPr>
-        <p:cNvPr id="1" name="Shape 187"/>
+        <p:cNvPr id="1" name="Shape 180"/>
         <p:cNvGrpSpPr/>
         <p:nvPr/>
       </p:nvGrpSpPr>
@@ -15018,7 +15221,7 @@
       </p:grpSpPr>
       <p:sp>
         <p:nvSpPr>
-          <p:cNvPr id="188" name="Google Shape;188;p21"/>
+          <p:cNvPr id="181" name="Google Shape;181;p20"/>
           <p:cNvSpPr txBox="1">
             <a:spLocks noGrp="1"/>
           </p:cNvSpPr>
@@ -15028,7 +15231,7 @@
         </p:nvSpPr>
         <p:spPr>
           <a:xfrm>
-            <a:off x="3669550" y="321100"/>
+            <a:off x="1297500" y="393750"/>
             <a:ext cx="7038900" cy="914100"/>
           </a:xfrm>
           <a:prstGeom prst="rect">
@@ -15051,16 +15254,16 @@
               <a:buNone/>
             </a:pPr>
             <a:r>
-              <a:rPr lang="hu-HU" dirty="0"/>
-              <a:t>VLAN</a:t>
+              <a:rPr lang="hu" b="1" dirty="0"/>
+              <a:t>SSH User</a:t>
             </a:r>
-            <a:endParaRPr dirty="0"/>
+            <a:endParaRPr b="1" dirty="0"/>
           </a:p>
         </p:txBody>
       </p:sp>
       <p:sp>
         <p:nvSpPr>
-          <p:cNvPr id="189" name="Google Shape;189;p21"/>
+          <p:cNvPr id="182" name="Google Shape;182;p20"/>
           <p:cNvSpPr txBox="1">
             <a:spLocks noGrp="1"/>
           </p:cNvSpPr>
@@ -15088,83 +15291,32 @@
                 <a:spcPts val="0"/>
               </a:spcBef>
               <a:spcAft>
-                <a:spcPts val="0"/>
+                <a:spcPts val="1200"/>
               </a:spcAft>
               <a:buNone/>
             </a:pPr>
-            <a:r>
-              <a:rPr lang="hu"/>
-              <a:t>Vlan 10 és 20 létrehozása hálózatok elkülönítése érdekében</a:t>
-            </a:r>
-            <a:endParaRPr/>
-          </a:p>
-          <a:p>
-            <a:pPr marL="0" lvl="0" indent="0" algn="l" rtl="0">
-              <a:spcBef>
-                <a:spcPts val="1200"/>
-              </a:spcBef>
-              <a:spcAft>
-                <a:spcPts val="0"/>
-              </a:spcAft>
-              <a:buNone/>
-            </a:pPr>
-            <a:r>
-              <a:rPr lang="hu"/>
-              <a:t>Vlan1 megszüntetése</a:t>
-            </a:r>
-            <a:endParaRPr/>
-          </a:p>
-          <a:p>
-            <a:pPr marL="0" lvl="0" indent="0" algn="l" rtl="0">
-              <a:spcBef>
-                <a:spcPts val="1200"/>
-              </a:spcBef>
-              <a:spcAft>
-                <a:spcPts val="0"/>
-              </a:spcAft>
-              <a:buNone/>
-            </a:pPr>
-            <a:r>
-              <a:rPr lang="hu"/>
-              <a:t>Vlan 100 a  native Vlan</a:t>
-            </a:r>
-            <a:endParaRPr/>
-          </a:p>
-          <a:p>
-            <a:pPr marL="0" lvl="0" indent="0" algn="l" rtl="0">
-              <a:spcBef>
-                <a:spcPts val="1200"/>
-              </a:spcBef>
-              <a:spcAft>
-                <a:spcPts val="1200"/>
-              </a:spcAft>
-              <a:buNone/>
-            </a:pPr>
-            <a:r>
-              <a:rPr lang="hu"/>
-              <a:t>Vlan 999 nem használt portok</a:t>
-            </a:r>
             <a:endParaRPr/>
           </a:p>
         </p:txBody>
       </p:sp>
       <p:pic>
         <p:nvPicPr>
-          <p:cNvPr id="190" name="Google Shape;190;p21" title="vlan.png"/>
+          <p:cNvPr id="183" name="Google Shape;183;p20" title="ssh-user.png"/>
           <p:cNvPicPr preferRelativeResize="0"/>
           <p:nvPr/>
         </p:nvPicPr>
-        <p:blipFill rotWithShape="1">
+        <p:blipFill>
           <a:blip r:embed="rId3">
             <a:alphaModFix/>
           </a:blip>
-          <a:srcRect b="39788"/>
-          <a:stretch/>
+          <a:stretch>
+            <a:fillRect/>
+          </a:stretch>
         </p:blipFill>
         <p:spPr>
           <a:xfrm>
-            <a:off x="1268025" y="3225127"/>
-            <a:ext cx="7097850" cy="1330575"/>
+            <a:off x="1809700" y="1685388"/>
+            <a:ext cx="5524600" cy="2675525"/>
           </a:xfrm>
           <a:prstGeom prst="rect">
             <a:avLst/>
@@ -15180,7 +15332,7 @@
           <p:cNvPr id="2" name="Szövegdoboz 1">
             <a:extLst>
               <a:ext uri="{FF2B5EF4-FFF2-40B4-BE49-F238E27FC236}">
-                <a16:creationId xmlns:a16="http://schemas.microsoft.com/office/drawing/2014/main" id="{064F7722-3697-48B6-8BCB-F065D194AF13}"/>
+                <a16:creationId xmlns:a16="http://schemas.microsoft.com/office/drawing/2014/main" id="{9F956935-442A-40B4-8352-0512ED864FC3}"/>
               </a:ext>
             </a:extLst>
           </p:cNvPr>
@@ -15189,8 +15341,8 @@
         </p:nvSpPr>
         <p:spPr>
           <a:xfrm>
-            <a:off x="7744178" y="553156"/>
-            <a:ext cx="1399822" cy="307777"/>
+            <a:off x="7811911" y="393750"/>
+            <a:ext cx="1174045" cy="307777"/>
           </a:xfrm>
           <a:prstGeom prst="rect">
             <a:avLst/>
@@ -15219,7 +15371,7 @@
           <p:cNvPr id="3" name="Téglalap 2">
             <a:extLst>
               <a:ext uri="{FF2B5EF4-FFF2-40B4-BE49-F238E27FC236}">
-                <a16:creationId xmlns:a16="http://schemas.microsoft.com/office/drawing/2014/main" id="{A0E1922F-B4C7-4F78-A07C-51A48480F7F4}"/>
+                <a16:creationId xmlns:a16="http://schemas.microsoft.com/office/drawing/2014/main" id="{5C699394-0EC5-4C8C-A4CF-2CB91B454BA2}"/>
               </a:ext>
             </a:extLst>
           </p:cNvPr>
@@ -15228,60 +15380,8 @@
         </p:nvSpPr>
         <p:spPr>
           <a:xfrm>
-            <a:off x="1297500" y="1644502"/>
-            <a:ext cx="4493700" cy="1503673"/>
-          </a:xfrm>
-          <a:prstGeom prst="rect">
-            <a:avLst/>
-          </a:prstGeom>
-          <a:noFill/>
-          <a:ln>
-            <a:solidFill>
-              <a:schemeClr val="bg1"/>
-            </a:solidFill>
-          </a:ln>
-        </p:spPr>
-        <p:style>
-          <a:lnRef idx="2">
-            <a:schemeClr val="accent1">
-              <a:shade val="50000"/>
-            </a:schemeClr>
-          </a:lnRef>
-          <a:fillRef idx="1">
-            <a:schemeClr val="accent1"/>
-          </a:fillRef>
-          <a:effectRef idx="0">
-            <a:schemeClr val="accent1"/>
-          </a:effectRef>
-          <a:fontRef idx="minor">
-            <a:schemeClr val="lt1"/>
-          </a:fontRef>
-        </p:style>
-        <p:txBody>
-          <a:bodyPr rtlCol="0" anchor="ctr"/>
-          <a:lstStyle/>
-          <a:p>
-            <a:pPr algn="ctr"/>
-            <a:endParaRPr lang="hu-HU"/>
-          </a:p>
-        </p:txBody>
-      </p:sp>
-      <p:sp>
-        <p:nvSpPr>
-          <p:cNvPr id="4" name="Téglalap 3">
-            <a:extLst>
-              <a:ext uri="{FF2B5EF4-FFF2-40B4-BE49-F238E27FC236}">
-                <a16:creationId xmlns:a16="http://schemas.microsoft.com/office/drawing/2014/main" id="{9A9DEF83-AE8C-4336-98BD-841FBB3BC753}"/>
-              </a:ext>
-            </a:extLst>
-          </p:cNvPr>
-          <p:cNvSpPr/>
-          <p:nvPr/>
-        </p:nvSpPr>
-        <p:spPr>
-          <a:xfrm>
-            <a:off x="1268025" y="3225127"/>
-            <a:ext cx="7097850" cy="1330575"/>
+            <a:off x="1809700" y="1685388"/>
+            <a:ext cx="5524600" cy="2675525"/>
           </a:xfrm>
           <a:prstGeom prst="rect">
             <a:avLst/>
@@ -15323,9 +15423,6 @@
   <p:clrMapOvr>
     <a:masterClrMapping/>
   </p:clrMapOvr>
-  <p:transition spd="med">
-    <p:fade thruBlk="1"/>
-  </p:transition>
 </p:sld>
 </file>
 

--- a/Cím nélküli prezentáció (5).pptx
+++ b/Cím nélküli prezentáció (5).pptx
@@ -5,7 +5,7 @@
     <p:sldMasterId id="2147483659" r:id="rId1"/>
   </p:sldMasterIdLst>
   <p:notesMasterIdLst>
-    <p:notesMasterId r:id="rId24"/>
+    <p:notesMasterId r:id="rId27"/>
   </p:notesMasterIdLst>
   <p:sldIdLst>
     <p:sldId id="256" r:id="rId2"/>
@@ -18,35 +18,38 @@
     <p:sldId id="262" r:id="rId9"/>
     <p:sldId id="263" r:id="rId10"/>
     <p:sldId id="264" r:id="rId11"/>
-    <p:sldId id="266" r:id="rId12"/>
-    <p:sldId id="268" r:id="rId13"/>
-    <p:sldId id="269" r:id="rId14"/>
-    <p:sldId id="270" r:id="rId15"/>
-    <p:sldId id="271" r:id="rId16"/>
-    <p:sldId id="277" r:id="rId17"/>
-    <p:sldId id="272" r:id="rId18"/>
-    <p:sldId id="267" r:id="rId19"/>
-    <p:sldId id="265" r:id="rId20"/>
-    <p:sldId id="273" r:id="rId21"/>
-    <p:sldId id="275" r:id="rId22"/>
-    <p:sldId id="276" r:id="rId23"/>
+    <p:sldId id="279" r:id="rId12"/>
+    <p:sldId id="266" r:id="rId13"/>
+    <p:sldId id="268" r:id="rId14"/>
+    <p:sldId id="269" r:id="rId15"/>
+    <p:sldId id="270" r:id="rId16"/>
+    <p:sldId id="271" r:id="rId17"/>
+    <p:sldId id="277" r:id="rId18"/>
+    <p:sldId id="272" r:id="rId19"/>
+    <p:sldId id="280" r:id="rId20"/>
+    <p:sldId id="267" r:id="rId21"/>
+    <p:sldId id="281" r:id="rId22"/>
+    <p:sldId id="265" r:id="rId23"/>
+    <p:sldId id="273" r:id="rId24"/>
+    <p:sldId id="275" r:id="rId25"/>
+    <p:sldId id="276" r:id="rId26"/>
   </p:sldIdLst>
   <p:sldSz cx="9144000" cy="5143500" type="screen16x9"/>
   <p:notesSz cx="6858000" cy="9144000"/>
   <p:embeddedFontLst>
     <p:embeddedFont>
       <p:font typeface="Lato" panose="020B0604020202020204" charset="-18"/>
-      <p:regular r:id="rId25"/>
-      <p:bold r:id="rId26"/>
-      <p:italic r:id="rId27"/>
-      <p:boldItalic r:id="rId28"/>
+      <p:regular r:id="rId28"/>
+      <p:bold r:id="rId29"/>
+      <p:italic r:id="rId30"/>
+      <p:boldItalic r:id="rId31"/>
     </p:embeddedFont>
     <p:embeddedFont>
       <p:font typeface="Montserrat" panose="020B0604020202020204" charset="-18"/>
-      <p:regular r:id="rId29"/>
-      <p:bold r:id="rId30"/>
-      <p:italic r:id="rId31"/>
-      <p:boldItalic r:id="rId32"/>
+      <p:regular r:id="rId32"/>
+      <p:bold r:id="rId33"/>
+      <p:italic r:id="rId34"/>
+      <p:boldItalic r:id="rId35"/>
     </p:embeddedFont>
   </p:embeddedFontLst>
   <p:defaultTextStyle>
@@ -873,6 +876,115 @@
   <p:cSld>
     <p:spTree>
       <p:nvGrpSpPr>
+        <p:cNvPr id="1" name="Shape 184"/>
+        <p:cNvGrpSpPr/>
+        <p:nvPr/>
+      </p:nvGrpSpPr>
+      <p:grpSpPr>
+        <a:xfrm>
+          <a:off x="0" y="0"/>
+          <a:ext cx="0" cy="0"/>
+          <a:chOff x="0" y="0"/>
+          <a:chExt cx="0" cy="0"/>
+        </a:xfrm>
+      </p:grpSpPr>
+      <p:sp>
+        <p:nvSpPr>
+          <p:cNvPr id="185" name="Google Shape;185;g39c13a02943_0_148:notes"/>
+          <p:cNvSpPr>
+            <a:spLocks noGrp="1" noRot="1" noChangeAspect="1"/>
+          </p:cNvSpPr>
+          <p:nvPr>
+            <p:ph type="sldImg" idx="2"/>
+          </p:nvPr>
+        </p:nvSpPr>
+        <p:spPr>
+          <a:xfrm>
+            <a:off x="381000" y="685800"/>
+            <a:ext cx="6096000" cy="3429000"/>
+          </a:xfrm>
+          <a:custGeom>
+            <a:avLst/>
+            <a:gdLst/>
+            <a:ahLst/>
+            <a:cxnLst/>
+            <a:rect l="l" t="t" r="r" b="b"/>
+            <a:pathLst>
+              <a:path w="120000" h="120000" extrusionOk="0">
+                <a:moveTo>
+                  <a:pt x="0" y="0"/>
+                </a:moveTo>
+                <a:lnTo>
+                  <a:pt x="120000" y="0"/>
+                </a:lnTo>
+                <a:lnTo>
+                  <a:pt x="120000" y="120000"/>
+                </a:lnTo>
+                <a:lnTo>
+                  <a:pt x="0" y="120000"/>
+                </a:lnTo>
+                <a:close/>
+              </a:path>
+            </a:pathLst>
+          </a:custGeom>
+        </p:spPr>
+      </p:sp>
+      <p:sp>
+        <p:nvSpPr>
+          <p:cNvPr id="186" name="Google Shape;186;g39c13a02943_0_148:notes"/>
+          <p:cNvSpPr txBox="1">
+            <a:spLocks noGrp="1"/>
+          </p:cNvSpPr>
+          <p:nvPr>
+            <p:ph type="body" idx="1"/>
+          </p:nvPr>
+        </p:nvSpPr>
+        <p:spPr>
+          <a:xfrm>
+            <a:off x="685800" y="4343400"/>
+            <a:ext cx="5486400" cy="4114800"/>
+          </a:xfrm>
+          <a:prstGeom prst="rect">
+            <a:avLst/>
+          </a:prstGeom>
+        </p:spPr>
+        <p:txBody>
+          <a:bodyPr spcFirstLastPara="1" wrap="square" lIns="91425" tIns="91425" rIns="91425" bIns="91425" anchor="t" anchorCtr="0">
+            <a:noAutofit/>
+          </a:bodyPr>
+          <a:lstStyle/>
+          <a:p>
+            <a:pPr marL="0" lvl="0" indent="0" algn="l" rtl="0">
+              <a:spcBef>
+                <a:spcPts val="0"/>
+              </a:spcBef>
+              <a:spcAft>
+                <a:spcPts val="0"/>
+              </a:spcAft>
+              <a:buNone/>
+            </a:pPr>
+            <a:endParaRPr/>
+          </a:p>
+        </p:txBody>
+      </p:sp>
+    </p:spTree>
+    <p:extLst>
+      <p:ext uri="{BB962C8B-B14F-4D97-AF65-F5344CB8AC3E}">
+        <p14:creationId xmlns:p14="http://schemas.microsoft.com/office/powerpoint/2010/main" val="1614764445"/>
+      </p:ext>
+    </p:extLst>
+  </p:cSld>
+  <p:clrMapOvr>
+    <a:masterClrMapping/>
+  </p:clrMapOvr>
+</p:notes>
+</file>
+
+<file path=ppt/notesSlides/notesSlide11.xml><?xml version="1.0" encoding="utf-8"?>
+<p:notes xmlns:a="http://schemas.openxmlformats.org/drawingml/2006/main" xmlns:r="http://schemas.openxmlformats.org/officeDocument/2006/relationships" xmlns:p="http://schemas.openxmlformats.org/presentationml/2006/main" showMasterSp="0" showMasterPhAnim="0">
+  <p:cSld>
+    <p:spTree>
+      <p:nvGrpSpPr>
         <p:cNvPr id="1" name="Shape 199"/>
         <p:cNvGrpSpPr/>
         <p:nvPr/>
@@ -972,7 +1084,7 @@
 </p:notes>
 </file>
 
-<file path=ppt/notesSlides/notesSlide11.xml><?xml version="1.0" encoding="utf-8"?>
+<file path=ppt/notesSlides/notesSlide12.xml><?xml version="1.0" encoding="utf-8"?>
 <p:notes xmlns:a="http://schemas.openxmlformats.org/drawingml/2006/main" xmlns:r="http://schemas.openxmlformats.org/officeDocument/2006/relationships" xmlns:p="http://schemas.openxmlformats.org/presentationml/2006/main" showMasterSp="0" showMasterPhAnim="0">
   <p:cSld>
     <p:spTree>
@@ -1076,7 +1188,7 @@
 </p:notes>
 </file>
 
-<file path=ppt/notesSlides/notesSlide12.xml><?xml version="1.0" encoding="utf-8"?>
+<file path=ppt/notesSlides/notesSlide13.xml><?xml version="1.0" encoding="utf-8"?>
 <p:notes xmlns:a="http://schemas.openxmlformats.org/drawingml/2006/main" xmlns:r="http://schemas.openxmlformats.org/officeDocument/2006/relationships" xmlns:p="http://schemas.openxmlformats.org/presentationml/2006/main" showMasterSp="0" showMasterPhAnim="0">
   <p:cSld>
     <p:spTree>
@@ -1180,7 +1292,7 @@
 </p:notes>
 </file>
 
-<file path=ppt/notesSlides/notesSlide13.xml><?xml version="1.0" encoding="utf-8"?>
+<file path=ppt/notesSlides/notesSlide14.xml><?xml version="1.0" encoding="utf-8"?>
 <p:notes xmlns:a="http://schemas.openxmlformats.org/drawingml/2006/main" xmlns:r="http://schemas.openxmlformats.org/officeDocument/2006/relationships" xmlns:p="http://schemas.openxmlformats.org/presentationml/2006/main" showMasterSp="0" showMasterPhAnim="0">
   <p:cSld>
     <p:spTree>
@@ -1284,7 +1396,7 @@
 </p:notes>
 </file>
 
-<file path=ppt/notesSlides/notesSlide14.xml><?xml version="1.0" encoding="utf-8"?>
+<file path=ppt/notesSlides/notesSlide15.xml><?xml version="1.0" encoding="utf-8"?>
 <p:notes xmlns:a="http://schemas.openxmlformats.org/drawingml/2006/main" xmlns:r="http://schemas.openxmlformats.org/officeDocument/2006/relationships" xmlns:p="http://schemas.openxmlformats.org/presentationml/2006/main" showMasterSp="0" showMasterPhAnim="0">
   <p:cSld>
     <p:spTree>
@@ -1388,7 +1500,7 @@
 </p:notes>
 </file>
 
-<file path=ppt/notesSlides/notesSlide15.xml><?xml version="1.0" encoding="utf-8"?>
+<file path=ppt/notesSlides/notesSlide16.xml><?xml version="1.0" encoding="utf-8"?>
 <p:notes xmlns:a="http://schemas.openxmlformats.org/drawingml/2006/main" xmlns:r="http://schemas.openxmlformats.org/officeDocument/2006/relationships" xmlns:p="http://schemas.openxmlformats.org/presentationml/2006/main" showMasterSp="0" showMasterPhAnim="0">
   <p:cSld>
     <p:spTree>
@@ -1492,7 +1604,116 @@
 </p:notes>
 </file>
 
-<file path=ppt/notesSlides/notesSlide16.xml><?xml version="1.0" encoding="utf-8"?>
+<file path=ppt/notesSlides/notesSlide17.xml><?xml version="1.0" encoding="utf-8"?>
+<p:notes xmlns:a="http://schemas.openxmlformats.org/drawingml/2006/main" xmlns:r="http://schemas.openxmlformats.org/officeDocument/2006/relationships" xmlns:p="http://schemas.openxmlformats.org/presentationml/2006/main" showMasterSp="0" showMasterPhAnim="0">
+  <p:cSld>
+    <p:spTree>
+      <p:nvGrpSpPr>
+        <p:cNvPr id="1" name="Shape 246"/>
+        <p:cNvGrpSpPr/>
+        <p:nvPr/>
+      </p:nvGrpSpPr>
+      <p:grpSpPr>
+        <a:xfrm>
+          <a:off x="0" y="0"/>
+          <a:ext cx="0" cy="0"/>
+          <a:chOff x="0" y="0"/>
+          <a:chExt cx="0" cy="0"/>
+        </a:xfrm>
+      </p:grpSpPr>
+      <p:sp>
+        <p:nvSpPr>
+          <p:cNvPr id="247" name="Google Shape;247;g3a299dda798_1_47:notes"/>
+          <p:cNvSpPr>
+            <a:spLocks noGrp="1" noRot="1" noChangeAspect="1"/>
+          </p:cNvSpPr>
+          <p:nvPr>
+            <p:ph type="sldImg" idx="2"/>
+          </p:nvPr>
+        </p:nvSpPr>
+        <p:spPr>
+          <a:xfrm>
+            <a:off x="381000" y="685800"/>
+            <a:ext cx="6096000" cy="3429000"/>
+          </a:xfrm>
+          <a:custGeom>
+            <a:avLst/>
+            <a:gdLst/>
+            <a:ahLst/>
+            <a:cxnLst/>
+            <a:rect l="l" t="t" r="r" b="b"/>
+            <a:pathLst>
+              <a:path w="120000" h="120000" extrusionOk="0">
+                <a:moveTo>
+                  <a:pt x="0" y="0"/>
+                </a:moveTo>
+                <a:lnTo>
+                  <a:pt x="120000" y="0"/>
+                </a:lnTo>
+                <a:lnTo>
+                  <a:pt x="120000" y="120000"/>
+                </a:lnTo>
+                <a:lnTo>
+                  <a:pt x="0" y="120000"/>
+                </a:lnTo>
+                <a:close/>
+              </a:path>
+            </a:pathLst>
+          </a:custGeom>
+        </p:spPr>
+      </p:sp>
+      <p:sp>
+        <p:nvSpPr>
+          <p:cNvPr id="248" name="Google Shape;248;g3a299dda798_1_47:notes"/>
+          <p:cNvSpPr txBox="1">
+            <a:spLocks noGrp="1"/>
+          </p:cNvSpPr>
+          <p:nvPr>
+            <p:ph type="body" idx="1"/>
+          </p:nvPr>
+        </p:nvSpPr>
+        <p:spPr>
+          <a:xfrm>
+            <a:off x="685800" y="4343400"/>
+            <a:ext cx="5486400" cy="4114800"/>
+          </a:xfrm>
+          <a:prstGeom prst="rect">
+            <a:avLst/>
+          </a:prstGeom>
+        </p:spPr>
+        <p:txBody>
+          <a:bodyPr spcFirstLastPara="1" wrap="square" lIns="91425" tIns="91425" rIns="91425" bIns="91425" anchor="t" anchorCtr="0">
+            <a:noAutofit/>
+          </a:bodyPr>
+          <a:lstStyle/>
+          <a:p>
+            <a:pPr marL="0" lvl="0" indent="0" algn="l" rtl="0">
+              <a:spcBef>
+                <a:spcPts val="0"/>
+              </a:spcBef>
+              <a:spcAft>
+                <a:spcPts val="0"/>
+              </a:spcAft>
+              <a:buNone/>
+            </a:pPr>
+            <a:endParaRPr/>
+          </a:p>
+        </p:txBody>
+      </p:sp>
+    </p:spTree>
+    <p:extLst>
+      <p:ext uri="{BB962C8B-B14F-4D97-AF65-F5344CB8AC3E}">
+        <p14:creationId xmlns:p14="http://schemas.microsoft.com/office/powerpoint/2010/main" val="3180884605"/>
+      </p:ext>
+    </p:extLst>
+  </p:cSld>
+  <p:clrMapOvr>
+    <a:masterClrMapping/>
+  </p:clrMapOvr>
+</p:notes>
+</file>
+
+<file path=ppt/notesSlides/notesSlide18.xml><?xml version="1.0" encoding="utf-8"?>
 <p:notes xmlns:a="http://schemas.openxmlformats.org/drawingml/2006/main" xmlns:r="http://schemas.openxmlformats.org/officeDocument/2006/relationships" xmlns:p="http://schemas.openxmlformats.org/presentationml/2006/main" showMasterSp="0" showMasterPhAnim="0">
   <p:cSld>
     <p:spTree>
@@ -1596,12 +1817,12 @@
 </p:notes>
 </file>
 
-<file path=ppt/notesSlides/notesSlide17.xml><?xml version="1.0" encoding="utf-8"?>
+<file path=ppt/notesSlides/notesSlide19.xml><?xml version="1.0" encoding="utf-8"?>
 <p:notes xmlns:a="http://schemas.openxmlformats.org/drawingml/2006/main" xmlns:r="http://schemas.openxmlformats.org/officeDocument/2006/relationships" xmlns:p="http://schemas.openxmlformats.org/presentationml/2006/main" showMasterSp="0" showMasterPhAnim="0">
   <p:cSld>
     <p:spTree>
       <p:nvGrpSpPr>
-        <p:cNvPr id="1" name="Shape 191"/>
+        <p:cNvPr id="1" name="Shape 206"/>
         <p:cNvGrpSpPr/>
         <p:nvPr/>
       </p:nvGrpSpPr>
@@ -1615,7 +1836,7 @@
       </p:grpSpPr>
       <p:sp>
         <p:nvSpPr>
-          <p:cNvPr id="192" name="Google Shape;192;g39c13a02943_0_158:notes"/>
+          <p:cNvPr id="207" name="Google Shape;207;g3a299dda798_1_0:notes"/>
           <p:cNvSpPr>
             <a:spLocks noGrp="1" noRot="1" noChangeAspect="1"/>
           </p:cNvSpPr>
@@ -1656,7 +1877,7 @@
       </p:sp>
       <p:sp>
         <p:nvSpPr>
-          <p:cNvPr id="193" name="Google Shape;193;g39c13a02943_0_158:notes"/>
+          <p:cNvPr id="208" name="Google Shape;208;g3a299dda798_1_0:notes"/>
           <p:cNvSpPr txBox="1">
             <a:spLocks noGrp="1"/>
           </p:cNvSpPr>
@@ -1693,6 +1914,11 @@
         </p:txBody>
       </p:sp>
     </p:spTree>
+    <p:extLst>
+      <p:ext uri="{BB962C8B-B14F-4D97-AF65-F5344CB8AC3E}">
+        <p14:creationId xmlns:p14="http://schemas.microsoft.com/office/powerpoint/2010/main" val="3236080780"/>
+      </p:ext>
+    </p:extLst>
   </p:cSld>
   <p:clrMapOvr>
     <a:masterClrMapping/>
@@ -1761,6 +1987,110 @@
       <p:sp>
         <p:nvSpPr>
           <p:cNvPr id="138" name="Google Shape;138;g39c14da508a_0_5:notes"/>
+          <p:cNvSpPr txBox="1">
+            <a:spLocks noGrp="1"/>
+          </p:cNvSpPr>
+          <p:nvPr>
+            <p:ph type="body" idx="1"/>
+          </p:nvPr>
+        </p:nvSpPr>
+        <p:spPr>
+          <a:xfrm>
+            <a:off x="685800" y="4343400"/>
+            <a:ext cx="5486400" cy="4114800"/>
+          </a:xfrm>
+          <a:prstGeom prst="rect">
+            <a:avLst/>
+          </a:prstGeom>
+        </p:spPr>
+        <p:txBody>
+          <a:bodyPr spcFirstLastPara="1" wrap="square" lIns="91425" tIns="91425" rIns="91425" bIns="91425" anchor="t" anchorCtr="0">
+            <a:noAutofit/>
+          </a:bodyPr>
+          <a:lstStyle/>
+          <a:p>
+            <a:pPr marL="0" lvl="0" indent="0" algn="l" rtl="0">
+              <a:spcBef>
+                <a:spcPts val="0"/>
+              </a:spcBef>
+              <a:spcAft>
+                <a:spcPts val="0"/>
+              </a:spcAft>
+              <a:buNone/>
+            </a:pPr>
+            <a:endParaRPr/>
+          </a:p>
+        </p:txBody>
+      </p:sp>
+    </p:spTree>
+  </p:cSld>
+  <p:clrMapOvr>
+    <a:masterClrMapping/>
+  </p:clrMapOvr>
+</p:notes>
+</file>
+
+<file path=ppt/notesSlides/notesSlide20.xml><?xml version="1.0" encoding="utf-8"?>
+<p:notes xmlns:a="http://schemas.openxmlformats.org/drawingml/2006/main" xmlns:r="http://schemas.openxmlformats.org/officeDocument/2006/relationships" xmlns:p="http://schemas.openxmlformats.org/presentationml/2006/main" showMasterSp="0" showMasterPhAnim="0">
+  <p:cSld>
+    <p:spTree>
+      <p:nvGrpSpPr>
+        <p:cNvPr id="1" name="Shape 191"/>
+        <p:cNvGrpSpPr/>
+        <p:nvPr/>
+      </p:nvGrpSpPr>
+      <p:grpSpPr>
+        <a:xfrm>
+          <a:off x="0" y="0"/>
+          <a:ext cx="0" cy="0"/>
+          <a:chOff x="0" y="0"/>
+          <a:chExt cx="0" cy="0"/>
+        </a:xfrm>
+      </p:grpSpPr>
+      <p:sp>
+        <p:nvSpPr>
+          <p:cNvPr id="192" name="Google Shape;192;g39c13a02943_0_158:notes"/>
+          <p:cNvSpPr>
+            <a:spLocks noGrp="1" noRot="1" noChangeAspect="1"/>
+          </p:cNvSpPr>
+          <p:nvPr>
+            <p:ph type="sldImg" idx="2"/>
+          </p:nvPr>
+        </p:nvSpPr>
+        <p:spPr>
+          <a:xfrm>
+            <a:off x="381000" y="685800"/>
+            <a:ext cx="6096000" cy="3429000"/>
+          </a:xfrm>
+          <a:custGeom>
+            <a:avLst/>
+            <a:gdLst/>
+            <a:ahLst/>
+            <a:cxnLst/>
+            <a:rect l="l" t="t" r="r" b="b"/>
+            <a:pathLst>
+              <a:path w="120000" h="120000" extrusionOk="0">
+                <a:moveTo>
+                  <a:pt x="0" y="0"/>
+                </a:moveTo>
+                <a:lnTo>
+                  <a:pt x="120000" y="0"/>
+                </a:lnTo>
+                <a:lnTo>
+                  <a:pt x="120000" y="120000"/>
+                </a:lnTo>
+                <a:lnTo>
+                  <a:pt x="0" y="120000"/>
+                </a:lnTo>
+                <a:close/>
+              </a:path>
+            </a:pathLst>
+          </a:custGeom>
+        </p:spPr>
+      </p:sp>
+      <p:sp>
+        <p:nvSpPr>
+          <p:cNvPr id="193" name="Google Shape;193;g39c13a02943_0_158:notes"/>
           <p:cNvSpPr txBox="1">
             <a:spLocks noGrp="1"/>
           </p:cNvSpPr>
@@ -10755,8 +11085,8 @@
         </p:nvSpPr>
         <p:spPr>
           <a:xfrm>
-            <a:off x="3669550" y="321100"/>
-            <a:ext cx="7038900" cy="914100"/>
+            <a:off x="1038578" y="321100"/>
+            <a:ext cx="4030794" cy="914100"/>
           </a:xfrm>
           <a:prstGeom prst="rect">
             <a:avLst/>
@@ -10797,8 +11127,8 @@
         </p:nvSpPr>
         <p:spPr>
           <a:xfrm>
-            <a:off x="1297500" y="1567550"/>
-            <a:ext cx="7038900" cy="2911200"/>
+            <a:off x="1668339" y="1597183"/>
+            <a:ext cx="1613340" cy="2911200"/>
           </a:xfrm>
           <a:prstGeom prst="rect">
             <a:avLst/>
@@ -10806,7 +11136,7 @@
         </p:spPr>
         <p:txBody>
           <a:bodyPr spcFirstLastPara="1" wrap="square" lIns="91425" tIns="91425" rIns="91425" bIns="91425" anchor="t" anchorCtr="0">
-            <a:normAutofit/>
+            <a:normAutofit fontScale="92500"/>
           </a:bodyPr>
           <a:lstStyle/>
           <a:p>
@@ -10820,10 +11150,10 @@
               <a:buNone/>
             </a:pPr>
             <a:r>
-              <a:rPr lang="hu"/>
+              <a:rPr lang="hu" dirty="0"/>
               <a:t>Vlan 10 és 20 létrehozása hálózatok elkülönítése érdekében</a:t>
             </a:r>
-            <a:endParaRPr/>
+            <a:endParaRPr dirty="0"/>
           </a:p>
           <a:p>
             <a:pPr marL="0" lvl="0" indent="0" algn="l" rtl="0">
@@ -10836,10 +11166,10 @@
               <a:buNone/>
             </a:pPr>
             <a:r>
-              <a:rPr lang="hu"/>
+              <a:rPr lang="hu" dirty="0"/>
               <a:t>Vlan1 megszüntetése</a:t>
             </a:r>
-            <a:endParaRPr/>
+            <a:endParaRPr dirty="0"/>
           </a:p>
           <a:p>
             <a:pPr marL="0" lvl="0" indent="0" algn="l" rtl="0">
@@ -10852,10 +11182,10 @@
               <a:buNone/>
             </a:pPr>
             <a:r>
-              <a:rPr lang="hu"/>
+              <a:rPr lang="hu" dirty="0"/>
               <a:t>Vlan 100 a  native Vlan</a:t>
             </a:r>
-            <a:endParaRPr/>
+            <a:endParaRPr dirty="0"/>
           </a:p>
           <a:p>
             <a:pPr marL="0" lvl="0" indent="0" algn="l" rtl="0">
@@ -10868,40 +11198,13 @@
               <a:buNone/>
             </a:pPr>
             <a:r>
-              <a:rPr lang="hu"/>
+              <a:rPr lang="hu" dirty="0"/>
               <a:t>Vlan 999 nem használt portok</a:t>
             </a:r>
-            <a:endParaRPr/>
+            <a:endParaRPr dirty="0"/>
           </a:p>
         </p:txBody>
       </p:sp>
-      <p:pic>
-        <p:nvPicPr>
-          <p:cNvPr id="190" name="Google Shape;190;p21" title="vlan.png"/>
-          <p:cNvPicPr preferRelativeResize="0"/>
-          <p:nvPr/>
-        </p:nvPicPr>
-        <p:blipFill rotWithShape="1">
-          <a:blip r:embed="rId3">
-            <a:alphaModFix/>
-          </a:blip>
-          <a:srcRect b="39788"/>
-          <a:stretch/>
-        </p:blipFill>
-        <p:spPr>
-          <a:xfrm>
-            <a:off x="1268025" y="3225127"/>
-            <a:ext cx="7097850" cy="1330575"/>
-          </a:xfrm>
-          <a:prstGeom prst="rect">
-            <a:avLst/>
-          </a:prstGeom>
-          <a:noFill/>
-          <a:ln>
-            <a:noFill/>
-          </a:ln>
-        </p:spPr>
-      </p:pic>
       <p:sp>
         <p:nvSpPr>
           <p:cNvPr id="2" name="Szövegdoboz 1">
@@ -10955,8 +11258,8 @@
         </p:nvSpPr>
         <p:spPr>
           <a:xfrm>
-            <a:off x="1297500" y="1644502"/>
-            <a:ext cx="4493700" cy="1503673"/>
+            <a:off x="1668339" y="1674135"/>
+            <a:ext cx="1613340" cy="2735587"/>
           </a:xfrm>
           <a:prstGeom prst="rect">
             <a:avLst/>
@@ -11007,8 +11310,8 @@
         </p:nvSpPr>
         <p:spPr>
           <a:xfrm>
-            <a:off x="1268025" y="3225127"/>
-            <a:ext cx="7097850" cy="1330575"/>
+            <a:off x="3281680" y="1466239"/>
+            <a:ext cx="5760720" cy="2905006"/>
           </a:xfrm>
           <a:prstGeom prst="rect">
             <a:avLst/>
@@ -11045,6 +11348,40 @@
           </a:p>
         </p:txBody>
       </p:sp>
+      <p:pic>
+        <p:nvPicPr>
+          <p:cNvPr id="8" name="Kép 7">
+            <a:extLst>
+              <a:ext uri="{FF2B5EF4-FFF2-40B4-BE49-F238E27FC236}">
+                <a16:creationId xmlns:a16="http://schemas.microsoft.com/office/drawing/2014/main" id="{4B2E6F3F-8053-4E9D-8CC6-9E3590C441A2}"/>
+              </a:ext>
+            </a:extLst>
+          </p:cNvPr>
+          <p:cNvPicPr/>
+          <p:nvPr/>
+        </p:nvPicPr>
+        <p:blipFill>
+          <a:blip r:embed="rId3">
+            <a:extLst>
+              <a:ext uri="{28A0092B-C50C-407E-A947-70E740481C1C}">
+                <a14:useLocalDpi xmlns:a14="http://schemas.microsoft.com/office/drawing/2010/main" val="0"/>
+              </a:ext>
+            </a:extLst>
+          </a:blip>
+          <a:stretch>
+            <a:fillRect/>
+          </a:stretch>
+        </p:blipFill>
+        <p:spPr>
+          <a:xfrm>
+            <a:off x="3281680" y="1466238"/>
+            <a:ext cx="5760720" cy="2943483"/>
+          </a:xfrm>
+          <a:prstGeom prst="rect">
+            <a:avLst/>
+          </a:prstGeom>
+        </p:spPr>
+      </p:pic>
     </p:spTree>
   </p:cSld>
   <p:clrMapOvr>
@@ -11057,6 +11394,248 @@
 </file>
 
 <file path=ppt/slides/slide11.xml><?xml version="1.0" encoding="utf-8"?>
+<p:sld xmlns:a="http://schemas.openxmlformats.org/drawingml/2006/main" xmlns:r="http://schemas.openxmlformats.org/officeDocument/2006/relationships" xmlns:p="http://schemas.openxmlformats.org/presentationml/2006/main">
+  <p:cSld>
+    <p:spTree>
+      <p:nvGrpSpPr>
+        <p:cNvPr id="1" name="Shape 187"/>
+        <p:cNvGrpSpPr/>
+        <p:nvPr/>
+      </p:nvGrpSpPr>
+      <p:grpSpPr>
+        <a:xfrm>
+          <a:off x="0" y="0"/>
+          <a:ext cx="0" cy="0"/>
+          <a:chOff x="0" y="0"/>
+          <a:chExt cx="0" cy="0"/>
+        </a:xfrm>
+      </p:grpSpPr>
+      <p:sp>
+        <p:nvSpPr>
+          <p:cNvPr id="188" name="Google Shape;188;p21"/>
+          <p:cNvSpPr txBox="1">
+            <a:spLocks noGrp="1"/>
+          </p:cNvSpPr>
+          <p:nvPr>
+            <p:ph type="title"/>
+          </p:nvPr>
+        </p:nvSpPr>
+        <p:spPr>
+          <a:xfrm>
+            <a:off x="1038578" y="321100"/>
+            <a:ext cx="4030794" cy="914100"/>
+          </a:xfrm>
+          <a:prstGeom prst="rect">
+            <a:avLst/>
+          </a:prstGeom>
+        </p:spPr>
+        <p:txBody>
+          <a:bodyPr spcFirstLastPara="1" wrap="square" lIns="91425" tIns="91425" rIns="91425" bIns="91425" anchor="t" anchorCtr="0">
+            <a:normAutofit/>
+          </a:bodyPr>
+          <a:lstStyle/>
+          <a:p>
+            <a:pPr marL="0" lvl="0" indent="0" algn="l" rtl="0">
+              <a:spcBef>
+                <a:spcPts val="0"/>
+              </a:spcBef>
+              <a:spcAft>
+                <a:spcPts val="0"/>
+              </a:spcAft>
+              <a:buNone/>
+            </a:pPr>
+            <a:r>
+              <a:rPr lang="hu-HU" b="1" dirty="0"/>
+              <a:t>VLAN</a:t>
+            </a:r>
+            <a:endParaRPr b="1" dirty="0"/>
+          </a:p>
+        </p:txBody>
+      </p:sp>
+      <p:sp>
+        <p:nvSpPr>
+          <p:cNvPr id="2" name="Szövegdoboz 1">
+            <a:extLst>
+              <a:ext uri="{FF2B5EF4-FFF2-40B4-BE49-F238E27FC236}">
+                <a16:creationId xmlns:a16="http://schemas.microsoft.com/office/drawing/2014/main" id="{064F7722-3697-48B6-8BCB-F065D194AF13}"/>
+              </a:ext>
+            </a:extLst>
+          </p:cNvPr>
+          <p:cNvSpPr txBox="1"/>
+          <p:nvPr/>
+        </p:nvSpPr>
+        <p:spPr>
+          <a:xfrm>
+            <a:off x="7744178" y="553156"/>
+            <a:ext cx="1399822" cy="307777"/>
+          </a:xfrm>
+          <a:prstGeom prst="rect">
+            <a:avLst/>
+          </a:prstGeom>
+          <a:noFill/>
+        </p:spPr>
+        <p:txBody>
+          <a:bodyPr wrap="square" rtlCol="0">
+            <a:spAutoFit/>
+          </a:bodyPr>
+          <a:lstStyle/>
+          <a:p>
+            <a:r>
+              <a:rPr lang="hu-HU" b="1" u="sng" dirty="0">
+                <a:solidFill>
+                  <a:schemeClr val="bg1"/>
+                </a:solidFill>
+              </a:rPr>
+              <a:t>RUBY</a:t>
+            </a:r>
+          </a:p>
+        </p:txBody>
+      </p:sp>
+      <p:sp>
+        <p:nvSpPr>
+          <p:cNvPr id="4" name="Téglalap 3">
+            <a:extLst>
+              <a:ext uri="{FF2B5EF4-FFF2-40B4-BE49-F238E27FC236}">
+                <a16:creationId xmlns:a16="http://schemas.microsoft.com/office/drawing/2014/main" id="{9A9DEF83-AE8C-4336-98BD-841FBB3BC753}"/>
+              </a:ext>
+            </a:extLst>
+          </p:cNvPr>
+          <p:cNvSpPr/>
+          <p:nvPr/>
+        </p:nvSpPr>
+        <p:spPr>
+          <a:xfrm>
+            <a:off x="3981591" y="1538125"/>
+            <a:ext cx="5162409" cy="2905006"/>
+          </a:xfrm>
+          <a:prstGeom prst="rect">
+            <a:avLst/>
+          </a:prstGeom>
+          <a:noFill/>
+          <a:ln>
+            <a:solidFill>
+              <a:schemeClr val="bg1"/>
+            </a:solidFill>
+          </a:ln>
+        </p:spPr>
+        <p:style>
+          <a:lnRef idx="2">
+            <a:schemeClr val="accent1">
+              <a:shade val="50000"/>
+            </a:schemeClr>
+          </a:lnRef>
+          <a:fillRef idx="1">
+            <a:schemeClr val="accent1"/>
+          </a:fillRef>
+          <a:effectRef idx="0">
+            <a:schemeClr val="accent1"/>
+          </a:effectRef>
+          <a:fontRef idx="minor">
+            <a:schemeClr val="lt1"/>
+          </a:fontRef>
+        </p:style>
+        <p:txBody>
+          <a:bodyPr rtlCol="0" anchor="ctr"/>
+          <a:lstStyle/>
+          <a:p>
+            <a:pPr algn="ctr"/>
+            <a:endParaRPr lang="hu-HU"/>
+          </a:p>
+        </p:txBody>
+      </p:sp>
+      <p:pic>
+        <p:nvPicPr>
+          <p:cNvPr id="9" name="Kép 8">
+            <a:extLst>
+              <a:ext uri="{FF2B5EF4-FFF2-40B4-BE49-F238E27FC236}">
+                <a16:creationId xmlns:a16="http://schemas.microsoft.com/office/drawing/2014/main" id="{D287A946-F3DB-4578-98BE-7CEFDBC080B3}"/>
+              </a:ext>
+            </a:extLst>
+          </p:cNvPr>
+          <p:cNvPicPr/>
+          <p:nvPr/>
+        </p:nvPicPr>
+        <p:blipFill>
+          <a:blip r:embed="rId3">
+            <a:extLst>
+              <a:ext uri="{28A0092B-C50C-407E-A947-70E740481C1C}">
+                <a14:useLocalDpi xmlns:a14="http://schemas.microsoft.com/office/drawing/2010/main" val="0"/>
+              </a:ext>
+            </a:extLst>
+          </a:blip>
+          <a:stretch>
+            <a:fillRect/>
+          </a:stretch>
+        </p:blipFill>
+        <p:spPr>
+          <a:xfrm>
+            <a:off x="3996268" y="1538125"/>
+            <a:ext cx="5147732" cy="2905006"/>
+          </a:xfrm>
+          <a:prstGeom prst="rect">
+            <a:avLst/>
+          </a:prstGeom>
+        </p:spPr>
+      </p:pic>
+      <p:pic>
+        <p:nvPicPr>
+          <p:cNvPr id="10" name="Kép 9">
+            <a:extLst>
+              <a:ext uri="{FF2B5EF4-FFF2-40B4-BE49-F238E27FC236}">
+                <a16:creationId xmlns:a16="http://schemas.microsoft.com/office/drawing/2014/main" id="{D84336E1-EE75-4925-9C3B-81EAACBE7310}"/>
+              </a:ext>
+            </a:extLst>
+          </p:cNvPr>
+          <p:cNvPicPr/>
+          <p:nvPr/>
+        </p:nvPicPr>
+        <p:blipFill>
+          <a:blip r:embed="rId4" cstate="print">
+            <a:extLst>
+              <a:ext uri="{28A0092B-C50C-407E-A947-70E740481C1C}">
+                <a14:useLocalDpi xmlns:a14="http://schemas.microsoft.com/office/drawing/2010/main" val="0"/>
+              </a:ext>
+            </a:extLst>
+          </a:blip>
+          <a:stretch>
+            <a:fillRect/>
+          </a:stretch>
+        </p:blipFill>
+        <p:spPr>
+          <a:xfrm>
+            <a:off x="0" y="1646520"/>
+            <a:ext cx="3825240" cy="2796611"/>
+          </a:xfrm>
+          <a:prstGeom prst="rect">
+            <a:avLst/>
+          </a:prstGeom>
+          <a:ln w="38100">
+            <a:solidFill>
+              <a:schemeClr val="accent1">
+                <a:lumMod val="60000"/>
+                <a:lumOff val="40000"/>
+              </a:schemeClr>
+            </a:solidFill>
+          </a:ln>
+        </p:spPr>
+      </p:pic>
+    </p:spTree>
+    <p:extLst>
+      <p:ext uri="{BB962C8B-B14F-4D97-AF65-F5344CB8AC3E}">
+        <p14:creationId xmlns:p14="http://schemas.microsoft.com/office/powerpoint/2010/main" val="3742872652"/>
+      </p:ext>
+    </p:extLst>
+  </p:cSld>
+  <p:clrMapOvr>
+    <a:masterClrMapping/>
+  </p:clrMapOvr>
+  <p:transition spd="med">
+    <p:fade thruBlk="1"/>
+  </p:transition>
+</p:sld>
+</file>
+
+<file path=ppt/slides/slide12.xml><?xml version="1.0" encoding="utf-8"?>
 <p:sld xmlns:a="http://schemas.openxmlformats.org/drawingml/2006/main" xmlns:r="http://schemas.openxmlformats.org/officeDocument/2006/relationships" xmlns:p="http://schemas.openxmlformats.org/presentationml/2006/main">
   <p:cSld>
     <p:spTree>
@@ -11189,8 +11768,8 @@
         </p:blipFill>
         <p:spPr>
           <a:xfrm>
-            <a:off x="2837525" y="1567550"/>
-            <a:ext cx="6115050" cy="2857500"/>
+            <a:off x="4007555" y="1567550"/>
+            <a:ext cx="4945019" cy="2268101"/>
           </a:xfrm>
           <a:prstGeom prst="rect">
             <a:avLst/>
@@ -11292,6 +11871,48 @@
           </a:p>
         </p:txBody>
       </p:sp>
+      <p:pic>
+        <p:nvPicPr>
+          <p:cNvPr id="7" name="Kép 6">
+            <a:extLst>
+              <a:ext uri="{FF2B5EF4-FFF2-40B4-BE49-F238E27FC236}">
+                <a16:creationId xmlns:a16="http://schemas.microsoft.com/office/drawing/2014/main" id="{16454E43-415E-42AA-A16E-7859ADB82A40}"/>
+              </a:ext>
+            </a:extLst>
+          </p:cNvPr>
+          <p:cNvPicPr/>
+          <p:nvPr/>
+        </p:nvPicPr>
+        <p:blipFill>
+          <a:blip r:embed="rId4" cstate="print">
+            <a:extLst>
+              <a:ext uri="{28A0092B-C50C-407E-A947-70E740481C1C}">
+                <a14:useLocalDpi xmlns:a14="http://schemas.microsoft.com/office/drawing/2010/main" val="0"/>
+              </a:ext>
+            </a:extLst>
+          </a:blip>
+          <a:stretch>
+            <a:fillRect/>
+          </a:stretch>
+        </p:blipFill>
+        <p:spPr>
+          <a:xfrm>
+            <a:off x="191426" y="2418966"/>
+            <a:ext cx="3556485" cy="2559434"/>
+          </a:xfrm>
+          <a:prstGeom prst="rect">
+            <a:avLst/>
+          </a:prstGeom>
+          <a:ln w="38100">
+            <a:solidFill>
+              <a:schemeClr val="accent1">
+                <a:lumMod val="60000"/>
+                <a:lumOff val="40000"/>
+              </a:schemeClr>
+            </a:solidFill>
+          </a:ln>
+        </p:spPr>
+      </p:pic>
     </p:spTree>
   </p:cSld>
   <p:clrMapOvr>
@@ -11303,7 +11924,7 @@
 </p:sld>
 </file>
 
-<file path=ppt/slides/slide12.xml><?xml version="1.0" encoding="utf-8"?>
+<file path=ppt/slides/slide13.xml><?xml version="1.0" encoding="utf-8"?>
 <p:sld xmlns:a="http://schemas.openxmlformats.org/drawingml/2006/main" xmlns:r="http://schemas.openxmlformats.org/officeDocument/2006/relationships" xmlns:p="http://schemas.openxmlformats.org/presentationml/2006/main">
   <p:cSld>
     <p:spTree>
@@ -11570,7 +12191,7 @@
 </p:sld>
 </file>
 
-<file path=ppt/slides/slide13.xml><?xml version="1.0" encoding="utf-8"?>
+<file path=ppt/slides/slide14.xml><?xml version="1.0" encoding="utf-8"?>
 <p:sld xmlns:a="http://schemas.openxmlformats.org/drawingml/2006/main" xmlns:r="http://schemas.openxmlformats.org/officeDocument/2006/relationships" xmlns:p="http://schemas.openxmlformats.org/presentationml/2006/main">
   <p:cSld>
     <p:spTree>
@@ -11667,66 +12288,10 @@
               </a:spcAft>
               <a:buNone/>
             </a:pPr>
-            <a:endParaRPr/>
+            <a:endParaRPr dirty="0"/>
           </a:p>
         </p:txBody>
       </p:sp>
-      <p:pic>
-        <p:nvPicPr>
-          <p:cNvPr id="228" name="Google Shape;228;p26" title="hsrp-teszt-kábel-van.png"/>
-          <p:cNvPicPr preferRelativeResize="0"/>
-          <p:nvPr/>
-        </p:nvPicPr>
-        <p:blipFill>
-          <a:blip r:embed="rId3">
-            <a:alphaModFix/>
-          </a:blip>
-          <a:stretch>
-            <a:fillRect/>
-          </a:stretch>
-        </p:blipFill>
-        <p:spPr>
-          <a:xfrm>
-            <a:off x="0" y="1458849"/>
-            <a:ext cx="4251700" cy="1838450"/>
-          </a:xfrm>
-          <a:prstGeom prst="rect">
-            <a:avLst/>
-          </a:prstGeom>
-          <a:noFill/>
-          <a:ln>
-            <a:noFill/>
-          </a:ln>
-        </p:spPr>
-      </p:pic>
-      <p:pic>
-        <p:nvPicPr>
-          <p:cNvPr id="229" name="Google Shape;229;p26" title="hsrp-teszt-kábel-nincs.png"/>
-          <p:cNvPicPr preferRelativeResize="0"/>
-          <p:nvPr/>
-        </p:nvPicPr>
-        <p:blipFill>
-          <a:blip r:embed="rId4">
-            <a:alphaModFix/>
-          </a:blip>
-          <a:stretch>
-            <a:fillRect/>
-          </a:stretch>
-        </p:blipFill>
-        <p:spPr>
-          <a:xfrm>
-            <a:off x="3730475" y="3297300"/>
-            <a:ext cx="5315125" cy="1623400"/>
-          </a:xfrm>
-          <a:prstGeom prst="rect">
-            <a:avLst/>
-          </a:prstGeom>
-          <a:noFill/>
-          <a:ln>
-            <a:noFill/>
-          </a:ln>
-        </p:spPr>
-      </p:pic>
       <p:sp>
         <p:nvSpPr>
           <p:cNvPr id="2" name="Szövegdoboz 1">
@@ -11780,8 +12345,8 @@
         </p:nvSpPr>
         <p:spPr>
           <a:xfrm>
-            <a:off x="0" y="1458849"/>
-            <a:ext cx="4251700" cy="1838450"/>
+            <a:off x="207678" y="1307850"/>
+            <a:ext cx="3962400" cy="1888590"/>
           </a:xfrm>
           <a:prstGeom prst="rect">
             <a:avLst/>
@@ -11832,8 +12397,8 @@
         </p:nvSpPr>
         <p:spPr>
           <a:xfrm>
-            <a:off x="3730475" y="3297299"/>
-            <a:ext cx="5315125" cy="1623400"/>
+            <a:off x="3730476" y="3297299"/>
+            <a:ext cx="4605924" cy="1623400"/>
           </a:xfrm>
           <a:prstGeom prst="rect">
             <a:avLst/>
@@ -11870,6 +12435,116 @@
           </a:p>
         </p:txBody>
       </p:sp>
+      <p:pic>
+        <p:nvPicPr>
+          <p:cNvPr id="9" name="Kép 8">
+            <a:extLst>
+              <a:ext uri="{FF2B5EF4-FFF2-40B4-BE49-F238E27FC236}">
+                <a16:creationId xmlns:a16="http://schemas.microsoft.com/office/drawing/2014/main" id="{3E257D1C-2CFD-445D-81B0-B40AED6F506D}"/>
+              </a:ext>
+            </a:extLst>
+          </p:cNvPr>
+          <p:cNvPicPr/>
+          <p:nvPr/>
+        </p:nvPicPr>
+        <p:blipFill>
+          <a:blip r:embed="rId3">
+            <a:extLst>
+              <a:ext uri="{28A0092B-C50C-407E-A947-70E740481C1C}">
+                <a14:useLocalDpi xmlns:a14="http://schemas.microsoft.com/office/drawing/2010/main" val="0"/>
+              </a:ext>
+            </a:extLst>
+          </a:blip>
+          <a:stretch>
+            <a:fillRect/>
+          </a:stretch>
+        </p:blipFill>
+        <p:spPr>
+          <a:xfrm>
+            <a:off x="3730475" y="3297300"/>
+            <a:ext cx="4605925" cy="1623400"/>
+          </a:xfrm>
+          <a:prstGeom prst="rect">
+            <a:avLst/>
+          </a:prstGeom>
+        </p:spPr>
+      </p:pic>
+      <p:pic>
+        <p:nvPicPr>
+          <p:cNvPr id="10" name="Kép 9">
+            <a:extLst>
+              <a:ext uri="{FF2B5EF4-FFF2-40B4-BE49-F238E27FC236}">
+                <a16:creationId xmlns:a16="http://schemas.microsoft.com/office/drawing/2014/main" id="{F7DB2910-8E38-436F-A7E8-E087A676B873}"/>
+              </a:ext>
+            </a:extLst>
+          </p:cNvPr>
+          <p:cNvPicPr/>
+          <p:nvPr/>
+        </p:nvPicPr>
+        <p:blipFill>
+          <a:blip r:embed="rId4">
+            <a:extLst>
+              <a:ext uri="{28A0092B-C50C-407E-A947-70E740481C1C}">
+                <a14:useLocalDpi xmlns:a14="http://schemas.microsoft.com/office/drawing/2010/main" val="0"/>
+              </a:ext>
+            </a:extLst>
+          </a:blip>
+          <a:stretch>
+            <a:fillRect/>
+          </a:stretch>
+        </p:blipFill>
+        <p:spPr>
+          <a:xfrm>
+            <a:off x="207678" y="1357990"/>
+            <a:ext cx="3962400" cy="1838450"/>
+          </a:xfrm>
+          <a:prstGeom prst="rect">
+            <a:avLst/>
+          </a:prstGeom>
+        </p:spPr>
+      </p:pic>
+      <p:pic>
+        <p:nvPicPr>
+          <p:cNvPr id="11" name="Kép 10">
+            <a:extLst>
+              <a:ext uri="{FF2B5EF4-FFF2-40B4-BE49-F238E27FC236}">
+                <a16:creationId xmlns:a16="http://schemas.microsoft.com/office/drawing/2014/main" id="{80D785C7-E837-4319-91BE-BDA2BF030B2B}"/>
+              </a:ext>
+            </a:extLst>
+          </p:cNvPr>
+          <p:cNvPicPr/>
+          <p:nvPr/>
+        </p:nvPicPr>
+        <p:blipFill>
+          <a:blip r:embed="rId5">
+            <a:extLst>
+              <a:ext uri="{28A0092B-C50C-407E-A947-70E740481C1C}">
+                <a14:useLocalDpi xmlns:a14="http://schemas.microsoft.com/office/drawing/2010/main" val="0"/>
+              </a:ext>
+            </a:extLst>
+          </a:blip>
+          <a:stretch>
+            <a:fillRect/>
+          </a:stretch>
+        </p:blipFill>
+        <p:spPr>
+          <a:xfrm>
+            <a:off x="4302866" y="393750"/>
+            <a:ext cx="3938024" cy="2586517"/>
+          </a:xfrm>
+          <a:prstGeom prst="rect">
+            <a:avLst/>
+          </a:prstGeom>
+          <a:ln w="38100">
+            <a:solidFill>
+              <a:schemeClr val="accent1">
+                <a:lumMod val="60000"/>
+                <a:lumOff val="40000"/>
+              </a:schemeClr>
+            </a:solidFill>
+          </a:ln>
+        </p:spPr>
+      </p:pic>
     </p:spTree>
   </p:cSld>
   <p:clrMapOvr>
@@ -11881,7 +12556,7 @@
 </p:sld>
 </file>
 
-<file path=ppt/slides/slide14.xml><?xml version="1.0" encoding="utf-8"?>
+<file path=ppt/slides/slide15.xml><?xml version="1.0" encoding="utf-8"?>
 <p:sld xmlns:a="http://schemas.openxmlformats.org/drawingml/2006/main" xmlns:r="http://schemas.openxmlformats.org/officeDocument/2006/relationships" xmlns:p="http://schemas.openxmlformats.org/presentationml/2006/main">
   <p:cSld>
     <p:spTree>
@@ -12081,7 +12756,7 @@
 </p:sld>
 </file>
 
-<file path=ppt/slides/slide15.xml><?xml version="1.0" encoding="utf-8"?>
+<file path=ppt/slides/slide16.xml><?xml version="1.0" encoding="utf-8"?>
 <p:sld xmlns:a="http://schemas.openxmlformats.org/drawingml/2006/main" xmlns:r="http://schemas.openxmlformats.org/officeDocument/2006/relationships" xmlns:p="http://schemas.openxmlformats.org/presentationml/2006/main">
   <p:cSld>
     <p:spTree>
@@ -12273,7 +12948,7 @@
 </p:sld>
 </file>
 
-<file path=ppt/slides/slide16.xml><?xml version="1.0" encoding="utf-8"?>
+<file path=ppt/slides/slide17.xml><?xml version="1.0" encoding="utf-8"?>
 <p:sld xmlns:a="http://schemas.openxmlformats.org/drawingml/2006/main" xmlns:r="http://schemas.openxmlformats.org/officeDocument/2006/relationships" xmlns:p="http://schemas.openxmlformats.org/presentationml/2006/main">
   <p:cSld>
     <p:spTree>
@@ -12426,7 +13101,7 @@
 </p:sld>
 </file>
 
-<file path=ppt/slides/slide17.xml><?xml version="1.0" encoding="utf-8"?>
+<file path=ppt/slides/slide18.xml><?xml version="1.0" encoding="utf-8"?>
 <p:sld xmlns:a="http://schemas.openxmlformats.org/drawingml/2006/main" xmlns:r="http://schemas.openxmlformats.org/officeDocument/2006/relationships" xmlns:p="http://schemas.openxmlformats.org/presentationml/2006/main">
   <p:cSld>
     <p:spTree>
@@ -12626,7 +13301,431 @@
 </p:sld>
 </file>
 
-<file path=ppt/slides/slide18.xml><?xml version="1.0" encoding="utf-8"?>
+<file path=ppt/slides/slide19.xml><?xml version="1.0" encoding="utf-8"?>
+<p:sld xmlns:a="http://schemas.openxmlformats.org/drawingml/2006/main" xmlns:r="http://schemas.openxmlformats.org/officeDocument/2006/relationships" xmlns:p="http://schemas.openxmlformats.org/presentationml/2006/main">
+  <p:cSld>
+    <p:spTree>
+      <p:nvGrpSpPr>
+        <p:cNvPr id="1" name="Shape 249"/>
+        <p:cNvGrpSpPr/>
+        <p:nvPr/>
+      </p:nvGrpSpPr>
+      <p:grpSpPr>
+        <a:xfrm>
+          <a:off x="0" y="0"/>
+          <a:ext cx="0" cy="0"/>
+          <a:chOff x="0" y="0"/>
+          <a:chExt cx="0" cy="0"/>
+        </a:xfrm>
+      </p:grpSpPr>
+      <p:sp>
+        <p:nvSpPr>
+          <p:cNvPr id="250" name="Google Shape;250;p29"/>
+          <p:cNvSpPr txBox="1">
+            <a:spLocks noGrp="1"/>
+          </p:cNvSpPr>
+          <p:nvPr>
+            <p:ph type="title"/>
+          </p:nvPr>
+        </p:nvSpPr>
+        <p:spPr>
+          <a:xfrm>
+            <a:off x="4052825" y="393750"/>
+            <a:ext cx="4283700" cy="914100"/>
+          </a:xfrm>
+          <a:prstGeom prst="rect">
+            <a:avLst/>
+          </a:prstGeom>
+        </p:spPr>
+        <p:txBody>
+          <a:bodyPr spcFirstLastPara="1" wrap="square" lIns="91425" tIns="91425" rIns="91425" bIns="91425" anchor="t" anchorCtr="0">
+            <a:normAutofit/>
+          </a:bodyPr>
+          <a:lstStyle/>
+          <a:p>
+            <a:pPr marL="0" lvl="0" indent="0" algn="l" rtl="0">
+              <a:spcBef>
+                <a:spcPts val="0"/>
+              </a:spcBef>
+              <a:spcAft>
+                <a:spcPts val="0"/>
+              </a:spcAft>
+              <a:buNone/>
+            </a:pPr>
+            <a:r>
+              <a:rPr lang="hu" b="1" dirty="0"/>
+              <a:t>PPP</a:t>
+            </a:r>
+            <a:endParaRPr b="1" dirty="0"/>
+          </a:p>
+        </p:txBody>
+      </p:sp>
+      <p:sp>
+        <p:nvSpPr>
+          <p:cNvPr id="251" name="Google Shape;251;p29"/>
+          <p:cNvSpPr txBox="1">
+            <a:spLocks noGrp="1"/>
+          </p:cNvSpPr>
+          <p:nvPr>
+            <p:ph type="body" idx="1"/>
+          </p:nvPr>
+        </p:nvSpPr>
+        <p:spPr>
+          <a:xfrm>
+            <a:off x="2270950" y="1391600"/>
+            <a:ext cx="7038900" cy="2911200"/>
+          </a:xfrm>
+          <a:prstGeom prst="rect">
+            <a:avLst/>
+          </a:prstGeom>
+        </p:spPr>
+        <p:txBody>
+          <a:bodyPr spcFirstLastPara="1" wrap="square" lIns="91425" tIns="91425" rIns="91425" bIns="91425" anchor="t" anchorCtr="0">
+            <a:normAutofit/>
+          </a:bodyPr>
+          <a:lstStyle/>
+          <a:p>
+            <a:pPr marL="0" lvl="0" indent="0" algn="l" rtl="0">
+              <a:spcBef>
+                <a:spcPts val="0"/>
+              </a:spcBef>
+              <a:spcAft>
+                <a:spcPts val="1200"/>
+              </a:spcAft>
+              <a:buNone/>
+            </a:pPr>
+            <a:endParaRPr/>
+          </a:p>
+        </p:txBody>
+      </p:sp>
+      <p:sp>
+        <p:nvSpPr>
+          <p:cNvPr id="2" name="Szövegdoboz 1">
+            <a:extLst>
+              <a:ext uri="{FF2B5EF4-FFF2-40B4-BE49-F238E27FC236}">
+                <a16:creationId xmlns:a16="http://schemas.microsoft.com/office/drawing/2014/main" id="{DA67FA36-C22B-4C95-9AF2-9C9A281BF7D0}"/>
+              </a:ext>
+            </a:extLst>
+          </p:cNvPr>
+          <p:cNvSpPr txBox="1"/>
+          <p:nvPr/>
+        </p:nvSpPr>
+        <p:spPr>
+          <a:xfrm>
+            <a:off x="8336525" y="393750"/>
+            <a:ext cx="973325" cy="307777"/>
+          </a:xfrm>
+          <a:prstGeom prst="rect">
+            <a:avLst/>
+          </a:prstGeom>
+          <a:noFill/>
+        </p:spPr>
+        <p:txBody>
+          <a:bodyPr wrap="square" rtlCol="0">
+            <a:spAutoFit/>
+          </a:bodyPr>
+          <a:lstStyle/>
+          <a:p>
+            <a:r>
+              <a:rPr lang="hu-HU" b="1" u="sng" dirty="0">
+                <a:solidFill>
+                  <a:schemeClr val="bg1"/>
+                </a:solidFill>
+              </a:rPr>
+              <a:t>RUBY</a:t>
+            </a:r>
+          </a:p>
+        </p:txBody>
+      </p:sp>
+      <p:pic>
+        <p:nvPicPr>
+          <p:cNvPr id="7" name="Kép 6">
+            <a:extLst>
+              <a:ext uri="{FF2B5EF4-FFF2-40B4-BE49-F238E27FC236}">
+                <a16:creationId xmlns:a16="http://schemas.microsoft.com/office/drawing/2014/main" id="{4FB0B26C-EF8D-40F9-9A95-CF25953E18FF}"/>
+              </a:ext>
+            </a:extLst>
+          </p:cNvPr>
+          <p:cNvPicPr/>
+          <p:nvPr/>
+        </p:nvPicPr>
+        <p:blipFill>
+          <a:blip r:embed="rId3">
+            <a:extLst>
+              <a:ext uri="{28A0092B-C50C-407E-A947-70E740481C1C}">
+                <a14:useLocalDpi xmlns:a14="http://schemas.microsoft.com/office/drawing/2010/main" val="0"/>
+              </a:ext>
+            </a:extLst>
+          </a:blip>
+          <a:stretch>
+            <a:fillRect/>
+          </a:stretch>
+        </p:blipFill>
+        <p:spPr>
+          <a:xfrm>
+            <a:off x="2270950" y="1307850"/>
+            <a:ext cx="4709160" cy="2903220"/>
+          </a:xfrm>
+          <a:prstGeom prst="rect">
+            <a:avLst/>
+          </a:prstGeom>
+          <a:ln w="38100">
+            <a:solidFill>
+              <a:schemeClr val="accent1">
+                <a:lumMod val="60000"/>
+                <a:lumOff val="40000"/>
+              </a:schemeClr>
+            </a:solidFill>
+          </a:ln>
+        </p:spPr>
+      </p:pic>
+    </p:spTree>
+    <p:extLst>
+      <p:ext uri="{BB962C8B-B14F-4D97-AF65-F5344CB8AC3E}">
+        <p14:creationId xmlns:p14="http://schemas.microsoft.com/office/powerpoint/2010/main" val="4227478910"/>
+      </p:ext>
+    </p:extLst>
+  </p:cSld>
+  <p:clrMapOvr>
+    <a:masterClrMapping/>
+  </p:clrMapOvr>
+</p:sld>
+</file>
+
+<file path=ppt/slides/slide2.xml><?xml version="1.0" encoding="utf-8"?>
+<p:sld xmlns:a="http://schemas.openxmlformats.org/drawingml/2006/main" xmlns:r="http://schemas.openxmlformats.org/officeDocument/2006/relationships" xmlns:p="http://schemas.openxmlformats.org/presentationml/2006/main">
+  <p:cSld>
+    <p:spTree>
+      <p:nvGrpSpPr>
+        <p:cNvPr id="1" name="Shape 139"/>
+        <p:cNvGrpSpPr/>
+        <p:nvPr/>
+      </p:nvGrpSpPr>
+      <p:grpSpPr>
+        <a:xfrm>
+          <a:off x="0" y="0"/>
+          <a:ext cx="0" cy="0"/>
+          <a:chOff x="0" y="0"/>
+          <a:chExt cx="0" cy="0"/>
+        </a:xfrm>
+      </p:grpSpPr>
+      <p:sp>
+        <p:nvSpPr>
+          <p:cNvPr id="140" name="Google Shape;140;p14"/>
+          <p:cNvSpPr txBox="1">
+            <a:spLocks noGrp="1"/>
+          </p:cNvSpPr>
+          <p:nvPr>
+            <p:ph type="title"/>
+          </p:nvPr>
+        </p:nvSpPr>
+        <p:spPr>
+          <a:xfrm>
+            <a:off x="1220033" y="351875"/>
+            <a:ext cx="7038900" cy="914100"/>
+          </a:xfrm>
+          <a:prstGeom prst="rect">
+            <a:avLst/>
+          </a:prstGeom>
+        </p:spPr>
+        <p:txBody>
+          <a:bodyPr spcFirstLastPara="1" wrap="square" lIns="91425" tIns="91425" rIns="91425" bIns="91425" anchor="t" anchorCtr="0">
+            <a:normAutofit/>
+          </a:bodyPr>
+          <a:lstStyle/>
+          <a:p>
+            <a:pPr marL="0" lvl="0" indent="0" algn="l" rtl="0">
+              <a:spcBef>
+                <a:spcPts val="0"/>
+              </a:spcBef>
+              <a:spcAft>
+                <a:spcPts val="0"/>
+              </a:spcAft>
+              <a:buNone/>
+            </a:pPr>
+            <a:r>
+              <a:rPr lang="hu" b="1" dirty="0"/>
+              <a:t>Projekten Dolgozók</a:t>
+            </a:r>
+            <a:endParaRPr b="1" dirty="0"/>
+          </a:p>
+        </p:txBody>
+      </p:sp>
+      <p:sp>
+        <p:nvSpPr>
+          <p:cNvPr id="141" name="Google Shape;141;p14"/>
+          <p:cNvSpPr txBox="1">
+            <a:spLocks noGrp="1"/>
+          </p:cNvSpPr>
+          <p:nvPr>
+            <p:ph type="body" idx="1"/>
+          </p:nvPr>
+        </p:nvSpPr>
+        <p:spPr>
+          <a:xfrm>
+            <a:off x="546375" y="1567550"/>
+            <a:ext cx="7790100" cy="2911200"/>
+          </a:xfrm>
+          <a:prstGeom prst="rect">
+            <a:avLst/>
+          </a:prstGeom>
+        </p:spPr>
+        <p:txBody>
+          <a:bodyPr spcFirstLastPara="1" wrap="square" lIns="91425" tIns="91425" rIns="91425" bIns="91425" anchor="t" anchorCtr="0">
+            <a:normAutofit/>
+          </a:bodyPr>
+          <a:lstStyle/>
+          <a:p>
+            <a:pPr marL="457200" lvl="0" indent="-311150" algn="l" rtl="0">
+              <a:spcBef>
+                <a:spcPts val="0"/>
+              </a:spcBef>
+              <a:spcAft>
+                <a:spcPts val="0"/>
+              </a:spcAft>
+              <a:buSzPts val="1300"/>
+              <a:buChar char="-"/>
+            </a:pPr>
+            <a:r>
+              <a:rPr lang="hu" dirty="0"/>
+              <a:t>Ötvös Bence Elek</a:t>
+            </a:r>
+            <a:endParaRPr dirty="0"/>
+          </a:p>
+          <a:p>
+            <a:pPr marL="0" lvl="0" indent="0" algn="l" rtl="0">
+              <a:spcBef>
+                <a:spcPts val="1200"/>
+              </a:spcBef>
+              <a:spcAft>
+                <a:spcPts val="0"/>
+              </a:spcAft>
+              <a:buNone/>
+            </a:pPr>
+            <a:endParaRPr dirty="0"/>
+          </a:p>
+          <a:p>
+            <a:pPr marL="457200" lvl="0" indent="-311150" algn="l" rtl="0">
+              <a:spcBef>
+                <a:spcPts val="1200"/>
+              </a:spcBef>
+              <a:spcAft>
+                <a:spcPts val="0"/>
+              </a:spcAft>
+              <a:buSzPts val="1300"/>
+              <a:buChar char="-"/>
+            </a:pPr>
+            <a:r>
+              <a:rPr lang="hu" dirty="0"/>
+              <a:t>Somogyi Bánk</a:t>
+            </a:r>
+            <a:endParaRPr dirty="0"/>
+          </a:p>
+          <a:p>
+            <a:pPr marL="457200" lvl="0" indent="-311150" algn="l" rtl="0">
+              <a:spcBef>
+                <a:spcPts val="1200"/>
+              </a:spcBef>
+              <a:spcAft>
+                <a:spcPts val="0"/>
+              </a:spcAft>
+              <a:buSzPts val="1300"/>
+              <a:buChar char="-"/>
+            </a:pPr>
+            <a:endParaRPr lang="hu" dirty="0"/>
+          </a:p>
+          <a:p>
+            <a:pPr marL="457200" lvl="0" indent="-311150" algn="l" rtl="0">
+              <a:spcBef>
+                <a:spcPts val="1200"/>
+              </a:spcBef>
+              <a:spcAft>
+                <a:spcPts val="0"/>
+              </a:spcAft>
+              <a:buSzPts val="1300"/>
+              <a:buChar char="-"/>
+            </a:pPr>
+            <a:r>
+              <a:rPr lang="hu" dirty="0"/>
+              <a:t>Fazekas Dominik</a:t>
+            </a:r>
+            <a:endParaRPr dirty="0"/>
+          </a:p>
+          <a:p>
+            <a:pPr marL="0" lvl="0" indent="0" algn="l" rtl="0">
+              <a:spcBef>
+                <a:spcPts val="1200"/>
+              </a:spcBef>
+              <a:spcAft>
+                <a:spcPts val="1200"/>
+              </a:spcAft>
+              <a:buNone/>
+            </a:pPr>
+            <a:endParaRPr dirty="0"/>
+          </a:p>
+        </p:txBody>
+      </p:sp>
+      <p:sp>
+        <p:nvSpPr>
+          <p:cNvPr id="2" name="Téglalap 1">
+            <a:extLst>
+              <a:ext uri="{FF2B5EF4-FFF2-40B4-BE49-F238E27FC236}">
+                <a16:creationId xmlns:a16="http://schemas.microsoft.com/office/drawing/2014/main" id="{EADBC9DC-3451-4C03-8590-DCE6C6578568}"/>
+              </a:ext>
+            </a:extLst>
+          </p:cNvPr>
+          <p:cNvSpPr/>
+          <p:nvPr/>
+        </p:nvSpPr>
+        <p:spPr>
+          <a:xfrm>
+            <a:off x="432391" y="1495647"/>
+            <a:ext cx="8272130" cy="2911200"/>
+          </a:xfrm>
+          <a:prstGeom prst="rect">
+            <a:avLst/>
+          </a:prstGeom>
+          <a:noFill/>
+          <a:ln>
+            <a:solidFill>
+              <a:schemeClr val="bg1"/>
+            </a:solidFill>
+          </a:ln>
+        </p:spPr>
+        <p:style>
+          <a:lnRef idx="2">
+            <a:schemeClr val="accent1">
+              <a:shade val="50000"/>
+            </a:schemeClr>
+          </a:lnRef>
+          <a:fillRef idx="1">
+            <a:schemeClr val="accent1"/>
+          </a:fillRef>
+          <a:effectRef idx="0">
+            <a:schemeClr val="accent1"/>
+          </a:effectRef>
+          <a:fontRef idx="minor">
+            <a:schemeClr val="lt1"/>
+          </a:fontRef>
+        </p:style>
+        <p:txBody>
+          <a:bodyPr rtlCol="0" anchor="ctr"/>
+          <a:lstStyle/>
+          <a:p>
+            <a:pPr algn="ctr"/>
+            <a:endParaRPr lang="hu-HU"/>
+          </a:p>
+        </p:txBody>
+      </p:sp>
+    </p:spTree>
+  </p:cSld>
+  <p:clrMapOvr>
+    <a:masterClrMapping/>
+  </p:clrMapOvr>
+</p:sld>
+</file>
+
+<file path=ppt/slides/slide20.xml><?xml version="1.0" encoding="utf-8"?>
 <p:sld xmlns:a="http://schemas.openxmlformats.org/drawingml/2006/main" xmlns:r="http://schemas.openxmlformats.org/officeDocument/2006/relationships" xmlns:p="http://schemas.openxmlformats.org/presentationml/2006/main">
   <p:cSld>
     <p:spTree>
@@ -12697,7 +13796,7 @@
         </p:nvSpPr>
         <p:spPr>
           <a:xfrm>
-            <a:off x="5280725" y="1567550"/>
+            <a:off x="5777385" y="1519344"/>
             <a:ext cx="3055800" cy="2911200"/>
           </a:xfrm>
           <a:prstGeom prst="rect">
@@ -12753,34 +13852,6 @@
           <a:xfrm>
             <a:off x="1873196" y="938896"/>
             <a:ext cx="3138050" cy="1472700"/>
-          </a:xfrm>
-          <a:prstGeom prst="rect">
-            <a:avLst/>
-          </a:prstGeom>
-          <a:noFill/>
-          <a:ln>
-            <a:noFill/>
-          </a:ln>
-        </p:spPr>
-      </p:pic>
-      <p:pic>
-        <p:nvPicPr>
-          <p:cNvPr id="213" name="Google Shape;213;p24" title="tuntun.png"/>
-          <p:cNvPicPr preferRelativeResize="0"/>
-          <p:nvPr/>
-        </p:nvPicPr>
-        <p:blipFill>
-          <a:blip r:embed="rId4">
-            <a:alphaModFix/>
-          </a:blip>
-          <a:stretch>
-            <a:fillRect/>
-          </a:stretch>
-        </p:blipFill>
-        <p:spPr>
-          <a:xfrm>
-            <a:off x="1873200" y="2616321"/>
-            <a:ext cx="4975925" cy="2371906"/>
           </a:xfrm>
           <a:prstGeom prst="rect">
             <a:avLst/>
@@ -12860,8 +13931,268 @@
         </p:nvSpPr>
         <p:spPr>
           <a:xfrm>
-            <a:off x="5280725" y="1512575"/>
+            <a:off x="5777385" y="1464369"/>
             <a:ext cx="2559015" cy="741527"/>
+          </a:xfrm>
+          <a:prstGeom prst="rect">
+            <a:avLst/>
+          </a:prstGeom>
+          <a:noFill/>
+          <a:ln>
+            <a:solidFill>
+              <a:schemeClr val="bg1"/>
+            </a:solidFill>
+          </a:ln>
+        </p:spPr>
+        <p:style>
+          <a:lnRef idx="2">
+            <a:schemeClr val="accent1">
+              <a:shade val="50000"/>
+            </a:schemeClr>
+          </a:lnRef>
+          <a:fillRef idx="1">
+            <a:schemeClr val="accent1"/>
+          </a:fillRef>
+          <a:effectRef idx="0">
+            <a:schemeClr val="accent1"/>
+          </a:effectRef>
+          <a:fontRef idx="minor">
+            <a:schemeClr val="lt1"/>
+          </a:fontRef>
+        </p:style>
+        <p:txBody>
+          <a:bodyPr rtlCol="0" anchor="ctr"/>
+          <a:lstStyle/>
+          <a:p>
+            <a:pPr algn="ctr"/>
+            <a:endParaRPr lang="hu-HU"/>
+          </a:p>
+        </p:txBody>
+      </p:sp>
+      <p:pic>
+        <p:nvPicPr>
+          <p:cNvPr id="8" name="Kép 7">
+            <a:extLst>
+              <a:ext uri="{FF2B5EF4-FFF2-40B4-BE49-F238E27FC236}">
+                <a16:creationId xmlns:a16="http://schemas.microsoft.com/office/drawing/2014/main" id="{FE6CBFD9-4953-420E-BDE6-CD0F646AE7FF}"/>
+              </a:ext>
+            </a:extLst>
+          </p:cNvPr>
+          <p:cNvPicPr/>
+          <p:nvPr/>
+        </p:nvPicPr>
+        <p:blipFill>
+          <a:blip r:embed="rId4">
+            <a:extLst>
+              <a:ext uri="{28A0092B-C50C-407E-A947-70E740481C1C}">
+                <a14:useLocalDpi xmlns:a14="http://schemas.microsoft.com/office/drawing/2010/main" val="0"/>
+              </a:ext>
+            </a:extLst>
+          </a:blip>
+          <a:stretch>
+            <a:fillRect/>
+          </a:stretch>
+        </p:blipFill>
+        <p:spPr>
+          <a:xfrm>
+            <a:off x="121856" y="2571750"/>
+            <a:ext cx="3741420" cy="868680"/>
+          </a:xfrm>
+          <a:prstGeom prst="rect">
+            <a:avLst/>
+          </a:prstGeom>
+          <a:ln>
+            <a:solidFill>
+              <a:schemeClr val="tx1"/>
+            </a:solidFill>
+          </a:ln>
+        </p:spPr>
+      </p:pic>
+      <p:pic>
+        <p:nvPicPr>
+          <p:cNvPr id="9" name="Kép 8">
+            <a:extLst>
+              <a:ext uri="{FF2B5EF4-FFF2-40B4-BE49-F238E27FC236}">
+                <a16:creationId xmlns:a16="http://schemas.microsoft.com/office/drawing/2014/main" id="{14CEC4F8-EF14-400C-8A0C-FE9A9C3BD7DB}"/>
+              </a:ext>
+            </a:extLst>
+          </p:cNvPr>
+          <p:cNvPicPr/>
+          <p:nvPr/>
+        </p:nvPicPr>
+        <p:blipFill>
+          <a:blip r:embed="rId5">
+            <a:extLst>
+              <a:ext uri="{28A0092B-C50C-407E-A947-70E740481C1C}">
+                <a14:useLocalDpi xmlns:a14="http://schemas.microsoft.com/office/drawing/2010/main" val="0"/>
+              </a:ext>
+            </a:extLst>
+          </a:blip>
+          <a:stretch>
+            <a:fillRect/>
+          </a:stretch>
+        </p:blipFill>
+        <p:spPr>
+          <a:xfrm>
+            <a:off x="4572000" y="3858210"/>
+            <a:ext cx="3946525" cy="891540"/>
+          </a:xfrm>
+          <a:prstGeom prst="rect">
+            <a:avLst/>
+          </a:prstGeom>
+          <a:ln>
+            <a:solidFill>
+              <a:schemeClr val="tx1"/>
+            </a:solidFill>
+          </a:ln>
+        </p:spPr>
+      </p:pic>
+      <p:sp>
+        <p:nvSpPr>
+          <p:cNvPr id="4" name="Szövegdoboz 3">
+            <a:extLst>
+              <a:ext uri="{FF2B5EF4-FFF2-40B4-BE49-F238E27FC236}">
+                <a16:creationId xmlns:a16="http://schemas.microsoft.com/office/drawing/2014/main" id="{C3C78A29-B2F1-4B27-AC0E-195BF0B18D4D}"/>
+              </a:ext>
+            </a:extLst>
+          </p:cNvPr>
+          <p:cNvSpPr txBox="1"/>
+          <p:nvPr/>
+        </p:nvSpPr>
+        <p:spPr>
+          <a:xfrm>
+            <a:off x="4436533" y="3023150"/>
+            <a:ext cx="694421" cy="307777"/>
+          </a:xfrm>
+          <a:prstGeom prst="rect">
+            <a:avLst/>
+          </a:prstGeom>
+          <a:noFill/>
+        </p:spPr>
+        <p:txBody>
+          <a:bodyPr wrap="none" rtlCol="0">
+            <a:spAutoFit/>
+          </a:bodyPr>
+          <a:lstStyle/>
+          <a:p>
+            <a:r>
+              <a:rPr lang="hu-HU" b="1" dirty="0">
+                <a:solidFill>
+                  <a:schemeClr val="bg1"/>
+                </a:solidFill>
+              </a:rPr>
+              <a:t>RUBY</a:t>
+            </a:r>
+          </a:p>
+        </p:txBody>
+      </p:sp>
+      <p:sp>
+        <p:nvSpPr>
+          <p:cNvPr id="5" name="Téglalap 4">
+            <a:extLst>
+              <a:ext uri="{FF2B5EF4-FFF2-40B4-BE49-F238E27FC236}">
+                <a16:creationId xmlns:a16="http://schemas.microsoft.com/office/drawing/2014/main" id="{F79E3BC6-2F91-43C5-B739-F09AFE076D52}"/>
+              </a:ext>
+            </a:extLst>
+          </p:cNvPr>
+          <p:cNvSpPr/>
+          <p:nvPr/>
+        </p:nvSpPr>
+        <p:spPr>
+          <a:xfrm>
+            <a:off x="4425244" y="3006090"/>
+            <a:ext cx="673481" cy="434340"/>
+          </a:xfrm>
+          <a:prstGeom prst="rect">
+            <a:avLst/>
+          </a:prstGeom>
+          <a:noFill/>
+          <a:ln>
+            <a:solidFill>
+              <a:schemeClr val="bg1"/>
+            </a:solidFill>
+          </a:ln>
+        </p:spPr>
+        <p:style>
+          <a:lnRef idx="2">
+            <a:schemeClr val="accent1">
+              <a:shade val="50000"/>
+            </a:schemeClr>
+          </a:lnRef>
+          <a:fillRef idx="1">
+            <a:schemeClr val="accent1"/>
+          </a:fillRef>
+          <a:effectRef idx="0">
+            <a:schemeClr val="accent1"/>
+          </a:effectRef>
+          <a:fontRef idx="minor">
+            <a:schemeClr val="lt1"/>
+          </a:fontRef>
+        </p:style>
+        <p:txBody>
+          <a:bodyPr rtlCol="0" anchor="ctr"/>
+          <a:lstStyle/>
+          <a:p>
+            <a:pPr algn="ctr"/>
+            <a:endParaRPr lang="hu-HU"/>
+          </a:p>
+        </p:txBody>
+      </p:sp>
+      <p:sp>
+        <p:nvSpPr>
+          <p:cNvPr id="12" name="Szövegdoboz 11">
+            <a:extLst>
+              <a:ext uri="{FF2B5EF4-FFF2-40B4-BE49-F238E27FC236}">
+                <a16:creationId xmlns:a16="http://schemas.microsoft.com/office/drawing/2014/main" id="{0FB0B315-D9A0-49A0-878A-52213802C61D}"/>
+              </a:ext>
+            </a:extLst>
+          </p:cNvPr>
+          <p:cNvSpPr txBox="1"/>
+          <p:nvPr/>
+        </p:nvSpPr>
+        <p:spPr>
+          <a:xfrm>
+            <a:off x="3509924" y="4170973"/>
+            <a:ext cx="764953" cy="307777"/>
+          </a:xfrm>
+          <a:prstGeom prst="rect">
+            <a:avLst/>
+          </a:prstGeom>
+          <a:noFill/>
+        </p:spPr>
+        <p:txBody>
+          <a:bodyPr wrap="none" rtlCol="0">
+            <a:spAutoFit/>
+          </a:bodyPr>
+          <a:lstStyle/>
+          <a:p>
+            <a:r>
+              <a:rPr lang="hu-HU" b="1" dirty="0">
+                <a:solidFill>
+                  <a:schemeClr val="bg1"/>
+                </a:solidFill>
+              </a:rPr>
+              <a:t>WEISS</a:t>
+            </a:r>
+          </a:p>
+        </p:txBody>
+      </p:sp>
+      <p:sp>
+        <p:nvSpPr>
+          <p:cNvPr id="13" name="Téglalap 12">
+            <a:extLst>
+              <a:ext uri="{FF2B5EF4-FFF2-40B4-BE49-F238E27FC236}">
+                <a16:creationId xmlns:a16="http://schemas.microsoft.com/office/drawing/2014/main" id="{F6509E99-92DA-4761-BD6E-02274BBE0542}"/>
+              </a:ext>
+            </a:extLst>
+          </p:cNvPr>
+          <p:cNvSpPr/>
+          <p:nvPr/>
+        </p:nvSpPr>
+        <p:spPr>
+          <a:xfrm>
+            <a:off x="3498635" y="4153913"/>
+            <a:ext cx="776242" cy="434340"/>
           </a:xfrm>
           <a:prstGeom prst="rect">
             <a:avLst/>
@@ -12906,7 +14237,176 @@
 </p:sld>
 </file>
 
-<file path=ppt/slides/slide19.xml><?xml version="1.0" encoding="utf-8"?>
+<file path=ppt/slides/slide21.xml><?xml version="1.0" encoding="utf-8"?>
+<p:sld xmlns:a="http://schemas.openxmlformats.org/drawingml/2006/main" xmlns:r="http://schemas.openxmlformats.org/officeDocument/2006/relationships" xmlns:p="http://schemas.openxmlformats.org/presentationml/2006/main">
+  <p:cSld>
+    <p:spTree>
+      <p:nvGrpSpPr>
+        <p:cNvPr id="1" name="Shape 209"/>
+        <p:cNvGrpSpPr/>
+        <p:nvPr/>
+      </p:nvGrpSpPr>
+      <p:grpSpPr>
+        <a:xfrm>
+          <a:off x="0" y="0"/>
+          <a:ext cx="0" cy="0"/>
+          <a:chOff x="0" y="0"/>
+          <a:chExt cx="0" cy="0"/>
+        </a:xfrm>
+      </p:grpSpPr>
+      <p:sp>
+        <p:nvSpPr>
+          <p:cNvPr id="210" name="Google Shape;210;p24"/>
+          <p:cNvSpPr txBox="1">
+            <a:spLocks noGrp="1"/>
+          </p:cNvSpPr>
+          <p:nvPr>
+            <p:ph type="title"/>
+          </p:nvPr>
+        </p:nvSpPr>
+        <p:spPr>
+          <a:xfrm>
+            <a:off x="1297500" y="393750"/>
+            <a:ext cx="7038900" cy="914100"/>
+          </a:xfrm>
+          <a:prstGeom prst="rect">
+            <a:avLst/>
+          </a:prstGeom>
+        </p:spPr>
+        <p:txBody>
+          <a:bodyPr spcFirstLastPara="1" wrap="square" lIns="91425" tIns="91425" rIns="91425" bIns="91425" anchor="t" anchorCtr="0">
+            <a:normAutofit/>
+          </a:bodyPr>
+          <a:lstStyle/>
+          <a:p>
+            <a:pPr marL="0" lvl="0" indent="0" algn="l" rtl="0">
+              <a:spcBef>
+                <a:spcPts val="0"/>
+              </a:spcBef>
+              <a:spcAft>
+                <a:spcPts val="0"/>
+              </a:spcAft>
+              <a:buNone/>
+            </a:pPr>
+            <a:r>
+              <a:rPr lang="hu-HU" b="1" dirty="0"/>
+              <a:t>TUNNEL</a:t>
+            </a:r>
+            <a:endParaRPr b="1" dirty="0"/>
+          </a:p>
+        </p:txBody>
+      </p:sp>
+      <p:sp>
+        <p:nvSpPr>
+          <p:cNvPr id="2" name="Szövegdoboz 1">
+            <a:extLst>
+              <a:ext uri="{FF2B5EF4-FFF2-40B4-BE49-F238E27FC236}">
+                <a16:creationId xmlns:a16="http://schemas.microsoft.com/office/drawing/2014/main" id="{483DB250-3CC8-45B6-BD2A-F6BEBC4DD089}"/>
+              </a:ext>
+            </a:extLst>
+          </p:cNvPr>
+          <p:cNvSpPr txBox="1"/>
+          <p:nvPr/>
+        </p:nvSpPr>
+        <p:spPr>
+          <a:xfrm>
+            <a:off x="7518400" y="541867"/>
+            <a:ext cx="1761067" cy="307777"/>
+          </a:xfrm>
+          <a:prstGeom prst="rect">
+            <a:avLst/>
+          </a:prstGeom>
+          <a:noFill/>
+        </p:spPr>
+        <p:txBody>
+          <a:bodyPr wrap="square" rtlCol="0">
+            <a:spAutoFit/>
+          </a:bodyPr>
+          <a:lstStyle/>
+          <a:p>
+            <a:r>
+              <a:rPr lang="hu-HU" b="1" u="sng" dirty="0">
+                <a:solidFill>
+                  <a:schemeClr val="bg1"/>
+                </a:solidFill>
+              </a:rPr>
+              <a:t>WEISS</a:t>
+            </a:r>
+            <a:r>
+              <a:rPr lang="hu" b="1" u="sng" dirty="0">
+                <a:solidFill>
+                  <a:schemeClr val="bg1"/>
+                </a:solidFill>
+              </a:rPr>
+              <a:t> és </a:t>
+            </a:r>
+            <a:r>
+              <a:rPr lang="hu-HU" b="1" u="sng" dirty="0">
+                <a:solidFill>
+                  <a:schemeClr val="bg1"/>
+                </a:solidFill>
+              </a:rPr>
+              <a:t>RUBY</a:t>
+            </a:r>
+          </a:p>
+        </p:txBody>
+      </p:sp>
+      <p:pic>
+        <p:nvPicPr>
+          <p:cNvPr id="15" name="Kép 14">
+            <a:extLst>
+              <a:ext uri="{FF2B5EF4-FFF2-40B4-BE49-F238E27FC236}">
+                <a16:creationId xmlns:a16="http://schemas.microsoft.com/office/drawing/2014/main" id="{BB1B23B4-F3DE-4554-A08A-951FC0F41260}"/>
+              </a:ext>
+            </a:extLst>
+          </p:cNvPr>
+          <p:cNvPicPr/>
+          <p:nvPr/>
+        </p:nvPicPr>
+        <p:blipFill>
+          <a:blip r:embed="rId3">
+            <a:extLst>
+              <a:ext uri="{28A0092B-C50C-407E-A947-70E740481C1C}">
+                <a14:useLocalDpi xmlns:a14="http://schemas.microsoft.com/office/drawing/2010/main" val="0"/>
+              </a:ext>
+            </a:extLst>
+          </a:blip>
+          <a:stretch>
+            <a:fillRect/>
+          </a:stretch>
+        </p:blipFill>
+        <p:spPr>
+          <a:xfrm>
+            <a:off x="2429827" y="1047750"/>
+            <a:ext cx="4284345" cy="3048000"/>
+          </a:xfrm>
+          <a:prstGeom prst="rect">
+            <a:avLst/>
+          </a:prstGeom>
+          <a:ln w="38100">
+            <a:solidFill>
+              <a:schemeClr val="accent1">
+                <a:lumMod val="60000"/>
+                <a:lumOff val="40000"/>
+              </a:schemeClr>
+            </a:solidFill>
+          </a:ln>
+        </p:spPr>
+      </p:pic>
+    </p:spTree>
+    <p:extLst>
+      <p:ext uri="{BB962C8B-B14F-4D97-AF65-F5344CB8AC3E}">
+        <p14:creationId xmlns:p14="http://schemas.microsoft.com/office/powerpoint/2010/main" val="1226557559"/>
+      </p:ext>
+    </p:extLst>
+  </p:cSld>
+  <p:clrMapOvr>
+    <a:masterClrMapping/>
+  </p:clrMapOvr>
+</p:sld>
+</file>
+
+<file path=ppt/slides/slide22.xml><?xml version="1.0" encoding="utf-8"?>
 <p:sld xmlns:a="http://schemas.openxmlformats.org/drawingml/2006/main" xmlns:r="http://schemas.openxmlformats.org/officeDocument/2006/relationships" xmlns:p="http://schemas.openxmlformats.org/presentationml/2006/main">
   <p:cSld>
     <p:spTree>
@@ -13025,39 +14525,12 @@
       </p:sp>
       <p:pic>
         <p:nvPicPr>
-          <p:cNvPr id="197" name="Google Shape;197;p22" title="dhcp.png"/>
-          <p:cNvPicPr preferRelativeResize="0"/>
-          <p:nvPr/>
-        </p:nvPicPr>
-        <p:blipFill rotWithShape="1">
-          <a:blip r:embed="rId3">
-            <a:alphaModFix/>
-          </a:blip>
-          <a:srcRect l="-42836" r="46682"/>
-          <a:stretch/>
-        </p:blipFill>
-        <p:spPr>
-          <a:xfrm>
-            <a:off x="610400" y="1514075"/>
-            <a:ext cx="7967799" cy="3409950"/>
-          </a:xfrm>
-          <a:prstGeom prst="rect">
-            <a:avLst/>
-          </a:prstGeom>
-          <a:noFill/>
-          <a:ln>
-            <a:noFill/>
-          </a:ln>
-        </p:spPr>
-      </p:pic>
-      <p:pic>
-        <p:nvPicPr>
           <p:cNvPr id="198" name="Google Shape;198;p22" title="dhcp pici.png"/>
           <p:cNvPicPr preferRelativeResize="0"/>
           <p:nvPr/>
         </p:nvPicPr>
         <p:blipFill>
-          <a:blip r:embed="rId4">
+          <a:blip r:embed="rId3">
             <a:alphaModFix/>
           </a:blip>
           <a:stretch>
@@ -13169,6 +14642,45 @@
           </a:p>
         </p:txBody>
       </p:sp>
+      <p:pic>
+        <p:nvPicPr>
+          <p:cNvPr id="8" name="Kép 7">
+            <a:extLst>
+              <a:ext uri="{FF2B5EF4-FFF2-40B4-BE49-F238E27FC236}">
+                <a16:creationId xmlns:a16="http://schemas.microsoft.com/office/drawing/2014/main" id="{6E1A7E81-CAA2-4A01-9FC4-50943CE9F897}"/>
+              </a:ext>
+            </a:extLst>
+          </p:cNvPr>
+          <p:cNvPicPr/>
+          <p:nvPr/>
+        </p:nvPicPr>
+        <p:blipFill>
+          <a:blip r:embed="rId4">
+            <a:extLst>
+              <a:ext uri="{28A0092B-C50C-407E-A947-70E740481C1C}">
+                <a14:useLocalDpi xmlns:a14="http://schemas.microsoft.com/office/drawing/2010/main" val="0"/>
+              </a:ext>
+            </a:extLst>
+          </a:blip>
+          <a:stretch>
+            <a:fillRect/>
+          </a:stretch>
+        </p:blipFill>
+        <p:spPr>
+          <a:xfrm>
+            <a:off x="3791261" y="2010839"/>
+            <a:ext cx="5014072" cy="2338360"/>
+          </a:xfrm>
+          <a:prstGeom prst="rect">
+            <a:avLst/>
+          </a:prstGeom>
+          <a:ln>
+            <a:solidFill>
+              <a:schemeClr val="tx1"/>
+            </a:solidFill>
+          </a:ln>
+        </p:spPr>
+      </p:pic>
     </p:spTree>
   </p:cSld>
   <p:clrMapOvr>
@@ -13180,240 +14692,7 @@
 </p:sld>
 </file>
 
-<file path=ppt/slides/slide2.xml><?xml version="1.0" encoding="utf-8"?>
-<p:sld xmlns:a="http://schemas.openxmlformats.org/drawingml/2006/main" xmlns:r="http://schemas.openxmlformats.org/officeDocument/2006/relationships" xmlns:p="http://schemas.openxmlformats.org/presentationml/2006/main">
-  <p:cSld>
-    <p:spTree>
-      <p:nvGrpSpPr>
-        <p:cNvPr id="1" name="Shape 139"/>
-        <p:cNvGrpSpPr/>
-        <p:nvPr/>
-      </p:nvGrpSpPr>
-      <p:grpSpPr>
-        <a:xfrm>
-          <a:off x="0" y="0"/>
-          <a:ext cx="0" cy="0"/>
-          <a:chOff x="0" y="0"/>
-          <a:chExt cx="0" cy="0"/>
-        </a:xfrm>
-      </p:grpSpPr>
-      <p:sp>
-        <p:nvSpPr>
-          <p:cNvPr id="140" name="Google Shape;140;p14"/>
-          <p:cNvSpPr txBox="1">
-            <a:spLocks noGrp="1"/>
-          </p:cNvSpPr>
-          <p:nvPr>
-            <p:ph type="title"/>
-          </p:nvPr>
-        </p:nvSpPr>
-        <p:spPr>
-          <a:xfrm>
-            <a:off x="1220033" y="351875"/>
-            <a:ext cx="7038900" cy="914100"/>
-          </a:xfrm>
-          <a:prstGeom prst="rect">
-            <a:avLst/>
-          </a:prstGeom>
-        </p:spPr>
-        <p:txBody>
-          <a:bodyPr spcFirstLastPara="1" wrap="square" lIns="91425" tIns="91425" rIns="91425" bIns="91425" anchor="t" anchorCtr="0">
-            <a:normAutofit/>
-          </a:bodyPr>
-          <a:lstStyle/>
-          <a:p>
-            <a:pPr marL="0" lvl="0" indent="0" algn="l" rtl="0">
-              <a:spcBef>
-                <a:spcPts val="0"/>
-              </a:spcBef>
-              <a:spcAft>
-                <a:spcPts val="0"/>
-              </a:spcAft>
-              <a:buNone/>
-            </a:pPr>
-            <a:r>
-              <a:rPr lang="hu" b="1" dirty="0"/>
-              <a:t>Projekten Dolgozók</a:t>
-            </a:r>
-            <a:endParaRPr b="1" dirty="0"/>
-          </a:p>
-        </p:txBody>
-      </p:sp>
-      <p:sp>
-        <p:nvSpPr>
-          <p:cNvPr id="141" name="Google Shape;141;p14"/>
-          <p:cNvSpPr txBox="1">
-            <a:spLocks noGrp="1"/>
-          </p:cNvSpPr>
-          <p:nvPr>
-            <p:ph type="body" idx="1"/>
-          </p:nvPr>
-        </p:nvSpPr>
-        <p:spPr>
-          <a:xfrm>
-            <a:off x="546375" y="1567550"/>
-            <a:ext cx="7790100" cy="2911200"/>
-          </a:xfrm>
-          <a:prstGeom prst="rect">
-            <a:avLst/>
-          </a:prstGeom>
-        </p:spPr>
-        <p:txBody>
-          <a:bodyPr spcFirstLastPara="1" wrap="square" lIns="91425" tIns="91425" rIns="91425" bIns="91425" anchor="t" anchorCtr="0">
-            <a:normAutofit/>
-          </a:bodyPr>
-          <a:lstStyle/>
-          <a:p>
-            <a:pPr marL="457200" lvl="0" indent="-311150" algn="l" rtl="0">
-              <a:spcBef>
-                <a:spcPts val="0"/>
-              </a:spcBef>
-              <a:spcAft>
-                <a:spcPts val="0"/>
-              </a:spcAft>
-              <a:buSzPts val="1300"/>
-              <a:buChar char="-"/>
-            </a:pPr>
-            <a:r>
-              <a:rPr lang="hu" dirty="0"/>
-              <a:t>Ötvös Bence Elek</a:t>
-            </a:r>
-            <a:endParaRPr dirty="0"/>
-          </a:p>
-          <a:p>
-            <a:pPr marL="0" lvl="0" indent="0" algn="l" rtl="0">
-              <a:spcBef>
-                <a:spcPts val="1200"/>
-              </a:spcBef>
-              <a:spcAft>
-                <a:spcPts val="0"/>
-              </a:spcAft>
-              <a:buNone/>
-            </a:pPr>
-            <a:endParaRPr dirty="0"/>
-          </a:p>
-          <a:p>
-            <a:pPr marL="457200" lvl="0" indent="-311150" algn="l" rtl="0">
-              <a:spcBef>
-                <a:spcPts val="1200"/>
-              </a:spcBef>
-              <a:spcAft>
-                <a:spcPts val="0"/>
-              </a:spcAft>
-              <a:buSzPts val="1300"/>
-              <a:buChar char="-"/>
-            </a:pPr>
-            <a:r>
-              <a:rPr lang="hu" dirty="0"/>
-              <a:t>Somogyi Bánk</a:t>
-            </a:r>
-            <a:endParaRPr dirty="0"/>
-          </a:p>
-          <a:p>
-            <a:pPr marL="457200" lvl="0" indent="-311150" algn="l" rtl="0">
-              <a:spcBef>
-                <a:spcPts val="1200"/>
-              </a:spcBef>
-              <a:spcAft>
-                <a:spcPts val="0"/>
-              </a:spcAft>
-              <a:buSzPts val="1300"/>
-              <a:buChar char="-"/>
-            </a:pPr>
-            <a:endParaRPr lang="hu" dirty="0"/>
-          </a:p>
-          <a:p>
-            <a:pPr marL="457200" lvl="0" indent="-311150" algn="l" rtl="0">
-              <a:spcBef>
-                <a:spcPts val="1200"/>
-              </a:spcBef>
-              <a:spcAft>
-                <a:spcPts val="0"/>
-              </a:spcAft>
-              <a:buSzPts val="1300"/>
-              <a:buChar char="-"/>
-            </a:pPr>
-            <a:r>
-              <a:rPr lang="hu" dirty="0"/>
-              <a:t>Fazekas Dominik</a:t>
-            </a:r>
-            <a:endParaRPr dirty="0"/>
-          </a:p>
-          <a:p>
-            <a:pPr marL="0" lvl="0" indent="0" algn="l" rtl="0">
-              <a:spcBef>
-                <a:spcPts val="1200"/>
-              </a:spcBef>
-              <a:spcAft>
-                <a:spcPts val="1200"/>
-              </a:spcAft>
-              <a:buNone/>
-            </a:pPr>
-            <a:endParaRPr dirty="0"/>
-          </a:p>
-        </p:txBody>
-      </p:sp>
-      <p:sp>
-        <p:nvSpPr>
-          <p:cNvPr id="2" name="Téglalap 1">
-            <a:extLst>
-              <a:ext uri="{FF2B5EF4-FFF2-40B4-BE49-F238E27FC236}">
-                <a16:creationId xmlns:a16="http://schemas.microsoft.com/office/drawing/2014/main" id="{EADBC9DC-3451-4C03-8590-DCE6C6578568}"/>
-              </a:ext>
-            </a:extLst>
-          </p:cNvPr>
-          <p:cNvSpPr/>
-          <p:nvPr/>
-        </p:nvSpPr>
-        <p:spPr>
-          <a:xfrm>
-            <a:off x="432391" y="1495647"/>
-            <a:ext cx="8272130" cy="2911200"/>
-          </a:xfrm>
-          <a:prstGeom prst="rect">
-            <a:avLst/>
-          </a:prstGeom>
-          <a:noFill/>
-          <a:ln>
-            <a:solidFill>
-              <a:schemeClr val="bg1"/>
-            </a:solidFill>
-          </a:ln>
-        </p:spPr>
-        <p:style>
-          <a:lnRef idx="2">
-            <a:schemeClr val="accent1">
-              <a:shade val="50000"/>
-            </a:schemeClr>
-          </a:lnRef>
-          <a:fillRef idx="1">
-            <a:schemeClr val="accent1"/>
-          </a:fillRef>
-          <a:effectRef idx="0">
-            <a:schemeClr val="accent1"/>
-          </a:effectRef>
-          <a:fontRef idx="minor">
-            <a:schemeClr val="lt1"/>
-          </a:fontRef>
-        </p:style>
-        <p:txBody>
-          <a:bodyPr rtlCol="0" anchor="ctr"/>
-          <a:lstStyle/>
-          <a:p>
-            <a:pPr algn="ctr"/>
-            <a:endParaRPr lang="hu-HU"/>
-          </a:p>
-        </p:txBody>
-      </p:sp>
-    </p:spTree>
-  </p:cSld>
-  <p:clrMapOvr>
-    <a:masterClrMapping/>
-  </p:clrMapOvr>
-</p:sld>
-</file>
-
-<file path=ppt/slides/slide20.xml><?xml version="1.0" encoding="utf-8"?>
+<file path=ppt/slides/slide23.xml><?xml version="1.0" encoding="utf-8"?>
 <p:sld xmlns:a="http://schemas.openxmlformats.org/drawingml/2006/main" xmlns:r="http://schemas.openxmlformats.org/officeDocument/2006/relationships" xmlns:p="http://schemas.openxmlformats.org/presentationml/2006/main">
   <p:cSld>
     <p:spTree>
@@ -13617,7 +14896,7 @@
 </p:sld>
 </file>
 
-<file path=ppt/slides/slide21.xml><?xml version="1.0" encoding="utf-8"?>
+<file path=ppt/slides/slide24.xml><?xml version="1.0" encoding="utf-8"?>
 <p:sld xmlns:a="http://schemas.openxmlformats.org/drawingml/2006/main" xmlns:r="http://schemas.openxmlformats.org/officeDocument/2006/relationships" xmlns:p="http://schemas.openxmlformats.org/presentationml/2006/main">
   <p:cSld>
     <p:spTree>
@@ -13884,7 +15163,7 @@
 </p:sld>
 </file>
 
-<file path=ppt/slides/slide22.xml><?xml version="1.0" encoding="utf-8"?>
+<file path=ppt/slides/slide25.xml><?xml version="1.0" encoding="utf-8"?>
 <p:sld xmlns:a="http://schemas.openxmlformats.org/drawingml/2006/main" xmlns:r="http://schemas.openxmlformats.org/officeDocument/2006/relationships" xmlns:p="http://schemas.openxmlformats.org/presentationml/2006/main">
   <p:cSld>
     <p:spTree>
@@ -14405,10 +15684,10 @@
       </p:sp>
       <p:pic>
         <p:nvPicPr>
-          <p:cNvPr id="3" name="Kép 2">
+          <p:cNvPr id="6" name="Kép 5">
             <a:extLst>
               <a:ext uri="{FF2B5EF4-FFF2-40B4-BE49-F238E27FC236}">
-                <a16:creationId xmlns:a16="http://schemas.microsoft.com/office/drawing/2014/main" id="{DAE6746A-C67C-45D1-8DA9-5D80F364C29C}"/>
+                <a16:creationId xmlns:a16="http://schemas.microsoft.com/office/drawing/2014/main" id="{461320A7-A290-4A9E-88B7-F8F2047E1A94}"/>
               </a:ext>
             </a:extLst>
           </p:cNvPr>
@@ -14425,8 +15704,8 @@
         </p:blipFill>
         <p:spPr>
           <a:xfrm>
-            <a:off x="1211566" y="1072898"/>
-            <a:ext cx="6720867" cy="3900503"/>
+            <a:off x="1376781" y="1196206"/>
+            <a:ext cx="6390437" cy="3653887"/>
           </a:xfrm>
           <a:prstGeom prst="rect">
             <a:avLst/>
